--- a/Advance_Web_Technologies.pptx
+++ b/Advance_Web_Technologies.pptx
@@ -25,6 +25,20 @@
     <p:sldId id="270" r:id="rId19"/>
     <p:sldId id="271" r:id="rId20"/>
     <p:sldId id="272" r:id="rId21"/>
+    <p:sldId id="273" r:id="rId22"/>
+    <p:sldId id="274" r:id="rId23"/>
+    <p:sldId id="275" r:id="rId24"/>
+    <p:sldId id="276" r:id="rId25"/>
+    <p:sldId id="277" r:id="rId26"/>
+    <p:sldId id="278" r:id="rId27"/>
+    <p:sldId id="279" r:id="rId28"/>
+    <p:sldId id="280" r:id="rId29"/>
+    <p:sldId id="281" r:id="rId30"/>
+    <p:sldId id="282" r:id="rId31"/>
+    <p:sldId id="283" r:id="rId32"/>
+    <p:sldId id="284" r:id="rId33"/>
+    <p:sldId id="285" r:id="rId34"/>
+    <p:sldId id="286" r:id="rId35"/>
   </p:sldIdLst>
   <p:sldSz cy="5143500" cx="9144000"/>
   <p:notesSz cx="6858000" cy="9144000"/>
@@ -786,7 +800,7 @@
   <p:cSld>
     <p:spTree>
       <p:nvGrpSpPr>
-        <p:cNvPr id="129" name="Shape 129"/>
+        <p:cNvPr id="127" name="Shape 127"/>
         <p:cNvGrpSpPr/>
         <p:nvPr/>
       </p:nvGrpSpPr>
@@ -800,7 +814,7 @@
       </p:grpSpPr>
       <p:sp>
         <p:nvSpPr>
-          <p:cNvPr id="130" name="Shape 130"/>
+          <p:cNvPr id="128" name="Shape 128"/>
           <p:cNvSpPr/>
           <p:nvPr>
             <p:ph idx="2" type="sldImg"/>
@@ -834,7 +848,7 @@
       </p:sp>
       <p:sp>
         <p:nvSpPr>
-          <p:cNvPr id="131" name="Shape 131"/>
+          <p:cNvPr id="129" name="Shape 129"/>
           <p:cNvSpPr txBox="1"/>
           <p:nvPr>
             <p:ph idx="1" type="body"/>
@@ -884,7 +898,7 @@
   <p:cSld>
     <p:spTree>
       <p:nvGrpSpPr>
-        <p:cNvPr id="138" name="Shape 138"/>
+        <p:cNvPr id="136" name="Shape 136"/>
         <p:cNvGrpSpPr/>
         <p:nvPr/>
       </p:nvGrpSpPr>
@@ -898,7 +912,7 @@
       </p:grpSpPr>
       <p:sp>
         <p:nvSpPr>
-          <p:cNvPr id="139" name="Shape 139"/>
+          <p:cNvPr id="137" name="Shape 137"/>
           <p:cNvSpPr/>
           <p:nvPr>
             <p:ph idx="2" type="sldImg"/>
@@ -932,7 +946,7 @@
       </p:sp>
       <p:sp>
         <p:nvSpPr>
-          <p:cNvPr id="140" name="Shape 140"/>
+          <p:cNvPr id="138" name="Shape 138"/>
           <p:cNvSpPr txBox="1"/>
           <p:nvPr>
             <p:ph idx="1" type="body"/>
@@ -982,7 +996,7 @@
   <p:cSld>
     <p:spTree>
       <p:nvGrpSpPr>
-        <p:cNvPr id="147" name="Shape 147"/>
+        <p:cNvPr id="145" name="Shape 145"/>
         <p:cNvGrpSpPr/>
         <p:nvPr/>
       </p:nvGrpSpPr>
@@ -996,7 +1010,7 @@
       </p:grpSpPr>
       <p:sp>
         <p:nvSpPr>
-          <p:cNvPr id="148" name="Shape 148"/>
+          <p:cNvPr id="146" name="Shape 146"/>
           <p:cNvSpPr/>
           <p:nvPr>
             <p:ph idx="2" type="sldImg"/>
@@ -1030,7 +1044,7 @@
       </p:sp>
       <p:sp>
         <p:nvSpPr>
-          <p:cNvPr id="149" name="Shape 149"/>
+          <p:cNvPr id="147" name="Shape 147"/>
           <p:cNvSpPr txBox="1"/>
           <p:nvPr>
             <p:ph idx="1" type="body"/>
@@ -1080,7 +1094,7 @@
   <p:cSld>
     <p:spTree>
       <p:nvGrpSpPr>
-        <p:cNvPr id="155" name="Shape 155"/>
+        <p:cNvPr id="154" name="Shape 154"/>
         <p:cNvGrpSpPr/>
         <p:nvPr/>
       </p:nvGrpSpPr>
@@ -1094,7 +1108,7 @@
       </p:grpSpPr>
       <p:sp>
         <p:nvSpPr>
-          <p:cNvPr id="156" name="Shape 156"/>
+          <p:cNvPr id="155" name="Shape 155"/>
           <p:cNvSpPr/>
           <p:nvPr>
             <p:ph idx="2" type="sldImg"/>
@@ -1128,7 +1142,7 @@
       </p:sp>
       <p:sp>
         <p:nvSpPr>
-          <p:cNvPr id="157" name="Shape 157"/>
+          <p:cNvPr id="156" name="Shape 156"/>
           <p:cNvSpPr txBox="1"/>
           <p:nvPr>
             <p:ph idx="1" type="body"/>
@@ -1178,7 +1192,7 @@
   <p:cSld>
     <p:spTree>
       <p:nvGrpSpPr>
-        <p:cNvPr id="164" name="Shape 164"/>
+        <p:cNvPr id="163" name="Shape 163"/>
         <p:cNvGrpSpPr/>
         <p:nvPr/>
       </p:nvGrpSpPr>
@@ -1192,7 +1206,7 @@
       </p:grpSpPr>
       <p:sp>
         <p:nvSpPr>
-          <p:cNvPr id="165" name="Shape 165"/>
+          <p:cNvPr id="164" name="Shape 164"/>
           <p:cNvSpPr/>
           <p:nvPr>
             <p:ph idx="2" type="sldImg"/>
@@ -1226,7 +1240,7 @@
       </p:sp>
       <p:sp>
         <p:nvSpPr>
-          <p:cNvPr id="166" name="Shape 166"/>
+          <p:cNvPr id="165" name="Shape 165"/>
           <p:cNvSpPr txBox="1"/>
           <p:nvPr>
             <p:ph idx="1" type="body"/>
@@ -1276,7 +1290,7 @@
   <p:cSld>
     <p:spTree>
       <p:nvGrpSpPr>
-        <p:cNvPr id="173" name="Shape 173"/>
+        <p:cNvPr id="172" name="Shape 172"/>
         <p:cNvGrpSpPr/>
         <p:nvPr/>
       </p:nvGrpSpPr>
@@ -1290,7 +1304,7 @@
       </p:grpSpPr>
       <p:sp>
         <p:nvSpPr>
-          <p:cNvPr id="174" name="Shape 174"/>
+          <p:cNvPr id="173" name="Shape 173"/>
           <p:cNvSpPr/>
           <p:nvPr>
             <p:ph idx="2" type="sldImg"/>
@@ -1324,7 +1338,7 @@
       </p:sp>
       <p:sp>
         <p:nvSpPr>
-          <p:cNvPr id="175" name="Shape 175"/>
+          <p:cNvPr id="174" name="Shape 174"/>
           <p:cNvSpPr txBox="1"/>
           <p:nvPr>
             <p:ph idx="1" type="body"/>
@@ -1374,7 +1388,7 @@
   <p:cSld>
     <p:spTree>
       <p:nvGrpSpPr>
-        <p:cNvPr id="182" name="Shape 182"/>
+        <p:cNvPr id="181" name="Shape 181"/>
         <p:cNvGrpSpPr/>
         <p:nvPr/>
       </p:nvGrpSpPr>
@@ -1388,7 +1402,7 @@
       </p:grpSpPr>
       <p:sp>
         <p:nvSpPr>
-          <p:cNvPr id="183" name="Shape 183"/>
+          <p:cNvPr id="182" name="Shape 182"/>
           <p:cNvSpPr/>
           <p:nvPr>
             <p:ph idx="2" type="sldImg"/>
@@ -1422,7 +1436,7 @@
       </p:sp>
       <p:sp>
         <p:nvSpPr>
-          <p:cNvPr id="184" name="Shape 184"/>
+          <p:cNvPr id="183" name="Shape 183"/>
           <p:cNvSpPr txBox="1"/>
           <p:nvPr>
             <p:ph idx="1" type="body"/>
@@ -1472,7 +1486,7 @@
   <p:cSld>
     <p:spTree>
       <p:nvGrpSpPr>
-        <p:cNvPr id="191" name="Shape 191"/>
+        <p:cNvPr id="190" name="Shape 190"/>
         <p:cNvGrpSpPr/>
         <p:nvPr/>
       </p:nvGrpSpPr>
@@ -1486,7 +1500,7 @@
       </p:grpSpPr>
       <p:sp>
         <p:nvSpPr>
-          <p:cNvPr id="192" name="Shape 192"/>
+          <p:cNvPr id="191" name="Shape 191"/>
           <p:cNvSpPr/>
           <p:nvPr>
             <p:ph idx="2" type="sldImg"/>
@@ -1520,7 +1534,203 @@
       </p:sp>
       <p:sp>
         <p:nvSpPr>
-          <p:cNvPr id="193" name="Shape 193"/>
+          <p:cNvPr id="192" name="Shape 192"/>
+          <p:cNvSpPr txBox="1"/>
+          <p:nvPr>
+            <p:ph idx="1" type="body"/>
+          </p:nvPr>
+        </p:nvSpPr>
+        <p:spPr>
+          <a:xfrm>
+            <a:off x="685800" y="4343400"/>
+            <a:ext cx="5486400" cy="4114800"/>
+          </a:xfrm>
+          <a:prstGeom prst="rect">
+            <a:avLst/>
+          </a:prstGeom>
+        </p:spPr>
+        <p:txBody>
+          <a:bodyPr anchorCtr="0" anchor="t" bIns="91425" lIns="91425" spcFirstLastPara="1" rIns="91425" wrap="square" tIns="91425">
+            <a:noAutofit/>
+          </a:bodyPr>
+          <a:lstStyle/>
+          <a:p>
+            <a:pPr indent="0" lvl="0" marL="0" rtl="0">
+              <a:spcBef>
+                <a:spcPts val="0"/>
+              </a:spcBef>
+              <a:spcAft>
+                <a:spcPts val="0"/>
+              </a:spcAft>
+              <a:buNone/>
+            </a:pPr>
+            <a:r>
+              <a:t/>
+            </a:r>
+            <a:endParaRPr/>
+          </a:p>
+        </p:txBody>
+      </p:sp>
+    </p:spTree>
+  </p:cSld>
+  <p:clrMapOvr>
+    <a:masterClrMapping/>
+  </p:clrMapOvr>
+</p:notes>
+</file>
+
+<file path=ppt/notesSlides/notesSlide18.xml><?xml version="1.0" encoding="utf-8"?>
+<p:notes xmlns:a="http://schemas.openxmlformats.org/drawingml/2006/main" xmlns:r="http://schemas.openxmlformats.org/officeDocument/2006/relationships" xmlns:mc="http://schemas.openxmlformats.org/markup-compatibility/2006" xmlns:mv="urn:schemas-microsoft-com:mac:vml" xmlns:p="http://schemas.openxmlformats.org/presentationml/2006/main" xmlns:c="http://schemas.openxmlformats.org/drawingml/2006/chart" xmlns:dgm="http://schemas.openxmlformats.org/drawingml/2006/diagram" xmlns:o="urn:schemas-microsoft-com:office:office" xmlns:v="urn:schemas-microsoft-com:vml" xmlns:pvml="urn:schemas-microsoft-com:office:powerpoint" xmlns:com="http://schemas.openxmlformats.org/drawingml/2006/compatibility" xmlns:p14="http://schemas.microsoft.com/office/powerpoint/2010/main" xmlns:p15="http://schemas.microsoft.com/office/powerpoint/2012/main" showMasterPhAnim="0" showMasterSp="0">
+  <p:cSld>
+    <p:spTree>
+      <p:nvGrpSpPr>
+        <p:cNvPr id="198" name="Shape 198"/>
+        <p:cNvGrpSpPr/>
+        <p:nvPr/>
+      </p:nvGrpSpPr>
+      <p:grpSpPr>
+        <a:xfrm>
+          <a:off x="0" y="0"/>
+          <a:ext cx="0" cy="0"/>
+          <a:chOff x="0" y="0"/>
+          <a:chExt cx="0" cy="0"/>
+        </a:xfrm>
+      </p:grpSpPr>
+      <p:sp>
+        <p:nvSpPr>
+          <p:cNvPr id="199" name="Shape 199"/>
+          <p:cNvSpPr/>
+          <p:nvPr>
+            <p:ph idx="2" type="sldImg"/>
+          </p:nvPr>
+        </p:nvSpPr>
+        <p:spPr>
+          <a:xfrm>
+            <a:off x="381300" y="685800"/>
+            <a:ext cx="6096000" cy="3429000"/>
+          </a:xfrm>
+          <a:custGeom>
+            <a:pathLst>
+              <a:path extrusionOk="0" h="120000" w="120000">
+                <a:moveTo>
+                  <a:pt x="0" y="0"/>
+                </a:moveTo>
+                <a:lnTo>
+                  <a:pt x="120000" y="0"/>
+                </a:lnTo>
+                <a:lnTo>
+                  <a:pt x="120000" y="120000"/>
+                </a:lnTo>
+                <a:lnTo>
+                  <a:pt x="0" y="120000"/>
+                </a:lnTo>
+                <a:close/>
+              </a:path>
+            </a:pathLst>
+          </a:custGeom>
+        </p:spPr>
+      </p:sp>
+      <p:sp>
+        <p:nvSpPr>
+          <p:cNvPr id="200" name="Shape 200"/>
+          <p:cNvSpPr txBox="1"/>
+          <p:nvPr>
+            <p:ph idx="1" type="body"/>
+          </p:nvPr>
+        </p:nvSpPr>
+        <p:spPr>
+          <a:xfrm>
+            <a:off x="685800" y="4343400"/>
+            <a:ext cx="5486400" cy="4114800"/>
+          </a:xfrm>
+          <a:prstGeom prst="rect">
+            <a:avLst/>
+          </a:prstGeom>
+        </p:spPr>
+        <p:txBody>
+          <a:bodyPr anchorCtr="0" anchor="t" bIns="91425" lIns="91425" spcFirstLastPara="1" rIns="91425" wrap="square" tIns="91425">
+            <a:noAutofit/>
+          </a:bodyPr>
+          <a:lstStyle/>
+          <a:p>
+            <a:pPr indent="0" lvl="0" marL="0" rtl="0">
+              <a:spcBef>
+                <a:spcPts val="0"/>
+              </a:spcBef>
+              <a:spcAft>
+                <a:spcPts val="0"/>
+              </a:spcAft>
+              <a:buNone/>
+            </a:pPr>
+            <a:r>
+              <a:t/>
+            </a:r>
+            <a:endParaRPr/>
+          </a:p>
+        </p:txBody>
+      </p:sp>
+    </p:spTree>
+  </p:cSld>
+  <p:clrMapOvr>
+    <a:masterClrMapping/>
+  </p:clrMapOvr>
+</p:notes>
+</file>
+
+<file path=ppt/notesSlides/notesSlide19.xml><?xml version="1.0" encoding="utf-8"?>
+<p:notes xmlns:a="http://schemas.openxmlformats.org/drawingml/2006/main" xmlns:r="http://schemas.openxmlformats.org/officeDocument/2006/relationships" xmlns:mc="http://schemas.openxmlformats.org/markup-compatibility/2006" xmlns:mv="urn:schemas-microsoft-com:mac:vml" xmlns:p="http://schemas.openxmlformats.org/presentationml/2006/main" xmlns:c="http://schemas.openxmlformats.org/drawingml/2006/chart" xmlns:dgm="http://schemas.openxmlformats.org/drawingml/2006/diagram" xmlns:o="urn:schemas-microsoft-com:office:office" xmlns:v="urn:schemas-microsoft-com:vml" xmlns:pvml="urn:schemas-microsoft-com:office:powerpoint" xmlns:com="http://schemas.openxmlformats.org/drawingml/2006/compatibility" xmlns:p14="http://schemas.microsoft.com/office/powerpoint/2010/main" xmlns:p15="http://schemas.microsoft.com/office/powerpoint/2012/main" showMasterPhAnim="0" showMasterSp="0">
+  <p:cSld>
+    <p:spTree>
+      <p:nvGrpSpPr>
+        <p:cNvPr id="207" name="Shape 207"/>
+        <p:cNvGrpSpPr/>
+        <p:nvPr/>
+      </p:nvGrpSpPr>
+      <p:grpSpPr>
+        <a:xfrm>
+          <a:off x="0" y="0"/>
+          <a:ext cx="0" cy="0"/>
+          <a:chOff x="0" y="0"/>
+          <a:chExt cx="0" cy="0"/>
+        </a:xfrm>
+      </p:grpSpPr>
+      <p:sp>
+        <p:nvSpPr>
+          <p:cNvPr id="208" name="Shape 208"/>
+          <p:cNvSpPr/>
+          <p:nvPr>
+            <p:ph idx="2" type="sldImg"/>
+          </p:nvPr>
+        </p:nvSpPr>
+        <p:spPr>
+          <a:xfrm>
+            <a:off x="381300" y="685800"/>
+            <a:ext cx="6096000" cy="3429000"/>
+          </a:xfrm>
+          <a:custGeom>
+            <a:pathLst>
+              <a:path extrusionOk="0" h="120000" w="120000">
+                <a:moveTo>
+                  <a:pt x="0" y="0"/>
+                </a:moveTo>
+                <a:lnTo>
+                  <a:pt x="120000" y="0"/>
+                </a:lnTo>
+                <a:lnTo>
+                  <a:pt x="120000" y="120000"/>
+                </a:lnTo>
+                <a:lnTo>
+                  <a:pt x="0" y="120000"/>
+                </a:lnTo>
+                <a:close/>
+              </a:path>
+            </a:pathLst>
+          </a:custGeom>
+        </p:spPr>
+      </p:sp>
+      <p:sp>
+        <p:nvSpPr>
+          <p:cNvPr id="209" name="Shape 209"/>
           <p:cNvSpPr txBox="1"/>
           <p:nvPr>
             <p:ph idx="1" type="body"/>
@@ -1663,12 +1873,12 @@
 </p:notes>
 </file>
 
-<file path=ppt/notesSlides/notesSlide3.xml><?xml version="1.0" encoding="utf-8"?>
+<file path=ppt/notesSlides/notesSlide20.xml><?xml version="1.0" encoding="utf-8"?>
 <p:notes xmlns:a="http://schemas.openxmlformats.org/drawingml/2006/main" xmlns:r="http://schemas.openxmlformats.org/officeDocument/2006/relationships" xmlns:mc="http://schemas.openxmlformats.org/markup-compatibility/2006" xmlns:mv="urn:schemas-microsoft-com:mac:vml" xmlns:p="http://schemas.openxmlformats.org/presentationml/2006/main" xmlns:c="http://schemas.openxmlformats.org/drawingml/2006/chart" xmlns:dgm="http://schemas.openxmlformats.org/drawingml/2006/diagram" xmlns:o="urn:schemas-microsoft-com:office:office" xmlns:v="urn:schemas-microsoft-com:vml" xmlns:pvml="urn:schemas-microsoft-com:office:powerpoint" xmlns:com="http://schemas.openxmlformats.org/drawingml/2006/compatibility" xmlns:p14="http://schemas.microsoft.com/office/powerpoint/2010/main" xmlns:p15="http://schemas.microsoft.com/office/powerpoint/2012/main" showMasterPhAnim="0" showMasterSp="0">
   <p:cSld>
     <p:spTree>
       <p:nvGrpSpPr>
-        <p:cNvPr id="67" name="Shape 67"/>
+        <p:cNvPr id="216" name="Shape 216"/>
         <p:cNvGrpSpPr/>
         <p:nvPr/>
       </p:nvGrpSpPr>
@@ -1682,7 +1892,7 @@
       </p:grpSpPr>
       <p:sp>
         <p:nvSpPr>
-          <p:cNvPr id="68" name="Shape 68"/>
+          <p:cNvPr id="217" name="Shape 217"/>
           <p:cNvSpPr/>
           <p:nvPr>
             <p:ph idx="2" type="sldImg"/>
@@ -1716,7 +1926,1183 @@
       </p:sp>
       <p:sp>
         <p:nvSpPr>
+          <p:cNvPr id="218" name="Shape 218"/>
+          <p:cNvSpPr txBox="1"/>
+          <p:nvPr>
+            <p:ph idx="1" type="body"/>
+          </p:nvPr>
+        </p:nvSpPr>
+        <p:spPr>
+          <a:xfrm>
+            <a:off x="685800" y="4343400"/>
+            <a:ext cx="5486400" cy="4114800"/>
+          </a:xfrm>
+          <a:prstGeom prst="rect">
+            <a:avLst/>
+          </a:prstGeom>
+        </p:spPr>
+        <p:txBody>
+          <a:bodyPr anchorCtr="0" anchor="t" bIns="91425" lIns="91425" spcFirstLastPara="1" rIns="91425" wrap="square" tIns="91425">
+            <a:noAutofit/>
+          </a:bodyPr>
+          <a:lstStyle/>
+          <a:p>
+            <a:pPr indent="0" lvl="0" marL="0" rtl="0">
+              <a:spcBef>
+                <a:spcPts val="0"/>
+              </a:spcBef>
+              <a:spcAft>
+                <a:spcPts val="0"/>
+              </a:spcAft>
+              <a:buNone/>
+            </a:pPr>
+            <a:r>
+              <a:t/>
+            </a:r>
+            <a:endParaRPr/>
+          </a:p>
+        </p:txBody>
+      </p:sp>
+    </p:spTree>
+  </p:cSld>
+  <p:clrMapOvr>
+    <a:masterClrMapping/>
+  </p:clrMapOvr>
+</p:notes>
+</file>
+
+<file path=ppt/notesSlides/notesSlide21.xml><?xml version="1.0" encoding="utf-8"?>
+<p:notes xmlns:a="http://schemas.openxmlformats.org/drawingml/2006/main" xmlns:r="http://schemas.openxmlformats.org/officeDocument/2006/relationships" xmlns:mc="http://schemas.openxmlformats.org/markup-compatibility/2006" xmlns:mv="urn:schemas-microsoft-com:mac:vml" xmlns:p="http://schemas.openxmlformats.org/presentationml/2006/main" xmlns:c="http://schemas.openxmlformats.org/drawingml/2006/chart" xmlns:dgm="http://schemas.openxmlformats.org/drawingml/2006/diagram" xmlns:o="urn:schemas-microsoft-com:office:office" xmlns:v="urn:schemas-microsoft-com:vml" xmlns:pvml="urn:schemas-microsoft-com:office:powerpoint" xmlns:com="http://schemas.openxmlformats.org/drawingml/2006/compatibility" xmlns:p14="http://schemas.microsoft.com/office/powerpoint/2010/main" xmlns:p15="http://schemas.microsoft.com/office/powerpoint/2012/main" showMasterPhAnim="0" showMasterSp="0">
+  <p:cSld>
+    <p:spTree>
+      <p:nvGrpSpPr>
+        <p:cNvPr id="225" name="Shape 225"/>
+        <p:cNvGrpSpPr/>
+        <p:nvPr/>
+      </p:nvGrpSpPr>
+      <p:grpSpPr>
+        <a:xfrm>
+          <a:off x="0" y="0"/>
+          <a:ext cx="0" cy="0"/>
+          <a:chOff x="0" y="0"/>
+          <a:chExt cx="0" cy="0"/>
+        </a:xfrm>
+      </p:grpSpPr>
+      <p:sp>
+        <p:nvSpPr>
+          <p:cNvPr id="226" name="Shape 226"/>
+          <p:cNvSpPr/>
+          <p:nvPr>
+            <p:ph idx="2" type="sldImg"/>
+          </p:nvPr>
+        </p:nvSpPr>
+        <p:spPr>
+          <a:xfrm>
+            <a:off x="381300" y="685800"/>
+            <a:ext cx="6096000" cy="3429000"/>
+          </a:xfrm>
+          <a:custGeom>
+            <a:pathLst>
+              <a:path extrusionOk="0" h="120000" w="120000">
+                <a:moveTo>
+                  <a:pt x="0" y="0"/>
+                </a:moveTo>
+                <a:lnTo>
+                  <a:pt x="120000" y="0"/>
+                </a:lnTo>
+                <a:lnTo>
+                  <a:pt x="120000" y="120000"/>
+                </a:lnTo>
+                <a:lnTo>
+                  <a:pt x="0" y="120000"/>
+                </a:lnTo>
+                <a:close/>
+              </a:path>
+            </a:pathLst>
+          </a:custGeom>
+        </p:spPr>
+      </p:sp>
+      <p:sp>
+        <p:nvSpPr>
+          <p:cNvPr id="227" name="Shape 227"/>
+          <p:cNvSpPr txBox="1"/>
+          <p:nvPr>
+            <p:ph idx="1" type="body"/>
+          </p:nvPr>
+        </p:nvSpPr>
+        <p:spPr>
+          <a:xfrm>
+            <a:off x="685800" y="4343400"/>
+            <a:ext cx="5486400" cy="4114800"/>
+          </a:xfrm>
+          <a:prstGeom prst="rect">
+            <a:avLst/>
+          </a:prstGeom>
+        </p:spPr>
+        <p:txBody>
+          <a:bodyPr anchorCtr="0" anchor="t" bIns="91425" lIns="91425" spcFirstLastPara="1" rIns="91425" wrap="square" tIns="91425">
+            <a:noAutofit/>
+          </a:bodyPr>
+          <a:lstStyle/>
+          <a:p>
+            <a:pPr indent="0" lvl="0" marL="0" rtl="0">
+              <a:spcBef>
+                <a:spcPts val="0"/>
+              </a:spcBef>
+              <a:spcAft>
+                <a:spcPts val="0"/>
+              </a:spcAft>
+              <a:buNone/>
+            </a:pPr>
+            <a:r>
+              <a:t/>
+            </a:r>
+            <a:endParaRPr/>
+          </a:p>
+        </p:txBody>
+      </p:sp>
+    </p:spTree>
+  </p:cSld>
+  <p:clrMapOvr>
+    <a:masterClrMapping/>
+  </p:clrMapOvr>
+</p:notes>
+</file>
+
+<file path=ppt/notesSlides/notesSlide22.xml><?xml version="1.0" encoding="utf-8"?>
+<p:notes xmlns:a="http://schemas.openxmlformats.org/drawingml/2006/main" xmlns:r="http://schemas.openxmlformats.org/officeDocument/2006/relationships" xmlns:mc="http://schemas.openxmlformats.org/markup-compatibility/2006" xmlns:mv="urn:schemas-microsoft-com:mac:vml" xmlns:p="http://schemas.openxmlformats.org/presentationml/2006/main" xmlns:c="http://schemas.openxmlformats.org/drawingml/2006/chart" xmlns:dgm="http://schemas.openxmlformats.org/drawingml/2006/diagram" xmlns:o="urn:schemas-microsoft-com:office:office" xmlns:v="urn:schemas-microsoft-com:vml" xmlns:pvml="urn:schemas-microsoft-com:office:powerpoint" xmlns:com="http://schemas.openxmlformats.org/drawingml/2006/compatibility" xmlns:p14="http://schemas.microsoft.com/office/powerpoint/2010/main" xmlns:p15="http://schemas.microsoft.com/office/powerpoint/2012/main" showMasterPhAnim="0" showMasterSp="0">
+  <p:cSld>
+    <p:spTree>
+      <p:nvGrpSpPr>
+        <p:cNvPr id="234" name="Shape 234"/>
+        <p:cNvGrpSpPr/>
+        <p:nvPr/>
+      </p:nvGrpSpPr>
+      <p:grpSpPr>
+        <a:xfrm>
+          <a:off x="0" y="0"/>
+          <a:ext cx="0" cy="0"/>
+          <a:chOff x="0" y="0"/>
+          <a:chExt cx="0" cy="0"/>
+        </a:xfrm>
+      </p:grpSpPr>
+      <p:sp>
+        <p:nvSpPr>
+          <p:cNvPr id="235" name="Shape 235"/>
+          <p:cNvSpPr/>
+          <p:nvPr>
+            <p:ph idx="2" type="sldImg"/>
+          </p:nvPr>
+        </p:nvSpPr>
+        <p:spPr>
+          <a:xfrm>
+            <a:off x="381300" y="685800"/>
+            <a:ext cx="6096000" cy="3429000"/>
+          </a:xfrm>
+          <a:custGeom>
+            <a:pathLst>
+              <a:path extrusionOk="0" h="120000" w="120000">
+                <a:moveTo>
+                  <a:pt x="0" y="0"/>
+                </a:moveTo>
+                <a:lnTo>
+                  <a:pt x="120000" y="0"/>
+                </a:lnTo>
+                <a:lnTo>
+                  <a:pt x="120000" y="120000"/>
+                </a:lnTo>
+                <a:lnTo>
+                  <a:pt x="0" y="120000"/>
+                </a:lnTo>
+                <a:close/>
+              </a:path>
+            </a:pathLst>
+          </a:custGeom>
+        </p:spPr>
+      </p:sp>
+      <p:sp>
+        <p:nvSpPr>
+          <p:cNvPr id="236" name="Shape 236"/>
+          <p:cNvSpPr txBox="1"/>
+          <p:nvPr>
+            <p:ph idx="1" type="body"/>
+          </p:nvPr>
+        </p:nvSpPr>
+        <p:spPr>
+          <a:xfrm>
+            <a:off x="685800" y="4343400"/>
+            <a:ext cx="5486400" cy="4114800"/>
+          </a:xfrm>
+          <a:prstGeom prst="rect">
+            <a:avLst/>
+          </a:prstGeom>
+        </p:spPr>
+        <p:txBody>
+          <a:bodyPr anchorCtr="0" anchor="t" bIns="91425" lIns="91425" spcFirstLastPara="1" rIns="91425" wrap="square" tIns="91425">
+            <a:noAutofit/>
+          </a:bodyPr>
+          <a:lstStyle/>
+          <a:p>
+            <a:pPr indent="0" lvl="0" marL="0" rtl="0">
+              <a:spcBef>
+                <a:spcPts val="0"/>
+              </a:spcBef>
+              <a:spcAft>
+                <a:spcPts val="0"/>
+              </a:spcAft>
+              <a:buNone/>
+            </a:pPr>
+            <a:r>
+              <a:t/>
+            </a:r>
+            <a:endParaRPr/>
+          </a:p>
+        </p:txBody>
+      </p:sp>
+    </p:spTree>
+  </p:cSld>
+  <p:clrMapOvr>
+    <a:masterClrMapping/>
+  </p:clrMapOvr>
+</p:notes>
+</file>
+
+<file path=ppt/notesSlides/notesSlide23.xml><?xml version="1.0" encoding="utf-8"?>
+<p:notes xmlns:a="http://schemas.openxmlformats.org/drawingml/2006/main" xmlns:r="http://schemas.openxmlformats.org/officeDocument/2006/relationships" xmlns:mc="http://schemas.openxmlformats.org/markup-compatibility/2006" xmlns:mv="urn:schemas-microsoft-com:mac:vml" xmlns:p="http://schemas.openxmlformats.org/presentationml/2006/main" xmlns:c="http://schemas.openxmlformats.org/drawingml/2006/chart" xmlns:dgm="http://schemas.openxmlformats.org/drawingml/2006/diagram" xmlns:o="urn:schemas-microsoft-com:office:office" xmlns:v="urn:schemas-microsoft-com:vml" xmlns:pvml="urn:schemas-microsoft-com:office:powerpoint" xmlns:com="http://schemas.openxmlformats.org/drawingml/2006/compatibility" xmlns:p14="http://schemas.microsoft.com/office/powerpoint/2010/main" xmlns:p15="http://schemas.microsoft.com/office/powerpoint/2012/main" showMasterPhAnim="0" showMasterSp="0">
+  <p:cSld>
+    <p:spTree>
+      <p:nvGrpSpPr>
+        <p:cNvPr id="242" name="Shape 242"/>
+        <p:cNvGrpSpPr/>
+        <p:nvPr/>
+      </p:nvGrpSpPr>
+      <p:grpSpPr>
+        <a:xfrm>
+          <a:off x="0" y="0"/>
+          <a:ext cx="0" cy="0"/>
+          <a:chOff x="0" y="0"/>
+          <a:chExt cx="0" cy="0"/>
+        </a:xfrm>
+      </p:grpSpPr>
+      <p:sp>
+        <p:nvSpPr>
+          <p:cNvPr id="243" name="Shape 243"/>
+          <p:cNvSpPr/>
+          <p:nvPr>
+            <p:ph idx="2" type="sldImg"/>
+          </p:nvPr>
+        </p:nvSpPr>
+        <p:spPr>
+          <a:xfrm>
+            <a:off x="381300" y="685800"/>
+            <a:ext cx="6096000" cy="3429000"/>
+          </a:xfrm>
+          <a:custGeom>
+            <a:pathLst>
+              <a:path extrusionOk="0" h="120000" w="120000">
+                <a:moveTo>
+                  <a:pt x="0" y="0"/>
+                </a:moveTo>
+                <a:lnTo>
+                  <a:pt x="120000" y="0"/>
+                </a:lnTo>
+                <a:lnTo>
+                  <a:pt x="120000" y="120000"/>
+                </a:lnTo>
+                <a:lnTo>
+                  <a:pt x="0" y="120000"/>
+                </a:lnTo>
+                <a:close/>
+              </a:path>
+            </a:pathLst>
+          </a:custGeom>
+        </p:spPr>
+      </p:sp>
+      <p:sp>
+        <p:nvSpPr>
+          <p:cNvPr id="244" name="Shape 244"/>
+          <p:cNvSpPr txBox="1"/>
+          <p:nvPr>
+            <p:ph idx="1" type="body"/>
+          </p:nvPr>
+        </p:nvSpPr>
+        <p:spPr>
+          <a:xfrm>
+            <a:off x="685800" y="4343400"/>
+            <a:ext cx="5486400" cy="4114800"/>
+          </a:xfrm>
+          <a:prstGeom prst="rect">
+            <a:avLst/>
+          </a:prstGeom>
+        </p:spPr>
+        <p:txBody>
+          <a:bodyPr anchorCtr="0" anchor="t" bIns="91425" lIns="91425" spcFirstLastPara="1" rIns="91425" wrap="square" tIns="91425">
+            <a:noAutofit/>
+          </a:bodyPr>
+          <a:lstStyle/>
+          <a:p>
+            <a:pPr indent="0" lvl="0" marL="0" rtl="0">
+              <a:spcBef>
+                <a:spcPts val="0"/>
+              </a:spcBef>
+              <a:spcAft>
+                <a:spcPts val="0"/>
+              </a:spcAft>
+              <a:buNone/>
+            </a:pPr>
+            <a:r>
+              <a:t/>
+            </a:r>
+            <a:endParaRPr/>
+          </a:p>
+        </p:txBody>
+      </p:sp>
+    </p:spTree>
+  </p:cSld>
+  <p:clrMapOvr>
+    <a:masterClrMapping/>
+  </p:clrMapOvr>
+</p:notes>
+</file>
+
+<file path=ppt/notesSlides/notesSlide24.xml><?xml version="1.0" encoding="utf-8"?>
+<p:notes xmlns:a="http://schemas.openxmlformats.org/drawingml/2006/main" xmlns:r="http://schemas.openxmlformats.org/officeDocument/2006/relationships" xmlns:mc="http://schemas.openxmlformats.org/markup-compatibility/2006" xmlns:mv="urn:schemas-microsoft-com:mac:vml" xmlns:p="http://schemas.openxmlformats.org/presentationml/2006/main" xmlns:c="http://schemas.openxmlformats.org/drawingml/2006/chart" xmlns:dgm="http://schemas.openxmlformats.org/drawingml/2006/diagram" xmlns:o="urn:schemas-microsoft-com:office:office" xmlns:v="urn:schemas-microsoft-com:vml" xmlns:pvml="urn:schemas-microsoft-com:office:powerpoint" xmlns:com="http://schemas.openxmlformats.org/drawingml/2006/compatibility" xmlns:p14="http://schemas.microsoft.com/office/powerpoint/2010/main" xmlns:p15="http://schemas.microsoft.com/office/powerpoint/2012/main" showMasterPhAnim="0" showMasterSp="0">
+  <p:cSld>
+    <p:spTree>
+      <p:nvGrpSpPr>
+        <p:cNvPr id="251" name="Shape 251"/>
+        <p:cNvGrpSpPr/>
+        <p:nvPr/>
+      </p:nvGrpSpPr>
+      <p:grpSpPr>
+        <a:xfrm>
+          <a:off x="0" y="0"/>
+          <a:ext cx="0" cy="0"/>
+          <a:chOff x="0" y="0"/>
+          <a:chExt cx="0" cy="0"/>
+        </a:xfrm>
+      </p:grpSpPr>
+      <p:sp>
+        <p:nvSpPr>
+          <p:cNvPr id="252" name="Shape 252"/>
+          <p:cNvSpPr/>
+          <p:nvPr>
+            <p:ph idx="2" type="sldImg"/>
+          </p:nvPr>
+        </p:nvSpPr>
+        <p:spPr>
+          <a:xfrm>
+            <a:off x="381300" y="685800"/>
+            <a:ext cx="6096000" cy="3429000"/>
+          </a:xfrm>
+          <a:custGeom>
+            <a:pathLst>
+              <a:path extrusionOk="0" h="120000" w="120000">
+                <a:moveTo>
+                  <a:pt x="0" y="0"/>
+                </a:moveTo>
+                <a:lnTo>
+                  <a:pt x="120000" y="0"/>
+                </a:lnTo>
+                <a:lnTo>
+                  <a:pt x="120000" y="120000"/>
+                </a:lnTo>
+                <a:lnTo>
+                  <a:pt x="0" y="120000"/>
+                </a:lnTo>
+                <a:close/>
+              </a:path>
+            </a:pathLst>
+          </a:custGeom>
+        </p:spPr>
+      </p:sp>
+      <p:sp>
+        <p:nvSpPr>
+          <p:cNvPr id="253" name="Shape 253"/>
+          <p:cNvSpPr txBox="1"/>
+          <p:nvPr>
+            <p:ph idx="1" type="body"/>
+          </p:nvPr>
+        </p:nvSpPr>
+        <p:spPr>
+          <a:xfrm>
+            <a:off x="685800" y="4343400"/>
+            <a:ext cx="5486400" cy="4114800"/>
+          </a:xfrm>
+          <a:prstGeom prst="rect">
+            <a:avLst/>
+          </a:prstGeom>
+        </p:spPr>
+        <p:txBody>
+          <a:bodyPr anchorCtr="0" anchor="t" bIns="91425" lIns="91425" spcFirstLastPara="1" rIns="91425" wrap="square" tIns="91425">
+            <a:noAutofit/>
+          </a:bodyPr>
+          <a:lstStyle/>
+          <a:p>
+            <a:pPr indent="0" lvl="0" marL="0" rtl="0">
+              <a:spcBef>
+                <a:spcPts val="0"/>
+              </a:spcBef>
+              <a:spcAft>
+                <a:spcPts val="0"/>
+              </a:spcAft>
+              <a:buNone/>
+            </a:pPr>
+            <a:r>
+              <a:t/>
+            </a:r>
+            <a:endParaRPr/>
+          </a:p>
+        </p:txBody>
+      </p:sp>
+    </p:spTree>
+  </p:cSld>
+  <p:clrMapOvr>
+    <a:masterClrMapping/>
+  </p:clrMapOvr>
+</p:notes>
+</file>
+
+<file path=ppt/notesSlides/notesSlide25.xml><?xml version="1.0" encoding="utf-8"?>
+<p:notes xmlns:a="http://schemas.openxmlformats.org/drawingml/2006/main" xmlns:r="http://schemas.openxmlformats.org/officeDocument/2006/relationships" xmlns:mc="http://schemas.openxmlformats.org/markup-compatibility/2006" xmlns:mv="urn:schemas-microsoft-com:mac:vml" xmlns:p="http://schemas.openxmlformats.org/presentationml/2006/main" xmlns:c="http://schemas.openxmlformats.org/drawingml/2006/chart" xmlns:dgm="http://schemas.openxmlformats.org/drawingml/2006/diagram" xmlns:o="urn:schemas-microsoft-com:office:office" xmlns:v="urn:schemas-microsoft-com:vml" xmlns:pvml="urn:schemas-microsoft-com:office:powerpoint" xmlns:com="http://schemas.openxmlformats.org/drawingml/2006/compatibility" xmlns:p14="http://schemas.microsoft.com/office/powerpoint/2010/main" xmlns:p15="http://schemas.microsoft.com/office/powerpoint/2012/main" showMasterPhAnim="0" showMasterSp="0">
+  <p:cSld>
+    <p:spTree>
+      <p:nvGrpSpPr>
+        <p:cNvPr id="260" name="Shape 260"/>
+        <p:cNvGrpSpPr/>
+        <p:nvPr/>
+      </p:nvGrpSpPr>
+      <p:grpSpPr>
+        <a:xfrm>
+          <a:off x="0" y="0"/>
+          <a:ext cx="0" cy="0"/>
+          <a:chOff x="0" y="0"/>
+          <a:chExt cx="0" cy="0"/>
+        </a:xfrm>
+      </p:grpSpPr>
+      <p:sp>
+        <p:nvSpPr>
+          <p:cNvPr id="261" name="Shape 261"/>
+          <p:cNvSpPr/>
+          <p:nvPr>
+            <p:ph idx="2" type="sldImg"/>
+          </p:nvPr>
+        </p:nvSpPr>
+        <p:spPr>
+          <a:xfrm>
+            <a:off x="381300" y="685800"/>
+            <a:ext cx="6096000" cy="3429000"/>
+          </a:xfrm>
+          <a:custGeom>
+            <a:pathLst>
+              <a:path extrusionOk="0" h="120000" w="120000">
+                <a:moveTo>
+                  <a:pt x="0" y="0"/>
+                </a:moveTo>
+                <a:lnTo>
+                  <a:pt x="120000" y="0"/>
+                </a:lnTo>
+                <a:lnTo>
+                  <a:pt x="120000" y="120000"/>
+                </a:lnTo>
+                <a:lnTo>
+                  <a:pt x="0" y="120000"/>
+                </a:lnTo>
+                <a:close/>
+              </a:path>
+            </a:pathLst>
+          </a:custGeom>
+        </p:spPr>
+      </p:sp>
+      <p:sp>
+        <p:nvSpPr>
+          <p:cNvPr id="262" name="Shape 262"/>
+          <p:cNvSpPr txBox="1"/>
+          <p:nvPr>
+            <p:ph idx="1" type="body"/>
+          </p:nvPr>
+        </p:nvSpPr>
+        <p:spPr>
+          <a:xfrm>
+            <a:off x="685800" y="4343400"/>
+            <a:ext cx="5486400" cy="4114800"/>
+          </a:xfrm>
+          <a:prstGeom prst="rect">
+            <a:avLst/>
+          </a:prstGeom>
+        </p:spPr>
+        <p:txBody>
+          <a:bodyPr anchorCtr="0" anchor="t" bIns="91425" lIns="91425" spcFirstLastPara="1" rIns="91425" wrap="square" tIns="91425">
+            <a:noAutofit/>
+          </a:bodyPr>
+          <a:lstStyle/>
+          <a:p>
+            <a:pPr indent="0" lvl="0" marL="0" rtl="0">
+              <a:spcBef>
+                <a:spcPts val="0"/>
+              </a:spcBef>
+              <a:spcAft>
+                <a:spcPts val="0"/>
+              </a:spcAft>
+              <a:buNone/>
+            </a:pPr>
+            <a:r>
+              <a:t/>
+            </a:r>
+            <a:endParaRPr/>
+          </a:p>
+        </p:txBody>
+      </p:sp>
+    </p:spTree>
+  </p:cSld>
+  <p:clrMapOvr>
+    <a:masterClrMapping/>
+  </p:clrMapOvr>
+</p:notes>
+</file>
+
+<file path=ppt/notesSlides/notesSlide26.xml><?xml version="1.0" encoding="utf-8"?>
+<p:notes xmlns:a="http://schemas.openxmlformats.org/drawingml/2006/main" xmlns:r="http://schemas.openxmlformats.org/officeDocument/2006/relationships" xmlns:mc="http://schemas.openxmlformats.org/markup-compatibility/2006" xmlns:mv="urn:schemas-microsoft-com:mac:vml" xmlns:p="http://schemas.openxmlformats.org/presentationml/2006/main" xmlns:c="http://schemas.openxmlformats.org/drawingml/2006/chart" xmlns:dgm="http://schemas.openxmlformats.org/drawingml/2006/diagram" xmlns:o="urn:schemas-microsoft-com:office:office" xmlns:v="urn:schemas-microsoft-com:vml" xmlns:pvml="urn:schemas-microsoft-com:office:powerpoint" xmlns:com="http://schemas.openxmlformats.org/drawingml/2006/compatibility" xmlns:p14="http://schemas.microsoft.com/office/powerpoint/2010/main" xmlns:p15="http://schemas.microsoft.com/office/powerpoint/2012/main" showMasterPhAnim="0" showMasterSp="0">
+  <p:cSld>
+    <p:spTree>
+      <p:nvGrpSpPr>
+        <p:cNvPr id="268" name="Shape 268"/>
+        <p:cNvGrpSpPr/>
+        <p:nvPr/>
+      </p:nvGrpSpPr>
+      <p:grpSpPr>
+        <a:xfrm>
+          <a:off x="0" y="0"/>
+          <a:ext cx="0" cy="0"/>
+          <a:chOff x="0" y="0"/>
+          <a:chExt cx="0" cy="0"/>
+        </a:xfrm>
+      </p:grpSpPr>
+      <p:sp>
+        <p:nvSpPr>
+          <p:cNvPr id="269" name="Shape 269"/>
+          <p:cNvSpPr/>
+          <p:nvPr>
+            <p:ph idx="2" type="sldImg"/>
+          </p:nvPr>
+        </p:nvSpPr>
+        <p:spPr>
+          <a:xfrm>
+            <a:off x="381300" y="685800"/>
+            <a:ext cx="6096000" cy="3429000"/>
+          </a:xfrm>
+          <a:custGeom>
+            <a:pathLst>
+              <a:path extrusionOk="0" h="120000" w="120000">
+                <a:moveTo>
+                  <a:pt x="0" y="0"/>
+                </a:moveTo>
+                <a:lnTo>
+                  <a:pt x="120000" y="0"/>
+                </a:lnTo>
+                <a:lnTo>
+                  <a:pt x="120000" y="120000"/>
+                </a:lnTo>
+                <a:lnTo>
+                  <a:pt x="0" y="120000"/>
+                </a:lnTo>
+                <a:close/>
+              </a:path>
+            </a:pathLst>
+          </a:custGeom>
+        </p:spPr>
+      </p:sp>
+      <p:sp>
+        <p:nvSpPr>
+          <p:cNvPr id="270" name="Shape 270"/>
+          <p:cNvSpPr txBox="1"/>
+          <p:nvPr>
+            <p:ph idx="1" type="body"/>
+          </p:nvPr>
+        </p:nvSpPr>
+        <p:spPr>
+          <a:xfrm>
+            <a:off x="685800" y="4343400"/>
+            <a:ext cx="5486400" cy="4114800"/>
+          </a:xfrm>
+          <a:prstGeom prst="rect">
+            <a:avLst/>
+          </a:prstGeom>
+        </p:spPr>
+        <p:txBody>
+          <a:bodyPr anchorCtr="0" anchor="t" bIns="91425" lIns="91425" spcFirstLastPara="1" rIns="91425" wrap="square" tIns="91425">
+            <a:noAutofit/>
+          </a:bodyPr>
+          <a:lstStyle/>
+          <a:p>
+            <a:pPr indent="0" lvl="0" marL="0" rtl="0">
+              <a:spcBef>
+                <a:spcPts val="0"/>
+              </a:spcBef>
+              <a:spcAft>
+                <a:spcPts val="0"/>
+              </a:spcAft>
+              <a:buNone/>
+            </a:pPr>
+            <a:r>
+              <a:t/>
+            </a:r>
+            <a:endParaRPr/>
+          </a:p>
+        </p:txBody>
+      </p:sp>
+    </p:spTree>
+  </p:cSld>
+  <p:clrMapOvr>
+    <a:masterClrMapping/>
+  </p:clrMapOvr>
+</p:notes>
+</file>
+
+<file path=ppt/notesSlides/notesSlide27.xml><?xml version="1.0" encoding="utf-8"?>
+<p:notes xmlns:a="http://schemas.openxmlformats.org/drawingml/2006/main" xmlns:r="http://schemas.openxmlformats.org/officeDocument/2006/relationships" xmlns:mc="http://schemas.openxmlformats.org/markup-compatibility/2006" xmlns:mv="urn:schemas-microsoft-com:mac:vml" xmlns:p="http://schemas.openxmlformats.org/presentationml/2006/main" xmlns:c="http://schemas.openxmlformats.org/drawingml/2006/chart" xmlns:dgm="http://schemas.openxmlformats.org/drawingml/2006/diagram" xmlns:o="urn:schemas-microsoft-com:office:office" xmlns:v="urn:schemas-microsoft-com:vml" xmlns:pvml="urn:schemas-microsoft-com:office:powerpoint" xmlns:com="http://schemas.openxmlformats.org/drawingml/2006/compatibility" xmlns:p14="http://schemas.microsoft.com/office/powerpoint/2010/main" xmlns:p15="http://schemas.microsoft.com/office/powerpoint/2012/main" showMasterPhAnim="0" showMasterSp="0">
+  <p:cSld>
+    <p:spTree>
+      <p:nvGrpSpPr>
+        <p:cNvPr id="277" name="Shape 277"/>
+        <p:cNvGrpSpPr/>
+        <p:nvPr/>
+      </p:nvGrpSpPr>
+      <p:grpSpPr>
+        <a:xfrm>
+          <a:off x="0" y="0"/>
+          <a:ext cx="0" cy="0"/>
+          <a:chOff x="0" y="0"/>
+          <a:chExt cx="0" cy="0"/>
+        </a:xfrm>
+      </p:grpSpPr>
+      <p:sp>
+        <p:nvSpPr>
+          <p:cNvPr id="278" name="Shape 278"/>
+          <p:cNvSpPr/>
+          <p:nvPr>
+            <p:ph idx="2" type="sldImg"/>
+          </p:nvPr>
+        </p:nvSpPr>
+        <p:spPr>
+          <a:xfrm>
+            <a:off x="381300" y="685800"/>
+            <a:ext cx="6096000" cy="3429000"/>
+          </a:xfrm>
+          <a:custGeom>
+            <a:pathLst>
+              <a:path extrusionOk="0" h="120000" w="120000">
+                <a:moveTo>
+                  <a:pt x="0" y="0"/>
+                </a:moveTo>
+                <a:lnTo>
+                  <a:pt x="120000" y="0"/>
+                </a:lnTo>
+                <a:lnTo>
+                  <a:pt x="120000" y="120000"/>
+                </a:lnTo>
+                <a:lnTo>
+                  <a:pt x="0" y="120000"/>
+                </a:lnTo>
+                <a:close/>
+              </a:path>
+            </a:pathLst>
+          </a:custGeom>
+        </p:spPr>
+      </p:sp>
+      <p:sp>
+        <p:nvSpPr>
+          <p:cNvPr id="279" name="Shape 279"/>
+          <p:cNvSpPr txBox="1"/>
+          <p:nvPr>
+            <p:ph idx="1" type="body"/>
+          </p:nvPr>
+        </p:nvSpPr>
+        <p:spPr>
+          <a:xfrm>
+            <a:off x="685800" y="4343400"/>
+            <a:ext cx="5486400" cy="4114800"/>
+          </a:xfrm>
+          <a:prstGeom prst="rect">
+            <a:avLst/>
+          </a:prstGeom>
+        </p:spPr>
+        <p:txBody>
+          <a:bodyPr anchorCtr="0" anchor="t" bIns="91425" lIns="91425" spcFirstLastPara="1" rIns="91425" wrap="square" tIns="91425">
+            <a:noAutofit/>
+          </a:bodyPr>
+          <a:lstStyle/>
+          <a:p>
+            <a:pPr indent="0" lvl="0" marL="0" rtl="0">
+              <a:spcBef>
+                <a:spcPts val="0"/>
+              </a:spcBef>
+              <a:spcAft>
+                <a:spcPts val="0"/>
+              </a:spcAft>
+              <a:buNone/>
+            </a:pPr>
+            <a:r>
+              <a:t/>
+            </a:r>
+            <a:endParaRPr/>
+          </a:p>
+        </p:txBody>
+      </p:sp>
+    </p:spTree>
+  </p:cSld>
+  <p:clrMapOvr>
+    <a:masterClrMapping/>
+  </p:clrMapOvr>
+</p:notes>
+</file>
+
+<file path=ppt/notesSlides/notesSlide28.xml><?xml version="1.0" encoding="utf-8"?>
+<p:notes xmlns:a="http://schemas.openxmlformats.org/drawingml/2006/main" xmlns:r="http://schemas.openxmlformats.org/officeDocument/2006/relationships" xmlns:mc="http://schemas.openxmlformats.org/markup-compatibility/2006" xmlns:mv="urn:schemas-microsoft-com:mac:vml" xmlns:p="http://schemas.openxmlformats.org/presentationml/2006/main" xmlns:c="http://schemas.openxmlformats.org/drawingml/2006/chart" xmlns:dgm="http://schemas.openxmlformats.org/drawingml/2006/diagram" xmlns:o="urn:schemas-microsoft-com:office:office" xmlns:v="urn:schemas-microsoft-com:vml" xmlns:pvml="urn:schemas-microsoft-com:office:powerpoint" xmlns:com="http://schemas.openxmlformats.org/drawingml/2006/compatibility" xmlns:p14="http://schemas.microsoft.com/office/powerpoint/2010/main" xmlns:p15="http://schemas.microsoft.com/office/powerpoint/2012/main" showMasterPhAnim="0" showMasterSp="0">
+  <p:cSld>
+    <p:spTree>
+      <p:nvGrpSpPr>
+        <p:cNvPr id="286" name="Shape 286"/>
+        <p:cNvGrpSpPr/>
+        <p:nvPr/>
+      </p:nvGrpSpPr>
+      <p:grpSpPr>
+        <a:xfrm>
+          <a:off x="0" y="0"/>
+          <a:ext cx="0" cy="0"/>
+          <a:chOff x="0" y="0"/>
+          <a:chExt cx="0" cy="0"/>
+        </a:xfrm>
+      </p:grpSpPr>
+      <p:sp>
+        <p:nvSpPr>
+          <p:cNvPr id="287" name="Shape 287"/>
+          <p:cNvSpPr/>
+          <p:nvPr>
+            <p:ph idx="2" type="sldImg"/>
+          </p:nvPr>
+        </p:nvSpPr>
+        <p:spPr>
+          <a:xfrm>
+            <a:off x="381300" y="685800"/>
+            <a:ext cx="6096000" cy="3429000"/>
+          </a:xfrm>
+          <a:custGeom>
+            <a:pathLst>
+              <a:path extrusionOk="0" h="120000" w="120000">
+                <a:moveTo>
+                  <a:pt x="0" y="0"/>
+                </a:moveTo>
+                <a:lnTo>
+                  <a:pt x="120000" y="0"/>
+                </a:lnTo>
+                <a:lnTo>
+                  <a:pt x="120000" y="120000"/>
+                </a:lnTo>
+                <a:lnTo>
+                  <a:pt x="0" y="120000"/>
+                </a:lnTo>
+                <a:close/>
+              </a:path>
+            </a:pathLst>
+          </a:custGeom>
+        </p:spPr>
+      </p:sp>
+      <p:sp>
+        <p:nvSpPr>
+          <p:cNvPr id="288" name="Shape 288"/>
+          <p:cNvSpPr txBox="1"/>
+          <p:nvPr>
+            <p:ph idx="1" type="body"/>
+          </p:nvPr>
+        </p:nvSpPr>
+        <p:spPr>
+          <a:xfrm>
+            <a:off x="685800" y="4343400"/>
+            <a:ext cx="5486400" cy="4114800"/>
+          </a:xfrm>
+          <a:prstGeom prst="rect">
+            <a:avLst/>
+          </a:prstGeom>
+        </p:spPr>
+        <p:txBody>
+          <a:bodyPr anchorCtr="0" anchor="t" bIns="91425" lIns="91425" spcFirstLastPara="1" rIns="91425" wrap="square" tIns="91425">
+            <a:noAutofit/>
+          </a:bodyPr>
+          <a:lstStyle/>
+          <a:p>
+            <a:pPr indent="0" lvl="0" marL="0" rtl="0">
+              <a:spcBef>
+                <a:spcPts val="0"/>
+              </a:spcBef>
+              <a:spcAft>
+                <a:spcPts val="0"/>
+              </a:spcAft>
+              <a:buNone/>
+            </a:pPr>
+            <a:r>
+              <a:t/>
+            </a:r>
+            <a:endParaRPr/>
+          </a:p>
+        </p:txBody>
+      </p:sp>
+    </p:spTree>
+  </p:cSld>
+  <p:clrMapOvr>
+    <a:masterClrMapping/>
+  </p:clrMapOvr>
+</p:notes>
+</file>
+
+<file path=ppt/notesSlides/notesSlide29.xml><?xml version="1.0" encoding="utf-8"?>
+<p:notes xmlns:a="http://schemas.openxmlformats.org/drawingml/2006/main" xmlns:r="http://schemas.openxmlformats.org/officeDocument/2006/relationships" xmlns:mc="http://schemas.openxmlformats.org/markup-compatibility/2006" xmlns:mv="urn:schemas-microsoft-com:mac:vml" xmlns:p="http://schemas.openxmlformats.org/presentationml/2006/main" xmlns:c="http://schemas.openxmlformats.org/drawingml/2006/chart" xmlns:dgm="http://schemas.openxmlformats.org/drawingml/2006/diagram" xmlns:o="urn:schemas-microsoft-com:office:office" xmlns:v="urn:schemas-microsoft-com:vml" xmlns:pvml="urn:schemas-microsoft-com:office:powerpoint" xmlns:com="http://schemas.openxmlformats.org/drawingml/2006/compatibility" xmlns:p14="http://schemas.microsoft.com/office/powerpoint/2010/main" xmlns:p15="http://schemas.microsoft.com/office/powerpoint/2012/main" showMasterPhAnim="0" showMasterSp="0">
+  <p:cSld>
+    <p:spTree>
+      <p:nvGrpSpPr>
+        <p:cNvPr id="296" name="Shape 296"/>
+        <p:cNvGrpSpPr/>
+        <p:nvPr/>
+      </p:nvGrpSpPr>
+      <p:grpSpPr>
+        <a:xfrm>
+          <a:off x="0" y="0"/>
+          <a:ext cx="0" cy="0"/>
+          <a:chOff x="0" y="0"/>
+          <a:chExt cx="0" cy="0"/>
+        </a:xfrm>
+      </p:grpSpPr>
+      <p:sp>
+        <p:nvSpPr>
+          <p:cNvPr id="297" name="Shape 297"/>
+          <p:cNvSpPr/>
+          <p:nvPr>
+            <p:ph idx="2" type="sldImg"/>
+          </p:nvPr>
+        </p:nvSpPr>
+        <p:spPr>
+          <a:xfrm>
+            <a:off x="381300" y="685800"/>
+            <a:ext cx="6096000" cy="3429000"/>
+          </a:xfrm>
+          <a:custGeom>
+            <a:pathLst>
+              <a:path extrusionOk="0" h="120000" w="120000">
+                <a:moveTo>
+                  <a:pt x="0" y="0"/>
+                </a:moveTo>
+                <a:lnTo>
+                  <a:pt x="120000" y="0"/>
+                </a:lnTo>
+                <a:lnTo>
+                  <a:pt x="120000" y="120000"/>
+                </a:lnTo>
+                <a:lnTo>
+                  <a:pt x="0" y="120000"/>
+                </a:lnTo>
+                <a:close/>
+              </a:path>
+            </a:pathLst>
+          </a:custGeom>
+        </p:spPr>
+      </p:sp>
+      <p:sp>
+        <p:nvSpPr>
+          <p:cNvPr id="298" name="Shape 298"/>
+          <p:cNvSpPr txBox="1"/>
+          <p:nvPr>
+            <p:ph idx="1" type="body"/>
+          </p:nvPr>
+        </p:nvSpPr>
+        <p:spPr>
+          <a:xfrm>
+            <a:off x="685800" y="4343400"/>
+            <a:ext cx="5486400" cy="4114800"/>
+          </a:xfrm>
+          <a:prstGeom prst="rect">
+            <a:avLst/>
+          </a:prstGeom>
+        </p:spPr>
+        <p:txBody>
+          <a:bodyPr anchorCtr="0" anchor="t" bIns="91425" lIns="91425" spcFirstLastPara="1" rIns="91425" wrap="square" tIns="91425">
+            <a:noAutofit/>
+          </a:bodyPr>
+          <a:lstStyle/>
+          <a:p>
+            <a:pPr indent="0" lvl="0" marL="0" rtl="0">
+              <a:spcBef>
+                <a:spcPts val="0"/>
+              </a:spcBef>
+              <a:spcAft>
+                <a:spcPts val="0"/>
+              </a:spcAft>
+              <a:buNone/>
+            </a:pPr>
+            <a:r>
+              <a:t/>
+            </a:r>
+            <a:endParaRPr/>
+          </a:p>
+        </p:txBody>
+      </p:sp>
+    </p:spTree>
+  </p:cSld>
+  <p:clrMapOvr>
+    <a:masterClrMapping/>
+  </p:clrMapOvr>
+</p:notes>
+</file>
+
+<file path=ppt/notesSlides/notesSlide3.xml><?xml version="1.0" encoding="utf-8"?>
+<p:notes xmlns:a="http://schemas.openxmlformats.org/drawingml/2006/main" xmlns:r="http://schemas.openxmlformats.org/officeDocument/2006/relationships" xmlns:mc="http://schemas.openxmlformats.org/markup-compatibility/2006" xmlns:mv="urn:schemas-microsoft-com:mac:vml" xmlns:p="http://schemas.openxmlformats.org/presentationml/2006/main" xmlns:c="http://schemas.openxmlformats.org/drawingml/2006/chart" xmlns:dgm="http://schemas.openxmlformats.org/drawingml/2006/diagram" xmlns:o="urn:schemas-microsoft-com:office:office" xmlns:v="urn:schemas-microsoft-com:vml" xmlns:pvml="urn:schemas-microsoft-com:office:powerpoint" xmlns:com="http://schemas.openxmlformats.org/drawingml/2006/compatibility" xmlns:p14="http://schemas.microsoft.com/office/powerpoint/2010/main" xmlns:p15="http://schemas.microsoft.com/office/powerpoint/2012/main" showMasterPhAnim="0" showMasterSp="0">
+  <p:cSld>
+    <p:spTree>
+      <p:nvGrpSpPr>
+        <p:cNvPr id="67" name="Shape 67"/>
+        <p:cNvGrpSpPr/>
+        <p:nvPr/>
+      </p:nvGrpSpPr>
+      <p:grpSpPr>
+        <a:xfrm>
+          <a:off x="0" y="0"/>
+          <a:ext cx="0" cy="0"/>
+          <a:chOff x="0" y="0"/>
+          <a:chExt cx="0" cy="0"/>
+        </a:xfrm>
+      </p:grpSpPr>
+      <p:sp>
+        <p:nvSpPr>
+          <p:cNvPr id="68" name="Shape 68"/>
+          <p:cNvSpPr/>
+          <p:nvPr>
+            <p:ph idx="2" type="sldImg"/>
+          </p:nvPr>
+        </p:nvSpPr>
+        <p:spPr>
+          <a:xfrm>
+            <a:off x="381300" y="685800"/>
+            <a:ext cx="6096000" cy="3429000"/>
+          </a:xfrm>
+          <a:custGeom>
+            <a:pathLst>
+              <a:path extrusionOk="0" h="120000" w="120000">
+                <a:moveTo>
+                  <a:pt x="0" y="0"/>
+                </a:moveTo>
+                <a:lnTo>
+                  <a:pt x="120000" y="0"/>
+                </a:lnTo>
+                <a:lnTo>
+                  <a:pt x="120000" y="120000"/>
+                </a:lnTo>
+                <a:lnTo>
+                  <a:pt x="0" y="120000"/>
+                </a:lnTo>
+                <a:close/>
+              </a:path>
+            </a:pathLst>
+          </a:custGeom>
+        </p:spPr>
+      </p:sp>
+      <p:sp>
+        <p:nvSpPr>
           <p:cNvPr id="69" name="Shape 69"/>
+          <p:cNvSpPr txBox="1"/>
+          <p:nvPr>
+            <p:ph idx="1" type="body"/>
+          </p:nvPr>
+        </p:nvSpPr>
+        <p:spPr>
+          <a:xfrm>
+            <a:off x="685800" y="4343400"/>
+            <a:ext cx="5486400" cy="4114800"/>
+          </a:xfrm>
+          <a:prstGeom prst="rect">
+            <a:avLst/>
+          </a:prstGeom>
+        </p:spPr>
+        <p:txBody>
+          <a:bodyPr anchorCtr="0" anchor="t" bIns="91425" lIns="91425" spcFirstLastPara="1" rIns="91425" wrap="square" tIns="91425">
+            <a:noAutofit/>
+          </a:bodyPr>
+          <a:lstStyle/>
+          <a:p>
+            <a:pPr indent="0" lvl="0" marL="0" rtl="0">
+              <a:spcBef>
+                <a:spcPts val="0"/>
+              </a:spcBef>
+              <a:spcAft>
+                <a:spcPts val="0"/>
+              </a:spcAft>
+              <a:buNone/>
+            </a:pPr>
+            <a:r>
+              <a:t/>
+            </a:r>
+            <a:endParaRPr/>
+          </a:p>
+        </p:txBody>
+      </p:sp>
+    </p:spTree>
+  </p:cSld>
+  <p:clrMapOvr>
+    <a:masterClrMapping/>
+  </p:clrMapOvr>
+</p:notes>
+</file>
+
+<file path=ppt/notesSlides/notesSlide30.xml><?xml version="1.0" encoding="utf-8"?>
+<p:notes xmlns:a="http://schemas.openxmlformats.org/drawingml/2006/main" xmlns:r="http://schemas.openxmlformats.org/officeDocument/2006/relationships" xmlns:mc="http://schemas.openxmlformats.org/markup-compatibility/2006" xmlns:mv="urn:schemas-microsoft-com:mac:vml" xmlns:p="http://schemas.openxmlformats.org/presentationml/2006/main" xmlns:c="http://schemas.openxmlformats.org/drawingml/2006/chart" xmlns:dgm="http://schemas.openxmlformats.org/drawingml/2006/diagram" xmlns:o="urn:schemas-microsoft-com:office:office" xmlns:v="urn:schemas-microsoft-com:vml" xmlns:pvml="urn:schemas-microsoft-com:office:powerpoint" xmlns:com="http://schemas.openxmlformats.org/drawingml/2006/compatibility" xmlns:p14="http://schemas.microsoft.com/office/powerpoint/2010/main" xmlns:p15="http://schemas.microsoft.com/office/powerpoint/2012/main" showMasterPhAnim="0" showMasterSp="0">
+  <p:cSld>
+    <p:spTree>
+      <p:nvGrpSpPr>
+        <p:cNvPr id="307" name="Shape 307"/>
+        <p:cNvGrpSpPr/>
+        <p:nvPr/>
+      </p:nvGrpSpPr>
+      <p:grpSpPr>
+        <a:xfrm>
+          <a:off x="0" y="0"/>
+          <a:ext cx="0" cy="0"/>
+          <a:chOff x="0" y="0"/>
+          <a:chExt cx="0" cy="0"/>
+        </a:xfrm>
+      </p:grpSpPr>
+      <p:sp>
+        <p:nvSpPr>
+          <p:cNvPr id="308" name="Shape 308"/>
+          <p:cNvSpPr/>
+          <p:nvPr>
+            <p:ph idx="2" type="sldImg"/>
+          </p:nvPr>
+        </p:nvSpPr>
+        <p:spPr>
+          <a:xfrm>
+            <a:off x="381300" y="685800"/>
+            <a:ext cx="6096000" cy="3429000"/>
+          </a:xfrm>
+          <a:custGeom>
+            <a:pathLst>
+              <a:path extrusionOk="0" h="120000" w="120000">
+                <a:moveTo>
+                  <a:pt x="0" y="0"/>
+                </a:moveTo>
+                <a:lnTo>
+                  <a:pt x="120000" y="0"/>
+                </a:lnTo>
+                <a:lnTo>
+                  <a:pt x="120000" y="120000"/>
+                </a:lnTo>
+                <a:lnTo>
+                  <a:pt x="0" y="120000"/>
+                </a:lnTo>
+                <a:close/>
+              </a:path>
+            </a:pathLst>
+          </a:custGeom>
+        </p:spPr>
+      </p:sp>
+      <p:sp>
+        <p:nvSpPr>
+          <p:cNvPr id="309" name="Shape 309"/>
+          <p:cNvSpPr txBox="1"/>
+          <p:nvPr>
+            <p:ph idx="1" type="body"/>
+          </p:nvPr>
+        </p:nvSpPr>
+        <p:spPr>
+          <a:xfrm>
+            <a:off x="685800" y="4343400"/>
+            <a:ext cx="5486400" cy="4114800"/>
+          </a:xfrm>
+          <a:prstGeom prst="rect">
+            <a:avLst/>
+          </a:prstGeom>
+        </p:spPr>
+        <p:txBody>
+          <a:bodyPr anchorCtr="0" anchor="t" bIns="91425" lIns="91425" spcFirstLastPara="1" rIns="91425" wrap="square" tIns="91425">
+            <a:noAutofit/>
+          </a:bodyPr>
+          <a:lstStyle/>
+          <a:p>
+            <a:pPr indent="0" lvl="0" marL="0" rtl="0">
+              <a:spcBef>
+                <a:spcPts val="0"/>
+              </a:spcBef>
+              <a:spcAft>
+                <a:spcPts val="0"/>
+              </a:spcAft>
+              <a:buNone/>
+            </a:pPr>
+            <a:r>
+              <a:t/>
+            </a:r>
+            <a:endParaRPr/>
+          </a:p>
+        </p:txBody>
+      </p:sp>
+    </p:spTree>
+  </p:cSld>
+  <p:clrMapOvr>
+    <a:masterClrMapping/>
+  </p:clrMapOvr>
+</p:notes>
+</file>
+
+<file path=ppt/notesSlides/notesSlide31.xml><?xml version="1.0" encoding="utf-8"?>
+<p:notes xmlns:a="http://schemas.openxmlformats.org/drawingml/2006/main" xmlns:r="http://schemas.openxmlformats.org/officeDocument/2006/relationships" xmlns:mc="http://schemas.openxmlformats.org/markup-compatibility/2006" xmlns:mv="urn:schemas-microsoft-com:mac:vml" xmlns:p="http://schemas.openxmlformats.org/presentationml/2006/main" xmlns:c="http://schemas.openxmlformats.org/drawingml/2006/chart" xmlns:dgm="http://schemas.openxmlformats.org/drawingml/2006/diagram" xmlns:o="urn:schemas-microsoft-com:office:office" xmlns:v="urn:schemas-microsoft-com:vml" xmlns:pvml="urn:schemas-microsoft-com:office:powerpoint" xmlns:com="http://schemas.openxmlformats.org/drawingml/2006/compatibility" xmlns:p14="http://schemas.microsoft.com/office/powerpoint/2010/main" xmlns:p15="http://schemas.microsoft.com/office/powerpoint/2012/main" showMasterPhAnim="0" showMasterSp="0">
+  <p:cSld>
+    <p:spTree>
+      <p:nvGrpSpPr>
+        <p:cNvPr id="315" name="Shape 315"/>
+        <p:cNvGrpSpPr/>
+        <p:nvPr/>
+      </p:nvGrpSpPr>
+      <p:grpSpPr>
+        <a:xfrm>
+          <a:off x="0" y="0"/>
+          <a:ext cx="0" cy="0"/>
+          <a:chOff x="0" y="0"/>
+          <a:chExt cx="0" cy="0"/>
+        </a:xfrm>
+      </p:grpSpPr>
+      <p:sp>
+        <p:nvSpPr>
+          <p:cNvPr id="316" name="Shape 316"/>
+          <p:cNvSpPr/>
+          <p:nvPr>
+            <p:ph idx="2" type="sldImg"/>
+          </p:nvPr>
+        </p:nvSpPr>
+        <p:spPr>
+          <a:xfrm>
+            <a:off x="381300" y="685800"/>
+            <a:ext cx="6096000" cy="3429000"/>
+          </a:xfrm>
+          <a:custGeom>
+            <a:pathLst>
+              <a:path extrusionOk="0" h="120000" w="120000">
+                <a:moveTo>
+                  <a:pt x="0" y="0"/>
+                </a:moveTo>
+                <a:lnTo>
+                  <a:pt x="120000" y="0"/>
+                </a:lnTo>
+                <a:lnTo>
+                  <a:pt x="120000" y="120000"/>
+                </a:lnTo>
+                <a:lnTo>
+                  <a:pt x="0" y="120000"/>
+                </a:lnTo>
+                <a:close/>
+              </a:path>
+            </a:pathLst>
+          </a:custGeom>
+        </p:spPr>
+      </p:sp>
+      <p:sp>
+        <p:nvSpPr>
+          <p:cNvPr id="317" name="Shape 317"/>
           <p:cNvSpPr txBox="1"/>
           <p:nvPr>
             <p:ph idx="1" type="body"/>
@@ -1864,7 +3250,7 @@
   <p:cSld>
     <p:spTree>
       <p:nvGrpSpPr>
-        <p:cNvPr id="84" name="Shape 84"/>
+        <p:cNvPr id="85" name="Shape 85"/>
         <p:cNvGrpSpPr/>
         <p:nvPr/>
       </p:nvGrpSpPr>
@@ -1878,7 +3264,7 @@
       </p:grpSpPr>
       <p:sp>
         <p:nvSpPr>
-          <p:cNvPr id="85" name="Shape 85"/>
+          <p:cNvPr id="86" name="Shape 86"/>
           <p:cNvSpPr/>
           <p:nvPr>
             <p:ph idx="2" type="sldImg"/>
@@ -1912,7 +3298,7 @@
       </p:sp>
       <p:sp>
         <p:nvSpPr>
-          <p:cNvPr id="86" name="Shape 86"/>
+          <p:cNvPr id="87" name="Shape 87"/>
           <p:cNvSpPr txBox="1"/>
           <p:nvPr>
             <p:ph idx="1" type="body"/>
@@ -1962,7 +3348,7 @@
   <p:cSld>
     <p:spTree>
       <p:nvGrpSpPr>
-        <p:cNvPr id="93" name="Shape 93"/>
+        <p:cNvPr id="94" name="Shape 94"/>
         <p:cNvGrpSpPr/>
         <p:nvPr/>
       </p:nvGrpSpPr>
@@ -1976,7 +3362,7 @@
       </p:grpSpPr>
       <p:sp>
         <p:nvSpPr>
-          <p:cNvPr id="94" name="Shape 94"/>
+          <p:cNvPr id="95" name="Shape 95"/>
           <p:cNvSpPr/>
           <p:nvPr>
             <p:ph idx="2" type="sldImg"/>
@@ -2010,7 +3396,7 @@
       </p:sp>
       <p:sp>
         <p:nvSpPr>
-          <p:cNvPr id="95" name="Shape 95"/>
+          <p:cNvPr id="96" name="Shape 96"/>
           <p:cNvSpPr txBox="1"/>
           <p:nvPr>
             <p:ph idx="1" type="body"/>
@@ -2060,7 +3446,7 @@
   <p:cSld>
     <p:spTree>
       <p:nvGrpSpPr>
-        <p:cNvPr id="102" name="Shape 102"/>
+        <p:cNvPr id="103" name="Shape 103"/>
         <p:cNvGrpSpPr/>
         <p:nvPr/>
       </p:nvGrpSpPr>
@@ -2074,7 +3460,7 @@
       </p:grpSpPr>
       <p:sp>
         <p:nvSpPr>
-          <p:cNvPr id="103" name="Shape 103"/>
+          <p:cNvPr id="104" name="Shape 104"/>
           <p:cNvSpPr/>
           <p:nvPr>
             <p:ph idx="2" type="sldImg"/>
@@ -2108,7 +3494,7 @@
       </p:sp>
       <p:sp>
         <p:nvSpPr>
-          <p:cNvPr id="104" name="Shape 104"/>
+          <p:cNvPr id="105" name="Shape 105"/>
           <p:cNvSpPr txBox="1"/>
           <p:nvPr>
             <p:ph idx="1" type="body"/>
@@ -2256,7 +3642,7 @@
   <p:cSld>
     <p:spTree>
       <p:nvGrpSpPr>
-        <p:cNvPr id="120" name="Shape 120"/>
+        <p:cNvPr id="119" name="Shape 119"/>
         <p:cNvGrpSpPr/>
         <p:nvPr/>
       </p:nvGrpSpPr>
@@ -2270,7 +3656,7 @@
       </p:grpSpPr>
       <p:sp>
         <p:nvSpPr>
-          <p:cNvPr id="121" name="Shape 121"/>
+          <p:cNvPr id="120" name="Shape 120"/>
           <p:cNvSpPr/>
           <p:nvPr>
             <p:ph idx="2" type="sldImg"/>
@@ -2304,7 +3690,7 @@
       </p:sp>
       <p:sp>
         <p:nvSpPr>
-          <p:cNvPr id="122" name="Shape 122"/>
+          <p:cNvPr id="121" name="Shape 121"/>
           <p:cNvSpPr txBox="1"/>
           <p:nvPr>
             <p:ph idx="1" type="body"/>
@@ -7174,7 +8560,7 @@
   <p:cSld>
     <p:spTree>
       <p:nvGrpSpPr>
-        <p:cNvPr id="132" name="Shape 132"/>
+        <p:cNvPr id="130" name="Shape 130"/>
         <p:cNvGrpSpPr/>
         <p:nvPr/>
       </p:nvGrpSpPr>
@@ -7188,7 +8574,7 @@
       </p:grpSpPr>
       <p:sp>
         <p:nvSpPr>
-          <p:cNvPr id="133" name="Shape 133"/>
+          <p:cNvPr id="131" name="Shape 131"/>
           <p:cNvSpPr txBox="1"/>
           <p:nvPr>
             <p:ph type="title"/>
@@ -7220,15 +8606,15 @@
             </a:pPr>
             <a:r>
               <a:rPr lang="en"/>
-              <a:t>Python Is Accessible</a:t>
-            </a:r>
-            <a:endParaRPr/>
-          </a:p>
-        </p:txBody>
-      </p:sp>
-      <p:sp>
-        <p:nvSpPr>
-          <p:cNvPr id="134" name="Shape 134"/>
+              <a:t>Python Has a Supportive and Active Community</a:t>
+            </a:r>
+            <a:endParaRPr/>
+          </a:p>
+        </p:txBody>
+      </p:sp>
+      <p:sp>
+        <p:nvSpPr>
+          <p:cNvPr id="132" name="Shape 132"/>
           <p:cNvSpPr txBox="1"/>
           <p:nvPr>
             <p:ph idx="1" type="body"/>
@@ -7260,11 +8646,23 @@
             </a:pPr>
             <a:r>
               <a:rPr lang="en"/>
-              <a:t># </a:t>
-            </a:r>
+              <a:t># It’s been around for quite some time, so there’s plenty of documentation, guides, tutorials and more.</a:t>
+            </a:r>
+            <a:endParaRPr/>
+          </a:p>
+          <a:p>
+            <a:pPr indent="0" lvl="0" marL="0" rtl="0">
+              <a:spcBef>
+                <a:spcPts val="1600"/>
+              </a:spcBef>
+              <a:spcAft>
+                <a:spcPts val="0"/>
+              </a:spcAft>
+              <a:buNone/>
+            </a:pPr>
             <a:r>
               <a:rPr lang="en"/>
-              <a:t>For newcomers and beginners, Python is incredibly easy to learn and use.</a:t>
+              <a:t># The developer community is incredibly active. That means any time someone needs help or support, they can get it in a timely manner.</a:t>
             </a:r>
             <a:endParaRPr/>
           </a:p>
@@ -7274,45 +8672,21 @@
                 <a:spcPts val="1600"/>
               </a:spcBef>
               <a:spcAft>
-                <a:spcPts val="0"/>
+                <a:spcPts val="1600"/>
               </a:spcAft>
               <a:buNone/>
             </a:pPr>
             <a:r>
               <a:rPr lang="en"/>
-              <a:t># </a:t>
-            </a:r>
-            <a:r>
-              <a:rPr lang="en"/>
-              <a:t>Part of the reason is the simplified syntax with an emphasis on natural language.</a:t>
-            </a:r>
-            <a:endParaRPr/>
-          </a:p>
-          <a:p>
-            <a:pPr indent="0" lvl="0" marL="0" rtl="0">
-              <a:spcBef>
-                <a:spcPts val="1600"/>
-              </a:spcBef>
-              <a:spcAft>
-                <a:spcPts val="1600"/>
-              </a:spcAft>
-              <a:buNone/>
-            </a:pPr>
-            <a:r>
-              <a:rPr lang="en"/>
-              <a:t># Y</a:t>
-            </a:r>
-            <a:r>
-              <a:rPr lang="en"/>
-              <a:t>ou can write Python code and execute it much faster.</a:t>
-            </a:r>
-            <a:endParaRPr/>
-          </a:p>
-        </p:txBody>
-      </p:sp>
-      <p:sp>
-        <p:nvSpPr>
-          <p:cNvPr id="135" name="Shape 135"/>
+              <a:t># When you run into development issues in the middle of crunch time, support can either make or break you.</a:t>
+            </a:r>
+            <a:endParaRPr/>
+          </a:p>
+        </p:txBody>
+      </p:sp>
+      <p:sp>
+        <p:nvSpPr>
+          <p:cNvPr id="133" name="Shape 133"/>
           <p:cNvSpPr/>
           <p:nvPr/>
         </p:nvSpPr>
@@ -7361,7 +8735,7 @@
       </p:sp>
       <p:pic>
         <p:nvPicPr>
-          <p:cNvPr id="136" name="Shape 136"/>
+          <p:cNvPr id="134" name="Shape 134"/>
           <p:cNvPicPr preferRelativeResize="0"/>
           <p:nvPr/>
         </p:nvPicPr>
@@ -7389,7 +8763,7 @@
       </p:pic>
       <p:sp>
         <p:nvSpPr>
-          <p:cNvPr id="137" name="Shape 137"/>
+          <p:cNvPr id="135" name="Shape 135"/>
           <p:cNvSpPr/>
           <p:nvPr/>
         </p:nvSpPr>
@@ -7449,7 +8823,7 @@
   <p:cSld>
     <p:spTree>
       <p:nvGrpSpPr>
-        <p:cNvPr id="141" name="Shape 141"/>
+        <p:cNvPr id="139" name="Shape 139"/>
         <p:cNvGrpSpPr/>
         <p:nvPr/>
       </p:nvGrpSpPr>
@@ -7463,7 +8837,7 @@
       </p:grpSpPr>
       <p:sp>
         <p:nvSpPr>
-          <p:cNvPr id="142" name="Shape 142"/>
+          <p:cNvPr id="140" name="Shape 140"/>
           <p:cNvSpPr txBox="1"/>
           <p:nvPr>
             <p:ph type="title"/>
@@ -7495,15 +8869,15 @@
             </a:pPr>
             <a:r>
               <a:rPr lang="en"/>
-              <a:t>Python Is Popular</a:t>
-            </a:r>
-            <a:endParaRPr/>
-          </a:p>
-        </p:txBody>
-      </p:sp>
-      <p:sp>
-        <p:nvSpPr>
-          <p:cNvPr id="143" name="Shape 143"/>
+              <a:t>Python Is Reliable and Efficient</a:t>
+            </a:r>
+            <a:endParaRPr/>
+          </a:p>
+        </p:txBody>
+      </p:sp>
+      <p:sp>
+        <p:nvSpPr>
+          <p:cNvPr id="141" name="Shape 141"/>
           <p:cNvSpPr txBox="1"/>
           <p:nvPr>
             <p:ph idx="1" type="body"/>
@@ -7539,7 +8913,7 @@
             </a:r>
             <a:r>
               <a:rPr lang="en"/>
-              <a:t>Python is second most popular language on Github with 1 Million PRs in 2017. </a:t>
+              <a:t>You can work with and deploy Python applications in nearly any environment, and there’s little to no performance loss no matter what platform you work with.</a:t>
             </a:r>
             <a:endParaRPr/>
           </a:p>
@@ -7549,7 +8923,7 @@
                 <a:spcPts val="1600"/>
               </a:spcBef>
               <a:spcAft>
-                <a:spcPts val="1600"/>
+                <a:spcPts val="0"/>
               </a:spcAft>
               <a:buNone/>
             </a:pPr>
@@ -7559,15 +8933,37 @@
             </a:r>
             <a:r>
               <a:rPr lang="en"/>
-              <a:t>As of Dec 2017, Python is second most in-demand programming language with 2nd highest job share in programming. Thanks to Machine Learning and Big Data.</a:t>
-            </a:r>
-            <a:endParaRPr/>
-          </a:p>
-        </p:txBody>
-      </p:sp>
-      <p:sp>
-        <p:nvSpPr>
-          <p:cNvPr id="144" name="Shape 144"/>
+              <a:t>Again, because it’s versatile, this also means you can work across several domains including but not limited to web development, desktop applications, mobile applications, hardware and more.</a:t>
+            </a:r>
+            <a:endParaRPr/>
+          </a:p>
+          <a:p>
+            <a:pPr indent="0" lvl="0" marL="0" rtl="0">
+              <a:spcBef>
+                <a:spcPts val="1600"/>
+              </a:spcBef>
+              <a:spcAft>
+                <a:spcPts val="1600"/>
+              </a:spcAft>
+              <a:buNone/>
+            </a:pPr>
+            <a:r>
+              <a:rPr lang="en"/>
+              <a:t># You’re not bound to a single platform or domain, and it offers the same experience everywhere.</a:t>
+            </a:r>
+            <a:br>
+              <a:rPr lang="en"/>
+            </a:br>
+            <a:br>
+              <a:rPr lang="en"/>
+            </a:br>
+            <a:endParaRPr/>
+          </a:p>
+        </p:txBody>
+      </p:sp>
+      <p:sp>
+        <p:nvSpPr>
+          <p:cNvPr id="142" name="Shape 142"/>
           <p:cNvSpPr/>
           <p:nvPr/>
         </p:nvSpPr>
@@ -7616,7 +9012,7 @@
       </p:sp>
       <p:pic>
         <p:nvPicPr>
-          <p:cNvPr id="145" name="Shape 145"/>
+          <p:cNvPr id="143" name="Shape 143"/>
           <p:cNvPicPr preferRelativeResize="0"/>
           <p:nvPr/>
         </p:nvPicPr>
@@ -7644,7 +9040,7 @@
       </p:pic>
       <p:sp>
         <p:nvSpPr>
-          <p:cNvPr id="146" name="Shape 146"/>
+          <p:cNvPr id="144" name="Shape 144"/>
           <p:cNvSpPr/>
           <p:nvPr/>
         </p:nvSpPr>
@@ -7704,7 +9100,7 @@
   <p:cSld>
     <p:spTree>
       <p:nvGrpSpPr>
-        <p:cNvPr id="150" name="Shape 150"/>
+        <p:cNvPr id="148" name="Shape 148"/>
         <p:cNvGrpSpPr/>
         <p:nvPr/>
       </p:nvGrpSpPr>
@@ -7718,7 +9114,7 @@
       </p:grpSpPr>
       <p:sp>
         <p:nvSpPr>
-          <p:cNvPr id="151" name="Shape 151"/>
+          <p:cNvPr id="149" name="Shape 149"/>
           <p:cNvSpPr txBox="1"/>
           <p:nvPr>
             <p:ph type="title"/>
@@ -7726,15 +9122,15 @@
         </p:nvSpPr>
         <p:spPr>
           <a:xfrm>
-            <a:off x="311700" y="2150850"/>
-            <a:ext cx="8520600" cy="841800"/>
-          </a:xfrm>
-          <a:prstGeom prst="rect">
-            <a:avLst/>
-          </a:prstGeom>
-        </p:spPr>
-        <p:txBody>
-          <a:bodyPr anchorCtr="0" anchor="ctr" bIns="91425" lIns="91425" spcFirstLastPara="1" rIns="91425" wrap="square" tIns="91425">
+            <a:off x="311700" y="445025"/>
+            <a:ext cx="8520600" cy="572700"/>
+          </a:xfrm>
+          <a:prstGeom prst="rect">
+            <a:avLst/>
+          </a:prstGeom>
+        </p:spPr>
+        <p:txBody>
+          <a:bodyPr anchorCtr="0" anchor="t" bIns="91425" lIns="91425" spcFirstLastPara="1" rIns="91425" wrap="square" tIns="91425">
             <a:noAutofit/>
           </a:bodyPr>
           <a:lstStyle/>
@@ -7750,15 +9146,99 @@
             </a:pPr>
             <a:r>
               <a:rPr lang="en"/>
-              <a:t>Why Node.js is Important too?</a:t>
-            </a:r>
-            <a:endParaRPr/>
-          </a:p>
-        </p:txBody>
-      </p:sp>
-      <p:sp>
-        <p:nvSpPr>
-          <p:cNvPr id="152" name="Shape 152"/>
+              <a:t>Python Has Some Great Corporate Sponsors</a:t>
+            </a:r>
+            <a:endParaRPr/>
+          </a:p>
+        </p:txBody>
+      </p:sp>
+      <p:sp>
+        <p:nvSpPr>
+          <p:cNvPr id="150" name="Shape 150"/>
+          <p:cNvSpPr txBox="1"/>
+          <p:nvPr>
+            <p:ph idx="1" type="body"/>
+          </p:nvPr>
+        </p:nvSpPr>
+        <p:spPr>
+          <a:xfrm>
+            <a:off x="311700" y="1152475"/>
+            <a:ext cx="8520600" cy="3416400"/>
+          </a:xfrm>
+          <a:prstGeom prst="rect">
+            <a:avLst/>
+          </a:prstGeom>
+        </p:spPr>
+        <p:txBody>
+          <a:bodyPr anchorCtr="0" anchor="t" bIns="91425" lIns="91425" spcFirstLastPara="1" rIns="91425" wrap="square" tIns="91425">
+            <a:noAutofit/>
+          </a:bodyPr>
+          <a:lstStyle/>
+          <a:p>
+            <a:pPr indent="0" lvl="0" marL="0" rtl="0">
+              <a:spcBef>
+                <a:spcPts val="0"/>
+              </a:spcBef>
+              <a:spcAft>
+                <a:spcPts val="0"/>
+              </a:spcAft>
+              <a:buNone/>
+            </a:pPr>
+            <a:r>
+              <a:rPr lang="en"/>
+              <a:t># </a:t>
+            </a:r>
+            <a:r>
+              <a:rPr lang="en"/>
+              <a:t>It helps big time when a programming language has a corporate sponsor. C# has Microsoft, Java has Oracle and PHP is used by Facebook.</a:t>
+            </a:r>
+            <a:endParaRPr/>
+          </a:p>
+          <a:p>
+            <a:pPr indent="0" lvl="0" marL="0" rtl="0">
+              <a:spcBef>
+                <a:spcPts val="1600"/>
+              </a:spcBef>
+              <a:spcAft>
+                <a:spcPts val="0"/>
+              </a:spcAft>
+              <a:buNone/>
+            </a:pPr>
+            <a:r>
+              <a:rPr lang="en"/>
+              <a:t># </a:t>
+            </a:r>
+            <a:r>
+              <a:rPr lang="en"/>
+              <a:t>Google adopted Python heavily back in 2006, and they’ve used it for many platforms and applications since.</a:t>
+            </a:r>
+            <a:endParaRPr/>
+          </a:p>
+          <a:p>
+            <a:pPr indent="0" lvl="0" marL="0" rtl="0">
+              <a:spcBef>
+                <a:spcPts val="1600"/>
+              </a:spcBef>
+              <a:spcAft>
+                <a:spcPts val="1600"/>
+              </a:spcAft>
+              <a:buNone/>
+            </a:pPr>
+            <a:r>
+              <a:rPr lang="en"/>
+              <a:t># </a:t>
+            </a:r>
+            <a:r>
+              <a:rPr lang="en"/>
+              <a:t>Why does this matter? Because if companies like Google want their team and future developers to work with their systems and apps, they need to provide resources. In Google’s case, they created a vast quantity of guides and tutorials for working with Python.</a:t>
+            </a:r>
+            <a:endParaRPr/>
+          </a:p>
+        </p:txBody>
+      </p:sp>
+      <p:sp>
+        <p:nvSpPr>
+          <p:cNvPr id="151" name="Shape 151"/>
           <p:cNvSpPr/>
           <p:nvPr/>
         </p:nvSpPr>
@@ -7807,7 +9287,7 @@
       </p:sp>
       <p:pic>
         <p:nvPicPr>
-          <p:cNvPr id="153" name="Shape 153"/>
+          <p:cNvPr id="152" name="Shape 152"/>
           <p:cNvPicPr preferRelativeResize="0"/>
           <p:nvPr/>
         </p:nvPicPr>
@@ -7835,7 +9315,7 @@
       </p:pic>
       <p:sp>
         <p:nvSpPr>
-          <p:cNvPr id="154" name="Shape 154"/>
+          <p:cNvPr id="153" name="Shape 153"/>
           <p:cNvSpPr/>
           <p:nvPr/>
         </p:nvSpPr>
@@ -7895,7 +9375,7 @@
   <p:cSld>
     <p:spTree>
       <p:nvGrpSpPr>
-        <p:cNvPr id="158" name="Shape 158"/>
+        <p:cNvPr id="157" name="Shape 157"/>
         <p:cNvGrpSpPr/>
         <p:nvPr/>
       </p:nvGrpSpPr>
@@ -7909,7 +9389,7 @@
       </p:grpSpPr>
       <p:sp>
         <p:nvSpPr>
-          <p:cNvPr id="159" name="Shape 159"/>
+          <p:cNvPr id="158" name="Shape 158"/>
           <p:cNvSpPr txBox="1"/>
           <p:nvPr>
             <p:ph type="title"/>
@@ -7941,15 +9421,15 @@
             </a:pPr>
             <a:r>
               <a:rPr lang="en"/>
-              <a:t>Language re-use</a:t>
-            </a:r>
-            <a:endParaRPr/>
-          </a:p>
-        </p:txBody>
-      </p:sp>
-      <p:sp>
-        <p:nvSpPr>
-          <p:cNvPr id="160" name="Shape 160"/>
+              <a:t>Python Has Big Data</a:t>
+            </a:r>
+            <a:endParaRPr/>
+          </a:p>
+        </p:txBody>
+      </p:sp>
+      <p:sp>
+        <p:nvSpPr>
+          <p:cNvPr id="159" name="Shape 159"/>
           <p:cNvSpPr txBox="1"/>
           <p:nvPr>
             <p:ph idx="1" type="body"/>
@@ -7981,59 +9461,59 @@
             </a:pPr>
             <a:r>
               <a:rPr lang="en"/>
-              <a:t>//</a:t>
+              <a:t># </a:t>
             </a:r>
             <a:r>
               <a:rPr lang="en"/>
-              <a:t> </a:t>
-            </a:r>
+              <a:t>The use of big data and cloud computing solutions in the enterprise world has also helped skyrocket Python to success.</a:t>
+            </a:r>
+            <a:endParaRPr/>
+          </a:p>
+          <a:p>
+            <a:pPr indent="0" lvl="0" marL="0" rtl="0">
+              <a:spcBef>
+                <a:spcPts val="1600"/>
+              </a:spcBef>
+              <a:spcAft>
+                <a:spcPts val="0"/>
+              </a:spcAft>
+              <a:buNone/>
+            </a:pPr>
             <a:r>
               <a:rPr lang="en"/>
-              <a:t>Technologies like ASP.NET, Django or Spring requires developers to know yet another language to write code on the server-side; be it C#, Python, Java or any other.</a:t>
-            </a:r>
-            <a:endParaRPr/>
-          </a:p>
-          <a:p>
-            <a:pPr indent="0" lvl="0" marL="0">
+              <a:t># </a:t>
+            </a:r>
+            <a:r>
+              <a:rPr lang="en"/>
+              <a:t>It is one of the most popular languages used in data science, second only to R.</a:t>
+            </a:r>
+            <a:endParaRPr/>
+          </a:p>
+          <a:p>
+            <a:pPr indent="0" lvl="0" marL="0" rtl="0">
               <a:spcBef>
                 <a:spcPts val="1600"/>
               </a:spcBef>
               <a:spcAft>
-                <a:spcPts val="0"/>
+                <a:spcPts val="1600"/>
               </a:spcAft>
               <a:buNone/>
             </a:pPr>
             <a:r>
               <a:rPr lang="en"/>
-              <a:t>// </a:t>
+              <a:t># </a:t>
             </a:r>
             <a:r>
               <a:rPr lang="en"/>
-              <a:t>On the other hand, Node.js uses JavaScript.</a:t>
-            </a:r>
-            <a:endParaRPr/>
-          </a:p>
-          <a:p>
-            <a:pPr indent="0" lvl="0" marL="0" rtl="0">
-              <a:spcBef>
-                <a:spcPts val="1600"/>
-              </a:spcBef>
-              <a:spcAft>
-                <a:spcPts val="1600"/>
-              </a:spcAft>
-              <a:buNone/>
-            </a:pPr>
-            <a:r>
-              <a:rPr lang="en"/>
-              <a:t>// Developers only have to talk in a single language across all layers.</a:t>
-            </a:r>
-            <a:endParaRPr/>
-          </a:p>
-        </p:txBody>
-      </p:sp>
-      <p:sp>
-        <p:nvSpPr>
-          <p:cNvPr id="161" name="Shape 161"/>
+              <a:t>It’s also being used for machine learning and AI systems and various modern technologies.</a:t>
+            </a:r>
+            <a:endParaRPr/>
+          </a:p>
+        </p:txBody>
+      </p:sp>
+      <p:sp>
+        <p:nvSpPr>
+          <p:cNvPr id="160" name="Shape 160"/>
           <p:cNvSpPr/>
           <p:nvPr/>
         </p:nvSpPr>
@@ -8082,7 +9562,7 @@
       </p:sp>
       <p:pic>
         <p:nvPicPr>
-          <p:cNvPr id="162" name="Shape 162"/>
+          <p:cNvPr id="161" name="Shape 161"/>
           <p:cNvPicPr preferRelativeResize="0"/>
           <p:nvPr/>
         </p:nvPicPr>
@@ -8110,7 +9590,7 @@
       </p:pic>
       <p:sp>
         <p:nvSpPr>
-          <p:cNvPr id="163" name="Shape 163"/>
+          <p:cNvPr id="162" name="Shape 162"/>
           <p:cNvSpPr/>
           <p:nvPr/>
         </p:nvSpPr>
@@ -8170,7 +9650,7 @@
   <p:cSld>
     <p:spTree>
       <p:nvGrpSpPr>
-        <p:cNvPr id="167" name="Shape 167"/>
+        <p:cNvPr id="166" name="Shape 166"/>
         <p:cNvGrpSpPr/>
         <p:nvPr/>
       </p:nvGrpSpPr>
@@ -8184,7 +9664,7 @@
       </p:grpSpPr>
       <p:sp>
         <p:nvSpPr>
-          <p:cNvPr id="168" name="Shape 168"/>
+          <p:cNvPr id="167" name="Shape 167"/>
           <p:cNvSpPr txBox="1"/>
           <p:nvPr>
             <p:ph type="title"/>
@@ -8216,15 +9696,15 @@
             </a:pPr>
             <a:r>
               <a:rPr lang="en"/>
-              <a:t>It is lightweight</a:t>
-            </a:r>
-            <a:endParaRPr/>
-          </a:p>
-        </p:txBody>
-      </p:sp>
-      <p:sp>
-        <p:nvSpPr>
-          <p:cNvPr id="169" name="Shape 169"/>
+              <a:t>Python Has Amazing Libraries</a:t>
+            </a:r>
+            <a:endParaRPr/>
+          </a:p>
+        </p:txBody>
+      </p:sp>
+      <p:sp>
+        <p:nvSpPr>
+          <p:cNvPr id="168" name="Shape 168"/>
           <p:cNvSpPr txBox="1"/>
           <p:nvPr>
             <p:ph idx="1" type="body"/>
@@ -8256,11 +9736,11 @@
             </a:pPr>
             <a:r>
               <a:rPr lang="en"/>
-              <a:t>// </a:t>
+              <a:t># </a:t>
             </a:r>
             <a:r>
               <a:rPr lang="en"/>
-              <a:t>Node.js uses an event-driven architecture which means everything done on it, every single call and operation, is a chain of asynchronous callbacks.</a:t>
+              <a:t>When you’re working on bigger projects, libraries can really help you save time and cut down on the initial development cycle.</a:t>
             </a:r>
             <a:endParaRPr/>
           </a:p>
@@ -8276,11 +9756,11 @@
             </a:pPr>
             <a:r>
               <a:rPr lang="en"/>
-              <a:t>// T</a:t>
+              <a:t># </a:t>
             </a:r>
             <a:r>
               <a:rPr lang="en"/>
-              <a:t>his allows Node.js to run on a single thread.</a:t>
+              <a:t>Python has an excellent selection of libraries, from NumPy and SciPy for scientific computing to Django/Flask for web development.</a:t>
             </a:r>
             <a:endParaRPr/>
           </a:p>
@@ -8296,19 +9776,19 @@
             </a:pPr>
             <a:r>
               <a:rPr lang="en"/>
-              <a:t>// </a:t>
+              <a:t># </a:t>
             </a:r>
             <a:r>
               <a:rPr lang="en"/>
-              <a:t>This is the very foundation of the non-blocking I/O nature you may have heard that is Node.js main feature.</a:t>
-            </a:r>
-            <a:endParaRPr/>
-          </a:p>
-        </p:txBody>
-      </p:sp>
-      <p:sp>
-        <p:nvSpPr>
-          <p:cNvPr id="170" name="Shape 170"/>
+              <a:t>There are even a few libraries with a more specific focus, like scikit-learn for machine learning applications and nltk for natural language processing.</a:t>
+            </a:r>
+            <a:endParaRPr/>
+          </a:p>
+        </p:txBody>
+      </p:sp>
+      <p:sp>
+        <p:nvSpPr>
+          <p:cNvPr id="169" name="Shape 169"/>
           <p:cNvSpPr/>
           <p:nvPr/>
         </p:nvSpPr>
@@ -8357,7 +9837,7 @@
       </p:sp>
       <p:pic>
         <p:nvPicPr>
-          <p:cNvPr id="171" name="Shape 171"/>
+          <p:cNvPr id="170" name="Shape 170"/>
           <p:cNvPicPr preferRelativeResize="0"/>
           <p:nvPr/>
         </p:nvPicPr>
@@ -8385,7 +9865,7 @@
       </p:pic>
       <p:sp>
         <p:nvSpPr>
-          <p:cNvPr id="172" name="Shape 172"/>
+          <p:cNvPr id="171" name="Shape 171"/>
           <p:cNvSpPr/>
           <p:nvPr/>
         </p:nvSpPr>
@@ -8445,7 +9925,7 @@
   <p:cSld>
     <p:spTree>
       <p:nvGrpSpPr>
-        <p:cNvPr id="176" name="Shape 176"/>
+        <p:cNvPr id="175" name="Shape 175"/>
         <p:cNvGrpSpPr/>
         <p:nvPr/>
       </p:nvGrpSpPr>
@@ -8459,7 +9939,7 @@
       </p:grpSpPr>
       <p:sp>
         <p:nvSpPr>
-          <p:cNvPr id="177" name="Shape 177"/>
+          <p:cNvPr id="176" name="Shape 176"/>
           <p:cNvSpPr txBox="1"/>
           <p:nvPr>
             <p:ph type="title"/>
@@ -8491,18 +9971,15 @@
             </a:pPr>
             <a:r>
               <a:rPr lang="en"/>
-              <a:t>Node.js wins with Database Queries</a:t>
-            </a:r>
-            <a:br>
-              <a:rPr lang="en"/>
-            </a:br>
-            <a:endParaRPr/>
-          </a:p>
-        </p:txBody>
-      </p:sp>
-      <p:sp>
-        <p:nvSpPr>
-          <p:cNvPr id="178" name="Shape 178"/>
+              <a:t>Python Is Accessible</a:t>
+            </a:r>
+            <a:endParaRPr/>
+          </a:p>
+        </p:txBody>
+      </p:sp>
+      <p:sp>
+        <p:nvSpPr>
+          <p:cNvPr id="177" name="Shape 177"/>
           <p:cNvSpPr txBox="1"/>
           <p:nvPr>
             <p:ph idx="1" type="body"/>
@@ -8534,11 +10011,11 @@
             </a:pPr>
             <a:r>
               <a:rPr lang="en"/>
-              <a:t>// </a:t>
+              <a:t># </a:t>
             </a:r>
             <a:r>
               <a:rPr lang="en"/>
-              <a:t>The database queries for new NoSQL databases like MongoDB, CouchDB are written in JavaScript.</a:t>
+              <a:t>For newcomers and beginners, Python is incredibly easy to learn and use.</a:t>
             </a:r>
             <a:endParaRPr/>
           </a:p>
@@ -8554,11 +10031,11 @@
             </a:pPr>
             <a:r>
               <a:rPr lang="en"/>
-              <a:t>// </a:t>
+              <a:t># </a:t>
             </a:r>
             <a:r>
               <a:rPr lang="en"/>
-              <a:t>Developers need no gear-shifting in remembering the syntax differences when combining Node.js and NoSQL databases.</a:t>
+              <a:t>Part of the reason is the simplified syntax with an emphasis on natural language.</a:t>
             </a:r>
             <a:endParaRPr/>
           </a:p>
@@ -8574,15 +10051,19 @@
             </a:pPr>
             <a:r>
               <a:rPr lang="en"/>
-              <a:t>// JSON is modern form of data and its native to Node.js</a:t>
-            </a:r>
-            <a:endParaRPr/>
-          </a:p>
-        </p:txBody>
-      </p:sp>
-      <p:sp>
-        <p:nvSpPr>
-          <p:cNvPr id="179" name="Shape 179"/>
+              <a:t># Y</a:t>
+            </a:r>
+            <a:r>
+              <a:rPr lang="en"/>
+              <a:t>ou can write Python code and execute it much faster.</a:t>
+            </a:r>
+            <a:endParaRPr/>
+          </a:p>
+        </p:txBody>
+      </p:sp>
+      <p:sp>
+        <p:nvSpPr>
+          <p:cNvPr id="178" name="Shape 178"/>
           <p:cNvSpPr/>
           <p:nvPr/>
         </p:nvSpPr>
@@ -8631,7 +10112,7 @@
       </p:sp>
       <p:pic>
         <p:nvPicPr>
-          <p:cNvPr id="180" name="Shape 180"/>
+          <p:cNvPr id="179" name="Shape 179"/>
           <p:cNvPicPr preferRelativeResize="0"/>
           <p:nvPr/>
         </p:nvPicPr>
@@ -8659,7 +10140,7 @@
       </p:pic>
       <p:sp>
         <p:nvSpPr>
-          <p:cNvPr id="181" name="Shape 181"/>
+          <p:cNvPr id="180" name="Shape 180"/>
           <p:cNvSpPr/>
           <p:nvPr/>
         </p:nvSpPr>
@@ -8719,7 +10200,7 @@
   <p:cSld>
     <p:spTree>
       <p:nvGrpSpPr>
-        <p:cNvPr id="185" name="Shape 185"/>
+        <p:cNvPr id="184" name="Shape 184"/>
         <p:cNvGrpSpPr/>
         <p:nvPr/>
       </p:nvGrpSpPr>
@@ -8733,7 +10214,7 @@
       </p:grpSpPr>
       <p:sp>
         <p:nvSpPr>
-          <p:cNvPr id="186" name="Shape 186"/>
+          <p:cNvPr id="185" name="Shape 185"/>
           <p:cNvSpPr txBox="1"/>
           <p:nvPr>
             <p:ph type="title"/>
@@ -8764,26 +10245,16 @@
               <a:buNone/>
             </a:pPr>
             <a:r>
-              <a:rPr lang="en">
-                <a:solidFill>
-                  <a:srgbClr val="222222"/>
-                </a:solidFill>
-                <a:highlight>
-                  <a:srgbClr val="FFFFFF"/>
-                </a:highlight>
-              </a:rPr>
-              <a:t>World is Heterogeneous now</a:t>
-            </a:r>
-            <a:br>
               <a:rPr lang="en"/>
-            </a:br>
-            <a:endParaRPr/>
-          </a:p>
-        </p:txBody>
-      </p:sp>
-      <p:sp>
-        <p:nvSpPr>
-          <p:cNvPr id="187" name="Shape 187"/>
+              <a:t>Python Is Popular</a:t>
+            </a:r>
+            <a:endParaRPr/>
+          </a:p>
+        </p:txBody>
+      </p:sp>
+      <p:sp>
+        <p:nvSpPr>
+          <p:cNvPr id="186" name="Shape 186"/>
           <p:cNvSpPr txBox="1"/>
           <p:nvPr>
             <p:ph idx="1" type="body"/>
@@ -8815,7 +10286,11 @@
             </a:pPr>
             <a:r>
               <a:rPr lang="en"/>
-              <a:t>// There is no single answer to complex modern world problems.</a:t>
+              <a:t># </a:t>
+            </a:r>
+            <a:r>
+              <a:rPr lang="en"/>
+              <a:t>Python is second most popular language on Github with 1 Million PRs in 2017. </a:t>
             </a:r>
             <a:endParaRPr/>
           </a:p>
@@ -8825,53 +10300,25 @@
                 <a:spcPts val="1600"/>
               </a:spcBef>
               <a:spcAft>
-                <a:spcPts val="0"/>
+                <a:spcPts val="1600"/>
               </a:spcAft>
               <a:buNone/>
             </a:pPr>
             <a:r>
               <a:rPr lang="en"/>
-              <a:t>// Node.js and Python are used side by side.</a:t>
-            </a:r>
-            <a:endParaRPr/>
-          </a:p>
-          <a:p>
-            <a:pPr indent="0" lvl="0" marL="0">
-              <a:spcBef>
-                <a:spcPts val="1600"/>
-              </a:spcBef>
-              <a:spcAft>
-                <a:spcPts val="0"/>
-              </a:spcAft>
-              <a:buNone/>
-            </a:pPr>
+              <a:t># </a:t>
+            </a:r>
             <a:r>
               <a:rPr lang="en"/>
-              <a:t>// NPM is the biggest 3rd party module repository, take advantage of that.</a:t>
-            </a:r>
-            <a:endParaRPr/>
-          </a:p>
-          <a:p>
-            <a:pPr indent="0" lvl="0" marL="0" rtl="0">
-              <a:spcBef>
-                <a:spcPts val="1600"/>
-              </a:spcBef>
-              <a:spcAft>
-                <a:spcPts val="1600"/>
-              </a:spcAft>
-              <a:buNone/>
-            </a:pPr>
-            <a:r>
-              <a:rPr lang="en"/>
-              <a:t>// Node.js is most commonly used as “Proxy” to other micro-services. </a:t>
-            </a:r>
-            <a:endParaRPr/>
-          </a:p>
-        </p:txBody>
-      </p:sp>
-      <p:sp>
-        <p:nvSpPr>
-          <p:cNvPr id="188" name="Shape 188"/>
+              <a:t>As of Dec 2017, Python is second most in-demand programming language with 2nd highest job share in programming. Thanks to Machine Learning and Big Data.</a:t>
+            </a:r>
+            <a:endParaRPr/>
+          </a:p>
+        </p:txBody>
+      </p:sp>
+      <p:sp>
+        <p:nvSpPr>
+          <p:cNvPr id="187" name="Shape 187"/>
           <p:cNvSpPr/>
           <p:nvPr/>
         </p:nvSpPr>
@@ -8920,7 +10367,7 @@
       </p:sp>
       <p:pic>
         <p:nvPicPr>
-          <p:cNvPr id="189" name="Shape 189"/>
+          <p:cNvPr id="188" name="Shape 188"/>
           <p:cNvPicPr preferRelativeResize="0"/>
           <p:nvPr/>
         </p:nvPicPr>
@@ -8948,7 +10395,7 @@
       </p:pic>
       <p:sp>
         <p:nvSpPr>
-          <p:cNvPr id="190" name="Shape 190"/>
+          <p:cNvPr id="189" name="Shape 189"/>
           <p:cNvSpPr/>
           <p:nvPr/>
         </p:nvSpPr>
@@ -9008,7 +10455,7 @@
   <p:cSld>
     <p:spTree>
       <p:nvGrpSpPr>
-        <p:cNvPr id="194" name="Shape 194"/>
+        <p:cNvPr id="193" name="Shape 193"/>
         <p:cNvGrpSpPr/>
         <p:nvPr/>
       </p:nvGrpSpPr>
@@ -9022,7 +10469,7 @@
       </p:grpSpPr>
       <p:sp>
         <p:nvSpPr>
-          <p:cNvPr id="195" name="Shape 195"/>
+          <p:cNvPr id="194" name="Shape 194"/>
           <p:cNvSpPr txBox="1"/>
           <p:nvPr>
             <p:ph type="title"/>
@@ -9030,15 +10477,15 @@
         </p:nvSpPr>
         <p:spPr>
           <a:xfrm>
-            <a:off x="311700" y="445025"/>
-            <a:ext cx="8520600" cy="572700"/>
-          </a:xfrm>
-          <a:prstGeom prst="rect">
-            <a:avLst/>
-          </a:prstGeom>
-        </p:spPr>
-        <p:txBody>
-          <a:bodyPr anchorCtr="0" anchor="t" bIns="91425" lIns="91425" spcFirstLastPara="1" rIns="91425" wrap="square" tIns="91425">
+            <a:off x="311700" y="2150850"/>
+            <a:ext cx="8520600" cy="841800"/>
+          </a:xfrm>
+          <a:prstGeom prst="rect">
+            <a:avLst/>
+          </a:prstGeom>
+        </p:spPr>
+        <p:txBody>
+          <a:bodyPr anchorCtr="0" anchor="ctr" bIns="91425" lIns="91425" spcFirstLastPara="1" rIns="91425" wrap="square" tIns="91425">
             <a:noAutofit/>
           </a:bodyPr>
           <a:lstStyle/>
@@ -9053,82 +10500,16 @@
               <a:buNone/>
             </a:pPr>
             <a:r>
-              <a:rPr lang="en">
-                <a:solidFill>
-                  <a:srgbClr val="222222"/>
-                </a:solidFill>
-                <a:highlight>
-                  <a:srgbClr val="FFFFFF"/>
-                </a:highlight>
-              </a:rPr>
-              <a:t>You can Contact Us</a:t>
-            </a:r>
-            <a:br>
               <a:rPr lang="en"/>
-            </a:br>
-            <a:endParaRPr/>
-          </a:p>
-        </p:txBody>
-      </p:sp>
-      <p:sp>
-        <p:nvSpPr>
-          <p:cNvPr id="196" name="Shape 196"/>
-          <p:cNvSpPr txBox="1"/>
-          <p:nvPr>
-            <p:ph idx="1" type="body"/>
-          </p:nvPr>
-        </p:nvSpPr>
-        <p:spPr>
-          <a:xfrm>
-            <a:off x="311700" y="1152475"/>
-            <a:ext cx="8520600" cy="3416400"/>
-          </a:xfrm>
-          <a:prstGeom prst="rect">
-            <a:avLst/>
-          </a:prstGeom>
-        </p:spPr>
-        <p:txBody>
-          <a:bodyPr anchorCtr="0" anchor="t" bIns="91425" lIns="91425" spcFirstLastPara="1" rIns="91425" wrap="square" tIns="91425">
-            <a:noAutofit/>
-          </a:bodyPr>
-          <a:lstStyle/>
-          <a:p>
-            <a:pPr indent="0" lvl="0" marL="0" rtl="0">
-              <a:spcBef>
-                <a:spcPts val="0"/>
-              </a:spcBef>
-              <a:spcAft>
-                <a:spcPts val="0"/>
-              </a:spcAft>
-              <a:buNone/>
-            </a:pPr>
-            <a:r>
-              <a:rPr lang="en"/>
-              <a:t>// muzzammil.hussain@arbisoft.com</a:t>
-            </a:r>
-            <a:endParaRPr/>
-          </a:p>
-          <a:p>
-            <a:pPr indent="0" lvl="0" marL="0" rtl="0">
-              <a:spcBef>
-                <a:spcPts val="1600"/>
-              </a:spcBef>
-              <a:spcAft>
-                <a:spcPts val="1600"/>
-              </a:spcAft>
-              <a:buNone/>
-            </a:pPr>
-            <a:r>
-              <a:rPr lang="en"/>
-              <a:t>// umer.farooq@arbisoft.com</a:t>
-            </a:r>
-            <a:endParaRPr/>
-          </a:p>
-        </p:txBody>
-      </p:sp>
-      <p:sp>
-        <p:nvSpPr>
-          <p:cNvPr id="197" name="Shape 197"/>
+              <a:t>Why Node.js is Important too?</a:t>
+            </a:r>
+            <a:endParaRPr/>
+          </a:p>
+        </p:txBody>
+      </p:sp>
+      <p:sp>
+        <p:nvSpPr>
+          <p:cNvPr id="195" name="Shape 195"/>
           <p:cNvSpPr/>
           <p:nvPr/>
         </p:nvSpPr>
@@ -9177,7 +10558,7 @@
       </p:sp>
       <p:pic>
         <p:nvPicPr>
-          <p:cNvPr id="198" name="Shape 198"/>
+          <p:cNvPr id="196" name="Shape 196"/>
           <p:cNvPicPr preferRelativeResize="0"/>
           <p:nvPr/>
         </p:nvPicPr>
@@ -9205,7 +10586,557 @@
       </p:pic>
       <p:sp>
         <p:nvSpPr>
-          <p:cNvPr id="199" name="Shape 199"/>
+          <p:cNvPr id="197" name="Shape 197"/>
+          <p:cNvSpPr/>
+          <p:nvPr/>
+        </p:nvSpPr>
+        <p:spPr>
+          <a:xfrm>
+            <a:off x="0" y="4893625"/>
+            <a:ext cx="9144000" cy="249900"/>
+          </a:xfrm>
+          <a:prstGeom prst="rect">
+            <a:avLst/>
+          </a:prstGeom>
+          <a:solidFill>
+            <a:srgbClr val="2BABEE"/>
+          </a:solidFill>
+          <a:ln cap="flat" cmpd="sng" w="9525">
+            <a:solidFill>
+              <a:srgbClr val="EFEFEF"/>
+            </a:solidFill>
+            <a:prstDash val="solid"/>
+            <a:round/>
+            <a:headEnd len="sm" w="sm" type="none"/>
+            <a:tailEnd len="sm" w="sm" type="none"/>
+          </a:ln>
+        </p:spPr>
+        <p:txBody>
+          <a:bodyPr anchorCtr="0" anchor="ctr" bIns="91425" lIns="91425" spcFirstLastPara="1" rIns="91425" wrap="square" tIns="91425">
+            <a:noAutofit/>
+          </a:bodyPr>
+          <a:lstStyle/>
+          <a:p>
+            <a:pPr indent="0" lvl="0" marL="0">
+              <a:spcBef>
+                <a:spcPts val="0"/>
+              </a:spcBef>
+              <a:spcAft>
+                <a:spcPts val="0"/>
+              </a:spcAft>
+              <a:buNone/>
+            </a:pPr>
+            <a:r>
+              <a:t/>
+            </a:r>
+            <a:endParaRPr/>
+          </a:p>
+        </p:txBody>
+      </p:sp>
+    </p:spTree>
+  </p:cSld>
+  <p:clrMapOvr>
+    <a:masterClrMapping/>
+  </p:clrMapOvr>
+</p:sld>
+</file>
+
+<file path=ppt/slides/slide18.xml><?xml version="1.0" encoding="utf-8"?>
+<p:sld xmlns:a="http://schemas.openxmlformats.org/drawingml/2006/main" xmlns:r="http://schemas.openxmlformats.org/officeDocument/2006/relationships" xmlns:mc="http://schemas.openxmlformats.org/markup-compatibility/2006" xmlns:mv="urn:schemas-microsoft-com:mac:vml" xmlns:p="http://schemas.openxmlformats.org/presentationml/2006/main" xmlns:c="http://schemas.openxmlformats.org/drawingml/2006/chart" xmlns:dgm="http://schemas.openxmlformats.org/drawingml/2006/diagram" xmlns:o="urn:schemas-microsoft-com:office:office" xmlns:v="urn:schemas-microsoft-com:vml" xmlns:pvml="urn:schemas-microsoft-com:office:powerpoint" xmlns:com="http://schemas.openxmlformats.org/drawingml/2006/compatibility" xmlns:p14="http://schemas.microsoft.com/office/powerpoint/2010/main" xmlns:p15="http://schemas.microsoft.com/office/powerpoint/2012/main">
+  <p:cSld>
+    <p:spTree>
+      <p:nvGrpSpPr>
+        <p:cNvPr id="201" name="Shape 201"/>
+        <p:cNvGrpSpPr/>
+        <p:nvPr/>
+      </p:nvGrpSpPr>
+      <p:grpSpPr>
+        <a:xfrm>
+          <a:off x="0" y="0"/>
+          <a:ext cx="0" cy="0"/>
+          <a:chOff x="0" y="0"/>
+          <a:chExt cx="0" cy="0"/>
+        </a:xfrm>
+      </p:grpSpPr>
+      <p:sp>
+        <p:nvSpPr>
+          <p:cNvPr id="202" name="Shape 202"/>
+          <p:cNvSpPr txBox="1"/>
+          <p:nvPr>
+            <p:ph type="title"/>
+          </p:nvPr>
+        </p:nvSpPr>
+        <p:spPr>
+          <a:xfrm>
+            <a:off x="311700" y="445025"/>
+            <a:ext cx="8520600" cy="572700"/>
+          </a:xfrm>
+          <a:prstGeom prst="rect">
+            <a:avLst/>
+          </a:prstGeom>
+        </p:spPr>
+        <p:txBody>
+          <a:bodyPr anchorCtr="0" anchor="t" bIns="91425" lIns="91425" spcFirstLastPara="1" rIns="91425" wrap="square" tIns="91425">
+            <a:noAutofit/>
+          </a:bodyPr>
+          <a:lstStyle/>
+          <a:p>
+            <a:pPr indent="0" lvl="0" marL="0" rtl="0">
+              <a:spcBef>
+                <a:spcPts val="0"/>
+              </a:spcBef>
+              <a:spcAft>
+                <a:spcPts val="0"/>
+              </a:spcAft>
+              <a:buNone/>
+            </a:pPr>
+            <a:r>
+              <a:rPr lang="en"/>
+              <a:t>Language re-use</a:t>
+            </a:r>
+            <a:endParaRPr/>
+          </a:p>
+        </p:txBody>
+      </p:sp>
+      <p:sp>
+        <p:nvSpPr>
+          <p:cNvPr id="203" name="Shape 203"/>
+          <p:cNvSpPr txBox="1"/>
+          <p:nvPr>
+            <p:ph idx="1" type="body"/>
+          </p:nvPr>
+        </p:nvSpPr>
+        <p:spPr>
+          <a:xfrm>
+            <a:off x="311700" y="1152475"/>
+            <a:ext cx="8520600" cy="3416400"/>
+          </a:xfrm>
+          <a:prstGeom prst="rect">
+            <a:avLst/>
+          </a:prstGeom>
+        </p:spPr>
+        <p:txBody>
+          <a:bodyPr anchorCtr="0" anchor="t" bIns="91425" lIns="91425" spcFirstLastPara="1" rIns="91425" wrap="square" tIns="91425">
+            <a:noAutofit/>
+          </a:bodyPr>
+          <a:lstStyle/>
+          <a:p>
+            <a:pPr indent="0" lvl="0" marL="0" rtl="0">
+              <a:spcBef>
+                <a:spcPts val="0"/>
+              </a:spcBef>
+              <a:spcAft>
+                <a:spcPts val="0"/>
+              </a:spcAft>
+              <a:buNone/>
+            </a:pPr>
+            <a:r>
+              <a:rPr lang="en"/>
+              <a:t>//</a:t>
+            </a:r>
+            <a:r>
+              <a:rPr lang="en"/>
+              <a:t> </a:t>
+            </a:r>
+            <a:r>
+              <a:rPr lang="en"/>
+              <a:t>Technologies like ASP.NET, Django or Spring requires developers to know yet another language to write code on the server-side; be it C#, Python, Java or any other.</a:t>
+            </a:r>
+            <a:endParaRPr/>
+          </a:p>
+          <a:p>
+            <a:pPr indent="0" lvl="0" marL="0">
+              <a:spcBef>
+                <a:spcPts val="1600"/>
+              </a:spcBef>
+              <a:spcAft>
+                <a:spcPts val="0"/>
+              </a:spcAft>
+              <a:buNone/>
+            </a:pPr>
+            <a:r>
+              <a:rPr lang="en"/>
+              <a:t>// </a:t>
+            </a:r>
+            <a:r>
+              <a:rPr lang="en"/>
+              <a:t>On the other hand, Node.js uses JavaScript.</a:t>
+            </a:r>
+            <a:endParaRPr/>
+          </a:p>
+          <a:p>
+            <a:pPr indent="0" lvl="0" marL="0" rtl="0">
+              <a:spcBef>
+                <a:spcPts val="1600"/>
+              </a:spcBef>
+              <a:spcAft>
+                <a:spcPts val="1600"/>
+              </a:spcAft>
+              <a:buNone/>
+            </a:pPr>
+            <a:r>
+              <a:rPr lang="en"/>
+              <a:t>// Developers only have to talk in a single language across all layers.</a:t>
+            </a:r>
+            <a:endParaRPr/>
+          </a:p>
+        </p:txBody>
+      </p:sp>
+      <p:sp>
+        <p:nvSpPr>
+          <p:cNvPr id="204" name="Shape 204"/>
+          <p:cNvSpPr/>
+          <p:nvPr/>
+        </p:nvSpPr>
+        <p:spPr>
+          <a:xfrm>
+            <a:off x="0" y="0"/>
+            <a:ext cx="9144000" cy="100800"/>
+          </a:xfrm>
+          <a:prstGeom prst="rect">
+            <a:avLst/>
+          </a:prstGeom>
+          <a:solidFill>
+            <a:srgbClr val="2BABEE"/>
+          </a:solidFill>
+          <a:ln cap="flat" cmpd="sng" w="9525">
+            <a:solidFill>
+              <a:srgbClr val="EFEFEF"/>
+            </a:solidFill>
+            <a:prstDash val="solid"/>
+            <a:round/>
+            <a:headEnd len="sm" w="sm" type="none"/>
+            <a:tailEnd len="sm" w="sm" type="none"/>
+          </a:ln>
+        </p:spPr>
+        <p:txBody>
+          <a:bodyPr anchorCtr="0" anchor="ctr" bIns="91425" lIns="91425" spcFirstLastPara="1" rIns="91425" wrap="square" tIns="91425">
+            <a:noAutofit/>
+          </a:bodyPr>
+          <a:lstStyle/>
+          <a:p>
+            <a:pPr indent="0" lvl="0" marL="0">
+              <a:spcBef>
+                <a:spcPts val="0"/>
+              </a:spcBef>
+              <a:spcAft>
+                <a:spcPts val="0"/>
+              </a:spcAft>
+              <a:buNone/>
+            </a:pPr>
+            <a:r>
+              <a:t/>
+            </a:r>
+            <a:endParaRPr/>
+          </a:p>
+        </p:txBody>
+      </p:sp>
+      <p:pic>
+        <p:nvPicPr>
+          <p:cNvPr id="205" name="Shape 205"/>
+          <p:cNvPicPr preferRelativeResize="0"/>
+          <p:nvPr/>
+        </p:nvPicPr>
+        <p:blipFill>
+          <a:blip r:embed="rId3">
+            <a:alphaModFix/>
+          </a:blip>
+          <a:stretch>
+            <a:fillRect/>
+          </a:stretch>
+        </p:blipFill>
+        <p:spPr>
+          <a:xfrm>
+            <a:off x="110150" y="253075"/>
+            <a:ext cx="971400" cy="339225"/>
+          </a:xfrm>
+          <a:prstGeom prst="rect">
+            <a:avLst/>
+          </a:prstGeom>
+          <a:noFill/>
+          <a:ln>
+            <a:noFill/>
+          </a:ln>
+        </p:spPr>
+      </p:pic>
+      <p:sp>
+        <p:nvSpPr>
+          <p:cNvPr id="206" name="Shape 206"/>
+          <p:cNvSpPr/>
+          <p:nvPr/>
+        </p:nvSpPr>
+        <p:spPr>
+          <a:xfrm>
+            <a:off x="0" y="4893625"/>
+            <a:ext cx="9144000" cy="249900"/>
+          </a:xfrm>
+          <a:prstGeom prst="rect">
+            <a:avLst/>
+          </a:prstGeom>
+          <a:solidFill>
+            <a:srgbClr val="2BABEE"/>
+          </a:solidFill>
+          <a:ln cap="flat" cmpd="sng" w="9525">
+            <a:solidFill>
+              <a:srgbClr val="EFEFEF"/>
+            </a:solidFill>
+            <a:prstDash val="solid"/>
+            <a:round/>
+            <a:headEnd len="sm" w="sm" type="none"/>
+            <a:tailEnd len="sm" w="sm" type="none"/>
+          </a:ln>
+        </p:spPr>
+        <p:txBody>
+          <a:bodyPr anchorCtr="0" anchor="ctr" bIns="91425" lIns="91425" spcFirstLastPara="1" rIns="91425" wrap="square" tIns="91425">
+            <a:noAutofit/>
+          </a:bodyPr>
+          <a:lstStyle/>
+          <a:p>
+            <a:pPr indent="0" lvl="0" marL="0">
+              <a:spcBef>
+                <a:spcPts val="0"/>
+              </a:spcBef>
+              <a:spcAft>
+                <a:spcPts val="0"/>
+              </a:spcAft>
+              <a:buNone/>
+            </a:pPr>
+            <a:r>
+              <a:t/>
+            </a:r>
+            <a:endParaRPr/>
+          </a:p>
+        </p:txBody>
+      </p:sp>
+    </p:spTree>
+  </p:cSld>
+  <p:clrMapOvr>
+    <a:masterClrMapping/>
+  </p:clrMapOvr>
+</p:sld>
+</file>
+
+<file path=ppt/slides/slide19.xml><?xml version="1.0" encoding="utf-8"?>
+<p:sld xmlns:a="http://schemas.openxmlformats.org/drawingml/2006/main" xmlns:r="http://schemas.openxmlformats.org/officeDocument/2006/relationships" xmlns:mc="http://schemas.openxmlformats.org/markup-compatibility/2006" xmlns:mv="urn:schemas-microsoft-com:mac:vml" xmlns:p="http://schemas.openxmlformats.org/presentationml/2006/main" xmlns:c="http://schemas.openxmlformats.org/drawingml/2006/chart" xmlns:dgm="http://schemas.openxmlformats.org/drawingml/2006/diagram" xmlns:o="urn:schemas-microsoft-com:office:office" xmlns:v="urn:schemas-microsoft-com:vml" xmlns:pvml="urn:schemas-microsoft-com:office:powerpoint" xmlns:com="http://schemas.openxmlformats.org/drawingml/2006/compatibility" xmlns:p14="http://schemas.microsoft.com/office/powerpoint/2010/main" xmlns:p15="http://schemas.microsoft.com/office/powerpoint/2012/main">
+  <p:cSld>
+    <p:spTree>
+      <p:nvGrpSpPr>
+        <p:cNvPr id="210" name="Shape 210"/>
+        <p:cNvGrpSpPr/>
+        <p:nvPr/>
+      </p:nvGrpSpPr>
+      <p:grpSpPr>
+        <a:xfrm>
+          <a:off x="0" y="0"/>
+          <a:ext cx="0" cy="0"/>
+          <a:chOff x="0" y="0"/>
+          <a:chExt cx="0" cy="0"/>
+        </a:xfrm>
+      </p:grpSpPr>
+      <p:sp>
+        <p:nvSpPr>
+          <p:cNvPr id="211" name="Shape 211"/>
+          <p:cNvSpPr txBox="1"/>
+          <p:nvPr>
+            <p:ph type="title"/>
+          </p:nvPr>
+        </p:nvSpPr>
+        <p:spPr>
+          <a:xfrm>
+            <a:off x="311700" y="445025"/>
+            <a:ext cx="8520600" cy="572700"/>
+          </a:xfrm>
+          <a:prstGeom prst="rect">
+            <a:avLst/>
+          </a:prstGeom>
+        </p:spPr>
+        <p:txBody>
+          <a:bodyPr anchorCtr="0" anchor="t" bIns="91425" lIns="91425" spcFirstLastPara="1" rIns="91425" wrap="square" tIns="91425">
+            <a:noAutofit/>
+          </a:bodyPr>
+          <a:lstStyle/>
+          <a:p>
+            <a:pPr indent="0" lvl="0" marL="0" rtl="0">
+              <a:spcBef>
+                <a:spcPts val="0"/>
+              </a:spcBef>
+              <a:spcAft>
+                <a:spcPts val="0"/>
+              </a:spcAft>
+              <a:buNone/>
+            </a:pPr>
+            <a:r>
+              <a:rPr lang="en"/>
+              <a:t>It is lightweight</a:t>
+            </a:r>
+            <a:endParaRPr/>
+          </a:p>
+        </p:txBody>
+      </p:sp>
+      <p:sp>
+        <p:nvSpPr>
+          <p:cNvPr id="212" name="Shape 212"/>
+          <p:cNvSpPr txBox="1"/>
+          <p:nvPr>
+            <p:ph idx="1" type="body"/>
+          </p:nvPr>
+        </p:nvSpPr>
+        <p:spPr>
+          <a:xfrm>
+            <a:off x="311700" y="1152475"/>
+            <a:ext cx="8520600" cy="3416400"/>
+          </a:xfrm>
+          <a:prstGeom prst="rect">
+            <a:avLst/>
+          </a:prstGeom>
+        </p:spPr>
+        <p:txBody>
+          <a:bodyPr anchorCtr="0" anchor="t" bIns="91425" lIns="91425" spcFirstLastPara="1" rIns="91425" wrap="square" tIns="91425">
+            <a:noAutofit/>
+          </a:bodyPr>
+          <a:lstStyle/>
+          <a:p>
+            <a:pPr indent="0" lvl="0" marL="0" rtl="0">
+              <a:spcBef>
+                <a:spcPts val="0"/>
+              </a:spcBef>
+              <a:spcAft>
+                <a:spcPts val="0"/>
+              </a:spcAft>
+              <a:buNone/>
+            </a:pPr>
+            <a:r>
+              <a:rPr lang="en"/>
+              <a:t>// </a:t>
+            </a:r>
+            <a:r>
+              <a:rPr lang="en"/>
+              <a:t>Node.js uses an event-driven architecture which means everything done on it, every single call and operation, is a chain of asynchronous callbacks.</a:t>
+            </a:r>
+            <a:endParaRPr/>
+          </a:p>
+          <a:p>
+            <a:pPr indent="0" lvl="0" marL="0" rtl="0">
+              <a:spcBef>
+                <a:spcPts val="1600"/>
+              </a:spcBef>
+              <a:spcAft>
+                <a:spcPts val="0"/>
+              </a:spcAft>
+              <a:buNone/>
+            </a:pPr>
+            <a:r>
+              <a:rPr lang="en"/>
+              <a:t>// T</a:t>
+            </a:r>
+            <a:r>
+              <a:rPr lang="en"/>
+              <a:t>his allows Node.js to run on a single thread.</a:t>
+            </a:r>
+            <a:endParaRPr/>
+          </a:p>
+          <a:p>
+            <a:pPr indent="0" lvl="0" marL="0" rtl="0">
+              <a:spcBef>
+                <a:spcPts val="1600"/>
+              </a:spcBef>
+              <a:spcAft>
+                <a:spcPts val="1600"/>
+              </a:spcAft>
+              <a:buNone/>
+            </a:pPr>
+            <a:r>
+              <a:rPr lang="en"/>
+              <a:t>// </a:t>
+            </a:r>
+            <a:r>
+              <a:rPr lang="en"/>
+              <a:t>This is the very foundation of the non-blocking I/O nature you may have heard that is Node.js main feature.</a:t>
+            </a:r>
+            <a:endParaRPr/>
+          </a:p>
+        </p:txBody>
+      </p:sp>
+      <p:sp>
+        <p:nvSpPr>
+          <p:cNvPr id="213" name="Shape 213"/>
+          <p:cNvSpPr/>
+          <p:nvPr/>
+        </p:nvSpPr>
+        <p:spPr>
+          <a:xfrm>
+            <a:off x="0" y="0"/>
+            <a:ext cx="9144000" cy="100800"/>
+          </a:xfrm>
+          <a:prstGeom prst="rect">
+            <a:avLst/>
+          </a:prstGeom>
+          <a:solidFill>
+            <a:srgbClr val="2BABEE"/>
+          </a:solidFill>
+          <a:ln cap="flat" cmpd="sng" w="9525">
+            <a:solidFill>
+              <a:srgbClr val="EFEFEF"/>
+            </a:solidFill>
+            <a:prstDash val="solid"/>
+            <a:round/>
+            <a:headEnd len="sm" w="sm" type="none"/>
+            <a:tailEnd len="sm" w="sm" type="none"/>
+          </a:ln>
+        </p:spPr>
+        <p:txBody>
+          <a:bodyPr anchorCtr="0" anchor="ctr" bIns="91425" lIns="91425" spcFirstLastPara="1" rIns="91425" wrap="square" tIns="91425">
+            <a:noAutofit/>
+          </a:bodyPr>
+          <a:lstStyle/>
+          <a:p>
+            <a:pPr indent="0" lvl="0" marL="0">
+              <a:spcBef>
+                <a:spcPts val="0"/>
+              </a:spcBef>
+              <a:spcAft>
+                <a:spcPts val="0"/>
+              </a:spcAft>
+              <a:buNone/>
+            </a:pPr>
+            <a:r>
+              <a:t/>
+            </a:r>
+            <a:endParaRPr/>
+          </a:p>
+        </p:txBody>
+      </p:sp>
+      <p:pic>
+        <p:nvPicPr>
+          <p:cNvPr id="214" name="Shape 214"/>
+          <p:cNvPicPr preferRelativeResize="0"/>
+          <p:nvPr/>
+        </p:nvPicPr>
+        <p:blipFill>
+          <a:blip r:embed="rId3">
+            <a:alphaModFix/>
+          </a:blip>
+          <a:stretch>
+            <a:fillRect/>
+          </a:stretch>
+        </p:blipFill>
+        <p:spPr>
+          <a:xfrm>
+            <a:off x="110150" y="253075"/>
+            <a:ext cx="971400" cy="339225"/>
+          </a:xfrm>
+          <a:prstGeom prst="rect">
+            <a:avLst/>
+          </a:prstGeom>
+          <a:noFill/>
+          <a:ln>
+            <a:noFill/>
+          </a:ln>
+        </p:spPr>
+      </p:pic>
+      <p:sp>
+        <p:nvSpPr>
+          <p:cNvPr id="215" name="Shape 215"/>
           <p:cNvSpPr/>
           <p:nvPr/>
         </p:nvSpPr>
@@ -9538,6 +11469,2913 @@
 </p:sld>
 </file>
 
+<file path=ppt/slides/slide20.xml><?xml version="1.0" encoding="utf-8"?>
+<p:sld xmlns:a="http://schemas.openxmlformats.org/drawingml/2006/main" xmlns:r="http://schemas.openxmlformats.org/officeDocument/2006/relationships" xmlns:mc="http://schemas.openxmlformats.org/markup-compatibility/2006" xmlns:mv="urn:schemas-microsoft-com:mac:vml" xmlns:p="http://schemas.openxmlformats.org/presentationml/2006/main" xmlns:c="http://schemas.openxmlformats.org/drawingml/2006/chart" xmlns:dgm="http://schemas.openxmlformats.org/drawingml/2006/diagram" xmlns:o="urn:schemas-microsoft-com:office:office" xmlns:v="urn:schemas-microsoft-com:vml" xmlns:pvml="urn:schemas-microsoft-com:office:powerpoint" xmlns:com="http://schemas.openxmlformats.org/drawingml/2006/compatibility" xmlns:p14="http://schemas.microsoft.com/office/powerpoint/2010/main" xmlns:p15="http://schemas.microsoft.com/office/powerpoint/2012/main">
+  <p:cSld>
+    <p:spTree>
+      <p:nvGrpSpPr>
+        <p:cNvPr id="219" name="Shape 219"/>
+        <p:cNvGrpSpPr/>
+        <p:nvPr/>
+      </p:nvGrpSpPr>
+      <p:grpSpPr>
+        <a:xfrm>
+          <a:off x="0" y="0"/>
+          <a:ext cx="0" cy="0"/>
+          <a:chOff x="0" y="0"/>
+          <a:chExt cx="0" cy="0"/>
+        </a:xfrm>
+      </p:grpSpPr>
+      <p:sp>
+        <p:nvSpPr>
+          <p:cNvPr id="220" name="Shape 220"/>
+          <p:cNvSpPr txBox="1"/>
+          <p:nvPr>
+            <p:ph type="title"/>
+          </p:nvPr>
+        </p:nvSpPr>
+        <p:spPr>
+          <a:xfrm>
+            <a:off x="311700" y="445025"/>
+            <a:ext cx="8520600" cy="572700"/>
+          </a:xfrm>
+          <a:prstGeom prst="rect">
+            <a:avLst/>
+          </a:prstGeom>
+        </p:spPr>
+        <p:txBody>
+          <a:bodyPr anchorCtr="0" anchor="t" bIns="91425" lIns="91425" spcFirstLastPara="1" rIns="91425" wrap="square" tIns="91425">
+            <a:noAutofit/>
+          </a:bodyPr>
+          <a:lstStyle/>
+          <a:p>
+            <a:pPr indent="0" lvl="0" marL="0" rtl="0">
+              <a:spcBef>
+                <a:spcPts val="0"/>
+              </a:spcBef>
+              <a:spcAft>
+                <a:spcPts val="0"/>
+              </a:spcAft>
+              <a:buNone/>
+            </a:pPr>
+            <a:r>
+              <a:rPr lang="en"/>
+              <a:t>Node.js wins with Database Queries</a:t>
+            </a:r>
+            <a:br>
+              <a:rPr lang="en"/>
+            </a:br>
+            <a:endParaRPr/>
+          </a:p>
+        </p:txBody>
+      </p:sp>
+      <p:sp>
+        <p:nvSpPr>
+          <p:cNvPr id="221" name="Shape 221"/>
+          <p:cNvSpPr txBox="1"/>
+          <p:nvPr>
+            <p:ph idx="1" type="body"/>
+          </p:nvPr>
+        </p:nvSpPr>
+        <p:spPr>
+          <a:xfrm>
+            <a:off x="311700" y="1152475"/>
+            <a:ext cx="8520600" cy="3416400"/>
+          </a:xfrm>
+          <a:prstGeom prst="rect">
+            <a:avLst/>
+          </a:prstGeom>
+        </p:spPr>
+        <p:txBody>
+          <a:bodyPr anchorCtr="0" anchor="t" bIns="91425" lIns="91425" spcFirstLastPara="1" rIns="91425" wrap="square" tIns="91425">
+            <a:noAutofit/>
+          </a:bodyPr>
+          <a:lstStyle/>
+          <a:p>
+            <a:pPr indent="0" lvl="0" marL="0" rtl="0">
+              <a:spcBef>
+                <a:spcPts val="0"/>
+              </a:spcBef>
+              <a:spcAft>
+                <a:spcPts val="0"/>
+              </a:spcAft>
+              <a:buNone/>
+            </a:pPr>
+            <a:r>
+              <a:rPr lang="en"/>
+              <a:t>// </a:t>
+            </a:r>
+            <a:r>
+              <a:rPr lang="en"/>
+              <a:t>The database queries for new NoSQL databases like MongoDB, CouchDB are written in JavaScript.</a:t>
+            </a:r>
+            <a:endParaRPr/>
+          </a:p>
+          <a:p>
+            <a:pPr indent="0" lvl="0" marL="0" rtl="0">
+              <a:spcBef>
+                <a:spcPts val="1600"/>
+              </a:spcBef>
+              <a:spcAft>
+                <a:spcPts val="0"/>
+              </a:spcAft>
+              <a:buNone/>
+            </a:pPr>
+            <a:r>
+              <a:rPr lang="en"/>
+              <a:t>// </a:t>
+            </a:r>
+            <a:r>
+              <a:rPr lang="en"/>
+              <a:t>Developers need no gear-shifting in remembering the syntax differences when combining Node.js and NoSQL databases.</a:t>
+            </a:r>
+            <a:endParaRPr/>
+          </a:p>
+          <a:p>
+            <a:pPr indent="0" lvl="0" marL="0" rtl="0">
+              <a:spcBef>
+                <a:spcPts val="1600"/>
+              </a:spcBef>
+              <a:spcAft>
+                <a:spcPts val="1600"/>
+              </a:spcAft>
+              <a:buNone/>
+            </a:pPr>
+            <a:r>
+              <a:rPr lang="en"/>
+              <a:t>// JSON is modern form of data and its native to Node.js</a:t>
+            </a:r>
+            <a:endParaRPr/>
+          </a:p>
+        </p:txBody>
+      </p:sp>
+      <p:sp>
+        <p:nvSpPr>
+          <p:cNvPr id="222" name="Shape 222"/>
+          <p:cNvSpPr/>
+          <p:nvPr/>
+        </p:nvSpPr>
+        <p:spPr>
+          <a:xfrm>
+            <a:off x="0" y="0"/>
+            <a:ext cx="9144000" cy="100800"/>
+          </a:xfrm>
+          <a:prstGeom prst="rect">
+            <a:avLst/>
+          </a:prstGeom>
+          <a:solidFill>
+            <a:srgbClr val="2BABEE"/>
+          </a:solidFill>
+          <a:ln cap="flat" cmpd="sng" w="9525">
+            <a:solidFill>
+              <a:srgbClr val="EFEFEF"/>
+            </a:solidFill>
+            <a:prstDash val="solid"/>
+            <a:round/>
+            <a:headEnd len="sm" w="sm" type="none"/>
+            <a:tailEnd len="sm" w="sm" type="none"/>
+          </a:ln>
+        </p:spPr>
+        <p:txBody>
+          <a:bodyPr anchorCtr="0" anchor="ctr" bIns="91425" lIns="91425" spcFirstLastPara="1" rIns="91425" wrap="square" tIns="91425">
+            <a:noAutofit/>
+          </a:bodyPr>
+          <a:lstStyle/>
+          <a:p>
+            <a:pPr indent="0" lvl="0" marL="0">
+              <a:spcBef>
+                <a:spcPts val="0"/>
+              </a:spcBef>
+              <a:spcAft>
+                <a:spcPts val="0"/>
+              </a:spcAft>
+              <a:buNone/>
+            </a:pPr>
+            <a:r>
+              <a:t/>
+            </a:r>
+            <a:endParaRPr/>
+          </a:p>
+        </p:txBody>
+      </p:sp>
+      <p:pic>
+        <p:nvPicPr>
+          <p:cNvPr id="223" name="Shape 223"/>
+          <p:cNvPicPr preferRelativeResize="0"/>
+          <p:nvPr/>
+        </p:nvPicPr>
+        <p:blipFill>
+          <a:blip r:embed="rId3">
+            <a:alphaModFix/>
+          </a:blip>
+          <a:stretch>
+            <a:fillRect/>
+          </a:stretch>
+        </p:blipFill>
+        <p:spPr>
+          <a:xfrm>
+            <a:off x="110150" y="253075"/>
+            <a:ext cx="971400" cy="339225"/>
+          </a:xfrm>
+          <a:prstGeom prst="rect">
+            <a:avLst/>
+          </a:prstGeom>
+          <a:noFill/>
+          <a:ln>
+            <a:noFill/>
+          </a:ln>
+        </p:spPr>
+      </p:pic>
+      <p:sp>
+        <p:nvSpPr>
+          <p:cNvPr id="224" name="Shape 224"/>
+          <p:cNvSpPr/>
+          <p:nvPr/>
+        </p:nvSpPr>
+        <p:spPr>
+          <a:xfrm>
+            <a:off x="0" y="4893625"/>
+            <a:ext cx="9144000" cy="249900"/>
+          </a:xfrm>
+          <a:prstGeom prst="rect">
+            <a:avLst/>
+          </a:prstGeom>
+          <a:solidFill>
+            <a:srgbClr val="2BABEE"/>
+          </a:solidFill>
+          <a:ln cap="flat" cmpd="sng" w="9525">
+            <a:solidFill>
+              <a:srgbClr val="EFEFEF"/>
+            </a:solidFill>
+            <a:prstDash val="solid"/>
+            <a:round/>
+            <a:headEnd len="sm" w="sm" type="none"/>
+            <a:tailEnd len="sm" w="sm" type="none"/>
+          </a:ln>
+        </p:spPr>
+        <p:txBody>
+          <a:bodyPr anchorCtr="0" anchor="ctr" bIns="91425" lIns="91425" spcFirstLastPara="1" rIns="91425" wrap="square" tIns="91425">
+            <a:noAutofit/>
+          </a:bodyPr>
+          <a:lstStyle/>
+          <a:p>
+            <a:pPr indent="0" lvl="0" marL="0">
+              <a:spcBef>
+                <a:spcPts val="0"/>
+              </a:spcBef>
+              <a:spcAft>
+                <a:spcPts val="0"/>
+              </a:spcAft>
+              <a:buNone/>
+            </a:pPr>
+            <a:r>
+              <a:t/>
+            </a:r>
+            <a:endParaRPr/>
+          </a:p>
+        </p:txBody>
+      </p:sp>
+    </p:spTree>
+  </p:cSld>
+  <p:clrMapOvr>
+    <a:masterClrMapping/>
+  </p:clrMapOvr>
+</p:sld>
+</file>
+
+<file path=ppt/slides/slide21.xml><?xml version="1.0" encoding="utf-8"?>
+<p:sld xmlns:a="http://schemas.openxmlformats.org/drawingml/2006/main" xmlns:r="http://schemas.openxmlformats.org/officeDocument/2006/relationships" xmlns:mc="http://schemas.openxmlformats.org/markup-compatibility/2006" xmlns:mv="urn:schemas-microsoft-com:mac:vml" xmlns:p="http://schemas.openxmlformats.org/presentationml/2006/main" xmlns:c="http://schemas.openxmlformats.org/drawingml/2006/chart" xmlns:dgm="http://schemas.openxmlformats.org/drawingml/2006/diagram" xmlns:o="urn:schemas-microsoft-com:office:office" xmlns:v="urn:schemas-microsoft-com:vml" xmlns:pvml="urn:schemas-microsoft-com:office:powerpoint" xmlns:com="http://schemas.openxmlformats.org/drawingml/2006/compatibility" xmlns:p14="http://schemas.microsoft.com/office/powerpoint/2010/main" xmlns:p15="http://schemas.microsoft.com/office/powerpoint/2012/main">
+  <p:cSld>
+    <p:spTree>
+      <p:nvGrpSpPr>
+        <p:cNvPr id="228" name="Shape 228"/>
+        <p:cNvGrpSpPr/>
+        <p:nvPr/>
+      </p:nvGrpSpPr>
+      <p:grpSpPr>
+        <a:xfrm>
+          <a:off x="0" y="0"/>
+          <a:ext cx="0" cy="0"/>
+          <a:chOff x="0" y="0"/>
+          <a:chExt cx="0" cy="0"/>
+        </a:xfrm>
+      </p:grpSpPr>
+      <p:sp>
+        <p:nvSpPr>
+          <p:cNvPr id="229" name="Shape 229"/>
+          <p:cNvSpPr txBox="1"/>
+          <p:nvPr>
+            <p:ph type="title"/>
+          </p:nvPr>
+        </p:nvSpPr>
+        <p:spPr>
+          <a:xfrm>
+            <a:off x="311700" y="445025"/>
+            <a:ext cx="8520600" cy="572700"/>
+          </a:xfrm>
+          <a:prstGeom prst="rect">
+            <a:avLst/>
+          </a:prstGeom>
+        </p:spPr>
+        <p:txBody>
+          <a:bodyPr anchorCtr="0" anchor="t" bIns="91425" lIns="91425" spcFirstLastPara="1" rIns="91425" wrap="square" tIns="91425">
+            <a:noAutofit/>
+          </a:bodyPr>
+          <a:lstStyle/>
+          <a:p>
+            <a:pPr indent="0" lvl="0" marL="0" rtl="0">
+              <a:spcBef>
+                <a:spcPts val="0"/>
+              </a:spcBef>
+              <a:spcAft>
+                <a:spcPts val="0"/>
+              </a:spcAft>
+              <a:buNone/>
+            </a:pPr>
+            <a:r>
+              <a:rPr lang="en">
+                <a:solidFill>
+                  <a:srgbClr val="222222"/>
+                </a:solidFill>
+                <a:highlight>
+                  <a:srgbClr val="FFFFFF"/>
+                </a:highlight>
+              </a:rPr>
+              <a:t>World is Heterogeneous now</a:t>
+            </a:r>
+            <a:br>
+              <a:rPr lang="en"/>
+            </a:br>
+            <a:endParaRPr/>
+          </a:p>
+        </p:txBody>
+      </p:sp>
+      <p:sp>
+        <p:nvSpPr>
+          <p:cNvPr id="230" name="Shape 230"/>
+          <p:cNvSpPr txBox="1"/>
+          <p:nvPr>
+            <p:ph idx="1" type="body"/>
+          </p:nvPr>
+        </p:nvSpPr>
+        <p:spPr>
+          <a:xfrm>
+            <a:off x="311700" y="1152475"/>
+            <a:ext cx="8520600" cy="3416400"/>
+          </a:xfrm>
+          <a:prstGeom prst="rect">
+            <a:avLst/>
+          </a:prstGeom>
+        </p:spPr>
+        <p:txBody>
+          <a:bodyPr anchorCtr="0" anchor="t" bIns="91425" lIns="91425" spcFirstLastPara="1" rIns="91425" wrap="square" tIns="91425">
+            <a:noAutofit/>
+          </a:bodyPr>
+          <a:lstStyle/>
+          <a:p>
+            <a:pPr indent="0" lvl="0" marL="0" rtl="0">
+              <a:spcBef>
+                <a:spcPts val="0"/>
+              </a:spcBef>
+              <a:spcAft>
+                <a:spcPts val="0"/>
+              </a:spcAft>
+              <a:buNone/>
+            </a:pPr>
+            <a:r>
+              <a:rPr lang="en"/>
+              <a:t>// There is no single answer to complex modern world problems.</a:t>
+            </a:r>
+            <a:endParaRPr/>
+          </a:p>
+          <a:p>
+            <a:pPr indent="0" lvl="0" marL="0" rtl="0">
+              <a:spcBef>
+                <a:spcPts val="1600"/>
+              </a:spcBef>
+              <a:spcAft>
+                <a:spcPts val="0"/>
+              </a:spcAft>
+              <a:buNone/>
+            </a:pPr>
+            <a:r>
+              <a:rPr lang="en"/>
+              <a:t>// Node.js and Python are used side by side.</a:t>
+            </a:r>
+            <a:endParaRPr/>
+          </a:p>
+          <a:p>
+            <a:pPr indent="0" lvl="0" marL="0">
+              <a:spcBef>
+                <a:spcPts val="1600"/>
+              </a:spcBef>
+              <a:spcAft>
+                <a:spcPts val="0"/>
+              </a:spcAft>
+              <a:buNone/>
+            </a:pPr>
+            <a:r>
+              <a:rPr lang="en"/>
+              <a:t>// NPM is the biggest 3rd party module repository, take advantage of that.</a:t>
+            </a:r>
+            <a:endParaRPr/>
+          </a:p>
+          <a:p>
+            <a:pPr indent="0" lvl="0" marL="0" rtl="0">
+              <a:spcBef>
+                <a:spcPts val="1600"/>
+              </a:spcBef>
+              <a:spcAft>
+                <a:spcPts val="1600"/>
+              </a:spcAft>
+              <a:buNone/>
+            </a:pPr>
+            <a:r>
+              <a:rPr lang="en"/>
+              <a:t>// Node.js is most commonly used as “Proxy” to other micro-services. </a:t>
+            </a:r>
+            <a:endParaRPr/>
+          </a:p>
+        </p:txBody>
+      </p:sp>
+      <p:sp>
+        <p:nvSpPr>
+          <p:cNvPr id="231" name="Shape 231"/>
+          <p:cNvSpPr/>
+          <p:nvPr/>
+        </p:nvSpPr>
+        <p:spPr>
+          <a:xfrm>
+            <a:off x="0" y="0"/>
+            <a:ext cx="9144000" cy="100800"/>
+          </a:xfrm>
+          <a:prstGeom prst="rect">
+            <a:avLst/>
+          </a:prstGeom>
+          <a:solidFill>
+            <a:srgbClr val="2BABEE"/>
+          </a:solidFill>
+          <a:ln cap="flat" cmpd="sng" w="9525">
+            <a:solidFill>
+              <a:srgbClr val="EFEFEF"/>
+            </a:solidFill>
+            <a:prstDash val="solid"/>
+            <a:round/>
+            <a:headEnd len="sm" w="sm" type="none"/>
+            <a:tailEnd len="sm" w="sm" type="none"/>
+          </a:ln>
+        </p:spPr>
+        <p:txBody>
+          <a:bodyPr anchorCtr="0" anchor="ctr" bIns="91425" lIns="91425" spcFirstLastPara="1" rIns="91425" wrap="square" tIns="91425">
+            <a:noAutofit/>
+          </a:bodyPr>
+          <a:lstStyle/>
+          <a:p>
+            <a:pPr indent="0" lvl="0" marL="0">
+              <a:spcBef>
+                <a:spcPts val="0"/>
+              </a:spcBef>
+              <a:spcAft>
+                <a:spcPts val="0"/>
+              </a:spcAft>
+              <a:buNone/>
+            </a:pPr>
+            <a:r>
+              <a:t/>
+            </a:r>
+            <a:endParaRPr/>
+          </a:p>
+        </p:txBody>
+      </p:sp>
+      <p:pic>
+        <p:nvPicPr>
+          <p:cNvPr id="232" name="Shape 232"/>
+          <p:cNvPicPr preferRelativeResize="0"/>
+          <p:nvPr/>
+        </p:nvPicPr>
+        <p:blipFill>
+          <a:blip r:embed="rId3">
+            <a:alphaModFix/>
+          </a:blip>
+          <a:stretch>
+            <a:fillRect/>
+          </a:stretch>
+        </p:blipFill>
+        <p:spPr>
+          <a:xfrm>
+            <a:off x="110150" y="253075"/>
+            <a:ext cx="971400" cy="339225"/>
+          </a:xfrm>
+          <a:prstGeom prst="rect">
+            <a:avLst/>
+          </a:prstGeom>
+          <a:noFill/>
+          <a:ln>
+            <a:noFill/>
+          </a:ln>
+        </p:spPr>
+      </p:pic>
+      <p:sp>
+        <p:nvSpPr>
+          <p:cNvPr id="233" name="Shape 233"/>
+          <p:cNvSpPr/>
+          <p:nvPr/>
+        </p:nvSpPr>
+        <p:spPr>
+          <a:xfrm>
+            <a:off x="0" y="4893625"/>
+            <a:ext cx="9144000" cy="249900"/>
+          </a:xfrm>
+          <a:prstGeom prst="rect">
+            <a:avLst/>
+          </a:prstGeom>
+          <a:solidFill>
+            <a:srgbClr val="2BABEE"/>
+          </a:solidFill>
+          <a:ln cap="flat" cmpd="sng" w="9525">
+            <a:solidFill>
+              <a:srgbClr val="EFEFEF"/>
+            </a:solidFill>
+            <a:prstDash val="solid"/>
+            <a:round/>
+            <a:headEnd len="sm" w="sm" type="none"/>
+            <a:tailEnd len="sm" w="sm" type="none"/>
+          </a:ln>
+        </p:spPr>
+        <p:txBody>
+          <a:bodyPr anchorCtr="0" anchor="ctr" bIns="91425" lIns="91425" spcFirstLastPara="1" rIns="91425" wrap="square" tIns="91425">
+            <a:noAutofit/>
+          </a:bodyPr>
+          <a:lstStyle/>
+          <a:p>
+            <a:pPr indent="0" lvl="0" marL="0">
+              <a:spcBef>
+                <a:spcPts val="0"/>
+              </a:spcBef>
+              <a:spcAft>
+                <a:spcPts val="0"/>
+              </a:spcAft>
+              <a:buNone/>
+            </a:pPr>
+            <a:r>
+              <a:t/>
+            </a:r>
+            <a:endParaRPr/>
+          </a:p>
+        </p:txBody>
+      </p:sp>
+    </p:spTree>
+  </p:cSld>
+  <p:clrMapOvr>
+    <a:masterClrMapping/>
+  </p:clrMapOvr>
+</p:sld>
+</file>
+
+<file path=ppt/slides/slide22.xml><?xml version="1.0" encoding="utf-8"?>
+<p:sld xmlns:a="http://schemas.openxmlformats.org/drawingml/2006/main" xmlns:r="http://schemas.openxmlformats.org/officeDocument/2006/relationships" xmlns:mc="http://schemas.openxmlformats.org/markup-compatibility/2006" xmlns:mv="urn:schemas-microsoft-com:mac:vml" xmlns:p="http://schemas.openxmlformats.org/presentationml/2006/main" xmlns:c="http://schemas.openxmlformats.org/drawingml/2006/chart" xmlns:dgm="http://schemas.openxmlformats.org/drawingml/2006/diagram" xmlns:o="urn:schemas-microsoft-com:office:office" xmlns:v="urn:schemas-microsoft-com:vml" xmlns:pvml="urn:schemas-microsoft-com:office:powerpoint" xmlns:com="http://schemas.openxmlformats.org/drawingml/2006/compatibility" xmlns:p14="http://schemas.microsoft.com/office/powerpoint/2010/main" xmlns:p15="http://schemas.microsoft.com/office/powerpoint/2012/main">
+  <p:cSld>
+    <p:spTree>
+      <p:nvGrpSpPr>
+        <p:cNvPr id="237" name="Shape 237"/>
+        <p:cNvGrpSpPr/>
+        <p:nvPr/>
+      </p:nvGrpSpPr>
+      <p:grpSpPr>
+        <a:xfrm>
+          <a:off x="0" y="0"/>
+          <a:ext cx="0" cy="0"/>
+          <a:chOff x="0" y="0"/>
+          <a:chExt cx="0" cy="0"/>
+        </a:xfrm>
+      </p:grpSpPr>
+      <p:sp>
+        <p:nvSpPr>
+          <p:cNvPr id="238" name="Shape 238"/>
+          <p:cNvSpPr txBox="1"/>
+          <p:nvPr>
+            <p:ph type="title"/>
+          </p:nvPr>
+        </p:nvSpPr>
+        <p:spPr>
+          <a:xfrm>
+            <a:off x="311700" y="2150850"/>
+            <a:ext cx="8520600" cy="841800"/>
+          </a:xfrm>
+          <a:prstGeom prst="rect">
+            <a:avLst/>
+          </a:prstGeom>
+        </p:spPr>
+        <p:txBody>
+          <a:bodyPr anchorCtr="0" anchor="ctr" bIns="91425" lIns="91425" spcFirstLastPara="1" rIns="91425" wrap="square" tIns="91425">
+            <a:noAutofit/>
+          </a:bodyPr>
+          <a:lstStyle/>
+          <a:p>
+            <a:pPr indent="457200" lvl="0" marL="2743200" rtl="0" algn="l">
+              <a:spcBef>
+                <a:spcPts val="0"/>
+              </a:spcBef>
+              <a:spcAft>
+                <a:spcPts val="0"/>
+              </a:spcAft>
+              <a:buNone/>
+            </a:pPr>
+            <a:r>
+              <a:rPr lang="en"/>
+              <a:t>Flask</a:t>
+            </a:r>
+            <a:endParaRPr/>
+          </a:p>
+        </p:txBody>
+      </p:sp>
+      <p:sp>
+        <p:nvSpPr>
+          <p:cNvPr id="239" name="Shape 239"/>
+          <p:cNvSpPr/>
+          <p:nvPr/>
+        </p:nvSpPr>
+        <p:spPr>
+          <a:xfrm>
+            <a:off x="0" y="0"/>
+            <a:ext cx="9144000" cy="100800"/>
+          </a:xfrm>
+          <a:prstGeom prst="rect">
+            <a:avLst/>
+          </a:prstGeom>
+          <a:solidFill>
+            <a:srgbClr val="2BABEE"/>
+          </a:solidFill>
+          <a:ln cap="flat" cmpd="sng" w="9525">
+            <a:solidFill>
+              <a:srgbClr val="EFEFEF"/>
+            </a:solidFill>
+            <a:prstDash val="solid"/>
+            <a:round/>
+            <a:headEnd len="sm" w="sm" type="none"/>
+            <a:tailEnd len="sm" w="sm" type="none"/>
+          </a:ln>
+        </p:spPr>
+        <p:txBody>
+          <a:bodyPr anchorCtr="0" anchor="ctr" bIns="91425" lIns="91425" spcFirstLastPara="1" rIns="91425" wrap="square" tIns="91425">
+            <a:noAutofit/>
+          </a:bodyPr>
+          <a:lstStyle/>
+          <a:p>
+            <a:pPr indent="0" lvl="0" marL="0">
+              <a:spcBef>
+                <a:spcPts val="0"/>
+              </a:spcBef>
+              <a:spcAft>
+                <a:spcPts val="0"/>
+              </a:spcAft>
+              <a:buNone/>
+            </a:pPr>
+            <a:r>
+              <a:t/>
+            </a:r>
+            <a:endParaRPr/>
+          </a:p>
+        </p:txBody>
+      </p:sp>
+      <p:pic>
+        <p:nvPicPr>
+          <p:cNvPr id="240" name="Shape 240"/>
+          <p:cNvPicPr preferRelativeResize="0"/>
+          <p:nvPr/>
+        </p:nvPicPr>
+        <p:blipFill>
+          <a:blip r:embed="rId3">
+            <a:alphaModFix/>
+          </a:blip>
+          <a:stretch>
+            <a:fillRect/>
+          </a:stretch>
+        </p:blipFill>
+        <p:spPr>
+          <a:xfrm>
+            <a:off x="110150" y="253075"/>
+            <a:ext cx="971400" cy="339225"/>
+          </a:xfrm>
+          <a:prstGeom prst="rect">
+            <a:avLst/>
+          </a:prstGeom>
+          <a:noFill/>
+          <a:ln>
+            <a:noFill/>
+          </a:ln>
+        </p:spPr>
+      </p:pic>
+      <p:sp>
+        <p:nvSpPr>
+          <p:cNvPr id="241" name="Shape 241"/>
+          <p:cNvSpPr/>
+          <p:nvPr/>
+        </p:nvSpPr>
+        <p:spPr>
+          <a:xfrm>
+            <a:off x="0" y="4893625"/>
+            <a:ext cx="9144000" cy="249900"/>
+          </a:xfrm>
+          <a:prstGeom prst="rect">
+            <a:avLst/>
+          </a:prstGeom>
+          <a:solidFill>
+            <a:srgbClr val="2BABEE"/>
+          </a:solidFill>
+          <a:ln cap="flat" cmpd="sng" w="9525">
+            <a:solidFill>
+              <a:srgbClr val="EFEFEF"/>
+            </a:solidFill>
+            <a:prstDash val="solid"/>
+            <a:round/>
+            <a:headEnd len="sm" w="sm" type="none"/>
+            <a:tailEnd len="sm" w="sm" type="none"/>
+          </a:ln>
+        </p:spPr>
+        <p:txBody>
+          <a:bodyPr anchorCtr="0" anchor="ctr" bIns="91425" lIns="91425" spcFirstLastPara="1" rIns="91425" wrap="square" tIns="91425">
+            <a:noAutofit/>
+          </a:bodyPr>
+          <a:lstStyle/>
+          <a:p>
+            <a:pPr indent="0" lvl="0" marL="0">
+              <a:spcBef>
+                <a:spcPts val="0"/>
+              </a:spcBef>
+              <a:spcAft>
+                <a:spcPts val="0"/>
+              </a:spcAft>
+              <a:buNone/>
+            </a:pPr>
+            <a:r>
+              <a:t/>
+            </a:r>
+            <a:endParaRPr/>
+          </a:p>
+        </p:txBody>
+      </p:sp>
+    </p:spTree>
+  </p:cSld>
+  <p:clrMapOvr>
+    <a:masterClrMapping/>
+  </p:clrMapOvr>
+</p:sld>
+</file>
+
+<file path=ppt/slides/slide23.xml><?xml version="1.0" encoding="utf-8"?>
+<p:sld xmlns:a="http://schemas.openxmlformats.org/drawingml/2006/main" xmlns:r="http://schemas.openxmlformats.org/officeDocument/2006/relationships" xmlns:mc="http://schemas.openxmlformats.org/markup-compatibility/2006" xmlns:mv="urn:schemas-microsoft-com:mac:vml" xmlns:p="http://schemas.openxmlformats.org/presentationml/2006/main" xmlns:c="http://schemas.openxmlformats.org/drawingml/2006/chart" xmlns:dgm="http://schemas.openxmlformats.org/drawingml/2006/diagram" xmlns:o="urn:schemas-microsoft-com:office:office" xmlns:v="urn:schemas-microsoft-com:vml" xmlns:pvml="urn:schemas-microsoft-com:office:powerpoint" xmlns:com="http://schemas.openxmlformats.org/drawingml/2006/compatibility" xmlns:p14="http://schemas.microsoft.com/office/powerpoint/2010/main" xmlns:p15="http://schemas.microsoft.com/office/powerpoint/2012/main">
+  <p:cSld>
+    <p:spTree>
+      <p:nvGrpSpPr>
+        <p:cNvPr id="245" name="Shape 245"/>
+        <p:cNvGrpSpPr/>
+        <p:nvPr/>
+      </p:nvGrpSpPr>
+      <p:grpSpPr>
+        <a:xfrm>
+          <a:off x="0" y="0"/>
+          <a:ext cx="0" cy="0"/>
+          <a:chOff x="0" y="0"/>
+          <a:chExt cx="0" cy="0"/>
+        </a:xfrm>
+      </p:grpSpPr>
+      <p:sp>
+        <p:nvSpPr>
+          <p:cNvPr id="246" name="Shape 246"/>
+          <p:cNvSpPr txBox="1"/>
+          <p:nvPr>
+            <p:ph type="title"/>
+          </p:nvPr>
+        </p:nvSpPr>
+        <p:spPr>
+          <a:xfrm>
+            <a:off x="311700" y="445025"/>
+            <a:ext cx="8520600" cy="572700"/>
+          </a:xfrm>
+          <a:prstGeom prst="rect">
+            <a:avLst/>
+          </a:prstGeom>
+        </p:spPr>
+        <p:txBody>
+          <a:bodyPr anchorCtr="0" anchor="t" bIns="91425" lIns="91425" spcFirstLastPara="1" rIns="91425" wrap="square" tIns="91425">
+            <a:noAutofit/>
+          </a:bodyPr>
+          <a:lstStyle/>
+          <a:p>
+            <a:pPr indent="0" lvl="0" marL="0" rtl="0">
+              <a:spcBef>
+                <a:spcPts val="0"/>
+              </a:spcBef>
+              <a:spcAft>
+                <a:spcPts val="0"/>
+              </a:spcAft>
+              <a:buNone/>
+            </a:pPr>
+            <a:r>
+              <a:rPr lang="en">
+                <a:solidFill>
+                  <a:srgbClr val="222222"/>
+                </a:solidFill>
+                <a:highlight>
+                  <a:srgbClr val="FFFFFF"/>
+                </a:highlight>
+              </a:rPr>
+              <a:t>Main contrasts (vs Django)</a:t>
+            </a:r>
+            <a:endParaRPr/>
+          </a:p>
+        </p:txBody>
+      </p:sp>
+      <p:sp>
+        <p:nvSpPr>
+          <p:cNvPr id="247" name="Shape 247"/>
+          <p:cNvSpPr txBox="1"/>
+          <p:nvPr>
+            <p:ph idx="1" type="body"/>
+          </p:nvPr>
+        </p:nvSpPr>
+        <p:spPr>
+          <a:xfrm>
+            <a:off x="311700" y="1152475"/>
+            <a:ext cx="8520600" cy="3416400"/>
+          </a:xfrm>
+          <a:prstGeom prst="rect">
+            <a:avLst/>
+          </a:prstGeom>
+        </p:spPr>
+        <p:txBody>
+          <a:bodyPr anchorCtr="0" anchor="t" bIns="91425" lIns="91425" spcFirstLastPara="1" rIns="91425" wrap="square" tIns="91425">
+            <a:noAutofit/>
+          </a:bodyPr>
+          <a:lstStyle/>
+          <a:p>
+            <a:pPr indent="0" lvl="0" marL="0" rtl="0">
+              <a:spcBef>
+                <a:spcPts val="0"/>
+              </a:spcBef>
+              <a:spcAft>
+                <a:spcPts val="0"/>
+              </a:spcAft>
+              <a:buNone/>
+            </a:pPr>
+            <a:r>
+              <a:rPr lang="en"/>
+              <a:t>// </a:t>
+            </a:r>
+            <a:r>
+              <a:rPr lang="en"/>
+              <a:t>Flask provides simplicity, flexibility and fine-grained control. It is un-opinionated (it lets you decide how you want to implement things). It’s more “pythonic” because it’s explicit .</a:t>
+            </a:r>
+            <a:endParaRPr/>
+          </a:p>
+          <a:p>
+            <a:pPr indent="0" lvl="0" marL="0" rtl="0">
+              <a:spcBef>
+                <a:spcPts val="1600"/>
+              </a:spcBef>
+              <a:spcAft>
+                <a:spcPts val="1600"/>
+              </a:spcAft>
+              <a:buNone/>
+            </a:pPr>
+            <a:r>
+              <a:rPr lang="en"/>
+              <a:t>// </a:t>
+            </a:r>
+            <a:r>
+              <a:rPr lang="en"/>
+              <a:t>Django provides an all-inclusive experience: you get an admin panel, database interfaces, an ORM, and directory structure for your apps and projects out of the box.</a:t>
+            </a:r>
+            <a:endParaRPr/>
+          </a:p>
+        </p:txBody>
+      </p:sp>
+      <p:sp>
+        <p:nvSpPr>
+          <p:cNvPr id="248" name="Shape 248"/>
+          <p:cNvSpPr/>
+          <p:nvPr/>
+        </p:nvSpPr>
+        <p:spPr>
+          <a:xfrm>
+            <a:off x="0" y="0"/>
+            <a:ext cx="9144000" cy="100800"/>
+          </a:xfrm>
+          <a:prstGeom prst="rect">
+            <a:avLst/>
+          </a:prstGeom>
+          <a:solidFill>
+            <a:srgbClr val="2BABEE"/>
+          </a:solidFill>
+          <a:ln cap="flat" cmpd="sng" w="9525">
+            <a:solidFill>
+              <a:srgbClr val="EFEFEF"/>
+            </a:solidFill>
+            <a:prstDash val="solid"/>
+            <a:round/>
+            <a:headEnd len="sm" w="sm" type="none"/>
+            <a:tailEnd len="sm" w="sm" type="none"/>
+          </a:ln>
+        </p:spPr>
+        <p:txBody>
+          <a:bodyPr anchorCtr="0" anchor="ctr" bIns="91425" lIns="91425" spcFirstLastPara="1" rIns="91425" wrap="square" tIns="91425">
+            <a:noAutofit/>
+          </a:bodyPr>
+          <a:lstStyle/>
+          <a:p>
+            <a:pPr indent="0" lvl="0" marL="0">
+              <a:spcBef>
+                <a:spcPts val="0"/>
+              </a:spcBef>
+              <a:spcAft>
+                <a:spcPts val="0"/>
+              </a:spcAft>
+              <a:buNone/>
+            </a:pPr>
+            <a:r>
+              <a:t/>
+            </a:r>
+            <a:endParaRPr/>
+          </a:p>
+        </p:txBody>
+      </p:sp>
+      <p:pic>
+        <p:nvPicPr>
+          <p:cNvPr id="249" name="Shape 249"/>
+          <p:cNvPicPr preferRelativeResize="0"/>
+          <p:nvPr/>
+        </p:nvPicPr>
+        <p:blipFill>
+          <a:blip r:embed="rId3">
+            <a:alphaModFix/>
+          </a:blip>
+          <a:stretch>
+            <a:fillRect/>
+          </a:stretch>
+        </p:blipFill>
+        <p:spPr>
+          <a:xfrm>
+            <a:off x="110150" y="253075"/>
+            <a:ext cx="971400" cy="339225"/>
+          </a:xfrm>
+          <a:prstGeom prst="rect">
+            <a:avLst/>
+          </a:prstGeom>
+          <a:noFill/>
+          <a:ln>
+            <a:noFill/>
+          </a:ln>
+        </p:spPr>
+      </p:pic>
+      <p:sp>
+        <p:nvSpPr>
+          <p:cNvPr id="250" name="Shape 250"/>
+          <p:cNvSpPr/>
+          <p:nvPr/>
+        </p:nvSpPr>
+        <p:spPr>
+          <a:xfrm>
+            <a:off x="0" y="4893625"/>
+            <a:ext cx="9144000" cy="249900"/>
+          </a:xfrm>
+          <a:prstGeom prst="rect">
+            <a:avLst/>
+          </a:prstGeom>
+          <a:solidFill>
+            <a:srgbClr val="2BABEE"/>
+          </a:solidFill>
+          <a:ln cap="flat" cmpd="sng" w="9525">
+            <a:solidFill>
+              <a:srgbClr val="EFEFEF"/>
+            </a:solidFill>
+            <a:prstDash val="solid"/>
+            <a:round/>
+            <a:headEnd len="sm" w="sm" type="none"/>
+            <a:tailEnd len="sm" w="sm" type="none"/>
+          </a:ln>
+        </p:spPr>
+        <p:txBody>
+          <a:bodyPr anchorCtr="0" anchor="ctr" bIns="91425" lIns="91425" spcFirstLastPara="1" rIns="91425" wrap="square" tIns="91425">
+            <a:noAutofit/>
+          </a:bodyPr>
+          <a:lstStyle/>
+          <a:p>
+            <a:pPr indent="0" lvl="0" marL="0">
+              <a:spcBef>
+                <a:spcPts val="0"/>
+              </a:spcBef>
+              <a:spcAft>
+                <a:spcPts val="0"/>
+              </a:spcAft>
+              <a:buNone/>
+            </a:pPr>
+            <a:r>
+              <a:t/>
+            </a:r>
+            <a:endParaRPr/>
+          </a:p>
+        </p:txBody>
+      </p:sp>
+    </p:spTree>
+  </p:cSld>
+  <p:clrMapOvr>
+    <a:masterClrMapping/>
+  </p:clrMapOvr>
+</p:sld>
+</file>
+
+<file path=ppt/slides/slide24.xml><?xml version="1.0" encoding="utf-8"?>
+<p:sld xmlns:a="http://schemas.openxmlformats.org/drawingml/2006/main" xmlns:r="http://schemas.openxmlformats.org/officeDocument/2006/relationships" xmlns:mc="http://schemas.openxmlformats.org/markup-compatibility/2006" xmlns:mv="urn:schemas-microsoft-com:mac:vml" xmlns:p="http://schemas.openxmlformats.org/presentationml/2006/main" xmlns:c="http://schemas.openxmlformats.org/drawingml/2006/chart" xmlns:dgm="http://schemas.openxmlformats.org/drawingml/2006/diagram" xmlns:o="urn:schemas-microsoft-com:office:office" xmlns:v="urn:schemas-microsoft-com:vml" xmlns:pvml="urn:schemas-microsoft-com:office:powerpoint" xmlns:com="http://schemas.openxmlformats.org/drawingml/2006/compatibility" xmlns:p14="http://schemas.microsoft.com/office/powerpoint/2010/main" xmlns:p15="http://schemas.microsoft.com/office/powerpoint/2012/main">
+  <p:cSld>
+    <p:spTree>
+      <p:nvGrpSpPr>
+        <p:cNvPr id="254" name="Shape 254"/>
+        <p:cNvGrpSpPr/>
+        <p:nvPr/>
+      </p:nvGrpSpPr>
+      <p:grpSpPr>
+        <a:xfrm>
+          <a:off x="0" y="0"/>
+          <a:ext cx="0" cy="0"/>
+          <a:chOff x="0" y="0"/>
+          <a:chExt cx="0" cy="0"/>
+        </a:xfrm>
+      </p:grpSpPr>
+      <p:sp>
+        <p:nvSpPr>
+          <p:cNvPr id="255" name="Shape 255"/>
+          <p:cNvSpPr txBox="1"/>
+          <p:nvPr>
+            <p:ph type="title"/>
+          </p:nvPr>
+        </p:nvSpPr>
+        <p:spPr>
+          <a:xfrm>
+            <a:off x="311700" y="445025"/>
+            <a:ext cx="8520600" cy="572700"/>
+          </a:xfrm>
+          <a:prstGeom prst="rect">
+            <a:avLst/>
+          </a:prstGeom>
+        </p:spPr>
+        <p:txBody>
+          <a:bodyPr anchorCtr="0" anchor="t" bIns="91425" lIns="91425" spcFirstLastPara="1" rIns="91425" wrap="square" tIns="91425">
+            <a:noAutofit/>
+          </a:bodyPr>
+          <a:lstStyle/>
+          <a:p>
+            <a:pPr indent="0" lvl="0" marL="0" rtl="0">
+              <a:spcBef>
+                <a:spcPts val="0"/>
+              </a:spcBef>
+              <a:spcAft>
+                <a:spcPts val="0"/>
+              </a:spcAft>
+              <a:buNone/>
+            </a:pPr>
+            <a:r>
+              <a:rPr lang="en">
+                <a:solidFill>
+                  <a:srgbClr val="222222"/>
+                </a:solidFill>
+                <a:highlight>
+                  <a:srgbClr val="FFFFFF"/>
+                </a:highlight>
+              </a:rPr>
+              <a:t>You should probably choose</a:t>
+            </a:r>
+            <a:endParaRPr/>
+          </a:p>
+        </p:txBody>
+      </p:sp>
+      <p:sp>
+        <p:nvSpPr>
+          <p:cNvPr id="256" name="Shape 256"/>
+          <p:cNvSpPr txBox="1"/>
+          <p:nvPr>
+            <p:ph idx="1" type="body"/>
+          </p:nvPr>
+        </p:nvSpPr>
+        <p:spPr>
+          <a:xfrm>
+            <a:off x="311700" y="1152475"/>
+            <a:ext cx="8520600" cy="3416400"/>
+          </a:xfrm>
+          <a:prstGeom prst="rect">
+            <a:avLst/>
+          </a:prstGeom>
+        </p:spPr>
+        <p:txBody>
+          <a:bodyPr anchorCtr="0" anchor="t" bIns="91425" lIns="91425" spcFirstLastPara="1" rIns="91425" wrap="square" tIns="91425">
+            <a:noAutofit/>
+          </a:bodyPr>
+          <a:lstStyle/>
+          <a:p>
+            <a:pPr indent="0" lvl="0" marL="0" rtl="0">
+              <a:spcBef>
+                <a:spcPts val="0"/>
+              </a:spcBef>
+              <a:spcAft>
+                <a:spcPts val="0"/>
+              </a:spcAft>
+              <a:buNone/>
+            </a:pPr>
+            <a:r>
+              <a:rPr lang="en"/>
+              <a:t>// </a:t>
+            </a:r>
+            <a:r>
+              <a:rPr lang="en"/>
+              <a:t>Flask, if you're focused on the experience and learning opportunities, or if you want more control about which components to use (such as what databases you want to use and how you want to interact with them).</a:t>
+            </a:r>
+            <a:endParaRPr/>
+          </a:p>
+          <a:p>
+            <a:pPr indent="0" lvl="0" marL="0" rtl="0">
+              <a:spcBef>
+                <a:spcPts val="1600"/>
+              </a:spcBef>
+              <a:spcAft>
+                <a:spcPts val="1600"/>
+              </a:spcAft>
+              <a:buNone/>
+            </a:pPr>
+            <a:r>
+              <a:rPr lang="en"/>
+              <a:t>// </a:t>
+            </a:r>
+            <a:r>
+              <a:rPr lang="en"/>
+              <a:t>Django, if you're focused on the final product. Especially if you're working on a straight-forward application such as a news site, an e-store, or blog, and you want there to always be a single, obvious way of doing things.</a:t>
+            </a:r>
+            <a:endParaRPr/>
+          </a:p>
+        </p:txBody>
+      </p:sp>
+      <p:sp>
+        <p:nvSpPr>
+          <p:cNvPr id="257" name="Shape 257"/>
+          <p:cNvSpPr/>
+          <p:nvPr/>
+        </p:nvSpPr>
+        <p:spPr>
+          <a:xfrm>
+            <a:off x="0" y="0"/>
+            <a:ext cx="9144000" cy="100800"/>
+          </a:xfrm>
+          <a:prstGeom prst="rect">
+            <a:avLst/>
+          </a:prstGeom>
+          <a:solidFill>
+            <a:srgbClr val="2BABEE"/>
+          </a:solidFill>
+          <a:ln cap="flat" cmpd="sng" w="9525">
+            <a:solidFill>
+              <a:srgbClr val="EFEFEF"/>
+            </a:solidFill>
+            <a:prstDash val="solid"/>
+            <a:round/>
+            <a:headEnd len="sm" w="sm" type="none"/>
+            <a:tailEnd len="sm" w="sm" type="none"/>
+          </a:ln>
+        </p:spPr>
+        <p:txBody>
+          <a:bodyPr anchorCtr="0" anchor="ctr" bIns="91425" lIns="91425" spcFirstLastPara="1" rIns="91425" wrap="square" tIns="91425">
+            <a:noAutofit/>
+          </a:bodyPr>
+          <a:lstStyle/>
+          <a:p>
+            <a:pPr indent="0" lvl="0" marL="0">
+              <a:spcBef>
+                <a:spcPts val="0"/>
+              </a:spcBef>
+              <a:spcAft>
+                <a:spcPts val="0"/>
+              </a:spcAft>
+              <a:buNone/>
+            </a:pPr>
+            <a:r>
+              <a:t/>
+            </a:r>
+            <a:endParaRPr/>
+          </a:p>
+        </p:txBody>
+      </p:sp>
+      <p:pic>
+        <p:nvPicPr>
+          <p:cNvPr id="258" name="Shape 258"/>
+          <p:cNvPicPr preferRelativeResize="0"/>
+          <p:nvPr/>
+        </p:nvPicPr>
+        <p:blipFill>
+          <a:blip r:embed="rId3">
+            <a:alphaModFix/>
+          </a:blip>
+          <a:stretch>
+            <a:fillRect/>
+          </a:stretch>
+        </p:blipFill>
+        <p:spPr>
+          <a:xfrm>
+            <a:off x="110150" y="253075"/>
+            <a:ext cx="971400" cy="339225"/>
+          </a:xfrm>
+          <a:prstGeom prst="rect">
+            <a:avLst/>
+          </a:prstGeom>
+          <a:noFill/>
+          <a:ln>
+            <a:noFill/>
+          </a:ln>
+        </p:spPr>
+      </p:pic>
+      <p:sp>
+        <p:nvSpPr>
+          <p:cNvPr id="259" name="Shape 259"/>
+          <p:cNvSpPr/>
+          <p:nvPr/>
+        </p:nvSpPr>
+        <p:spPr>
+          <a:xfrm>
+            <a:off x="0" y="4893625"/>
+            <a:ext cx="9144000" cy="249900"/>
+          </a:xfrm>
+          <a:prstGeom prst="rect">
+            <a:avLst/>
+          </a:prstGeom>
+          <a:solidFill>
+            <a:srgbClr val="2BABEE"/>
+          </a:solidFill>
+          <a:ln cap="flat" cmpd="sng" w="9525">
+            <a:solidFill>
+              <a:srgbClr val="EFEFEF"/>
+            </a:solidFill>
+            <a:prstDash val="solid"/>
+            <a:round/>
+            <a:headEnd len="sm" w="sm" type="none"/>
+            <a:tailEnd len="sm" w="sm" type="none"/>
+          </a:ln>
+        </p:spPr>
+        <p:txBody>
+          <a:bodyPr anchorCtr="0" anchor="ctr" bIns="91425" lIns="91425" spcFirstLastPara="1" rIns="91425" wrap="square" tIns="91425">
+            <a:noAutofit/>
+          </a:bodyPr>
+          <a:lstStyle/>
+          <a:p>
+            <a:pPr indent="0" lvl="0" marL="0">
+              <a:spcBef>
+                <a:spcPts val="0"/>
+              </a:spcBef>
+              <a:spcAft>
+                <a:spcPts val="0"/>
+              </a:spcAft>
+              <a:buNone/>
+            </a:pPr>
+            <a:r>
+              <a:t/>
+            </a:r>
+            <a:endParaRPr/>
+          </a:p>
+        </p:txBody>
+      </p:sp>
+    </p:spTree>
+  </p:cSld>
+  <p:clrMapOvr>
+    <a:masterClrMapping/>
+  </p:clrMapOvr>
+</p:sld>
+</file>
+
+<file path=ppt/slides/slide25.xml><?xml version="1.0" encoding="utf-8"?>
+<p:sld xmlns:a="http://schemas.openxmlformats.org/drawingml/2006/main" xmlns:r="http://schemas.openxmlformats.org/officeDocument/2006/relationships" xmlns:mc="http://schemas.openxmlformats.org/markup-compatibility/2006" xmlns:mv="urn:schemas-microsoft-com:mac:vml" xmlns:p="http://schemas.openxmlformats.org/presentationml/2006/main" xmlns:c="http://schemas.openxmlformats.org/drawingml/2006/chart" xmlns:dgm="http://schemas.openxmlformats.org/drawingml/2006/diagram" xmlns:o="urn:schemas-microsoft-com:office:office" xmlns:v="urn:schemas-microsoft-com:vml" xmlns:pvml="urn:schemas-microsoft-com:office:powerpoint" xmlns:com="http://schemas.openxmlformats.org/drawingml/2006/compatibility" xmlns:p14="http://schemas.microsoft.com/office/powerpoint/2010/main" xmlns:p15="http://schemas.microsoft.com/office/powerpoint/2012/main">
+  <p:cSld>
+    <p:spTree>
+      <p:nvGrpSpPr>
+        <p:cNvPr id="263" name="Shape 263"/>
+        <p:cNvGrpSpPr/>
+        <p:nvPr/>
+      </p:nvGrpSpPr>
+      <p:grpSpPr>
+        <a:xfrm>
+          <a:off x="0" y="0"/>
+          <a:ext cx="0" cy="0"/>
+          <a:chOff x="0" y="0"/>
+          <a:chExt cx="0" cy="0"/>
+        </a:xfrm>
+      </p:grpSpPr>
+      <p:sp>
+        <p:nvSpPr>
+          <p:cNvPr id="264" name="Shape 264"/>
+          <p:cNvSpPr txBox="1"/>
+          <p:nvPr>
+            <p:ph type="title"/>
+          </p:nvPr>
+        </p:nvSpPr>
+        <p:spPr>
+          <a:xfrm>
+            <a:off x="311700" y="2150850"/>
+            <a:ext cx="8520600" cy="841800"/>
+          </a:xfrm>
+          <a:prstGeom prst="rect">
+            <a:avLst/>
+          </a:prstGeom>
+        </p:spPr>
+        <p:txBody>
+          <a:bodyPr anchorCtr="0" anchor="ctr" bIns="91425" lIns="91425" spcFirstLastPara="1" rIns="91425" wrap="square" tIns="91425">
+            <a:noAutofit/>
+          </a:bodyPr>
+          <a:lstStyle/>
+          <a:p>
+            <a:pPr indent="457200" lvl="0" marL="2743200" rtl="0" algn="l">
+              <a:spcBef>
+                <a:spcPts val="0"/>
+              </a:spcBef>
+              <a:spcAft>
+                <a:spcPts val="0"/>
+              </a:spcAft>
+              <a:buNone/>
+            </a:pPr>
+            <a:r>
+              <a:rPr lang="en"/>
+              <a:t>React JS</a:t>
+            </a:r>
+            <a:endParaRPr/>
+          </a:p>
+        </p:txBody>
+      </p:sp>
+      <p:sp>
+        <p:nvSpPr>
+          <p:cNvPr id="265" name="Shape 265"/>
+          <p:cNvSpPr/>
+          <p:nvPr/>
+        </p:nvSpPr>
+        <p:spPr>
+          <a:xfrm>
+            <a:off x="0" y="0"/>
+            <a:ext cx="9144000" cy="100800"/>
+          </a:xfrm>
+          <a:prstGeom prst="rect">
+            <a:avLst/>
+          </a:prstGeom>
+          <a:solidFill>
+            <a:srgbClr val="2BABEE"/>
+          </a:solidFill>
+          <a:ln cap="flat" cmpd="sng" w="9525">
+            <a:solidFill>
+              <a:srgbClr val="EFEFEF"/>
+            </a:solidFill>
+            <a:prstDash val="solid"/>
+            <a:round/>
+            <a:headEnd len="sm" w="sm" type="none"/>
+            <a:tailEnd len="sm" w="sm" type="none"/>
+          </a:ln>
+        </p:spPr>
+        <p:txBody>
+          <a:bodyPr anchorCtr="0" anchor="ctr" bIns="91425" lIns="91425" spcFirstLastPara="1" rIns="91425" wrap="square" tIns="91425">
+            <a:noAutofit/>
+          </a:bodyPr>
+          <a:lstStyle/>
+          <a:p>
+            <a:pPr indent="0" lvl="0" marL="0">
+              <a:spcBef>
+                <a:spcPts val="0"/>
+              </a:spcBef>
+              <a:spcAft>
+                <a:spcPts val="0"/>
+              </a:spcAft>
+              <a:buNone/>
+            </a:pPr>
+            <a:r>
+              <a:t/>
+            </a:r>
+            <a:endParaRPr/>
+          </a:p>
+        </p:txBody>
+      </p:sp>
+      <p:pic>
+        <p:nvPicPr>
+          <p:cNvPr id="266" name="Shape 266"/>
+          <p:cNvPicPr preferRelativeResize="0"/>
+          <p:nvPr/>
+        </p:nvPicPr>
+        <p:blipFill>
+          <a:blip r:embed="rId3">
+            <a:alphaModFix/>
+          </a:blip>
+          <a:stretch>
+            <a:fillRect/>
+          </a:stretch>
+        </p:blipFill>
+        <p:spPr>
+          <a:xfrm>
+            <a:off x="110150" y="253075"/>
+            <a:ext cx="971400" cy="339225"/>
+          </a:xfrm>
+          <a:prstGeom prst="rect">
+            <a:avLst/>
+          </a:prstGeom>
+          <a:noFill/>
+          <a:ln>
+            <a:noFill/>
+          </a:ln>
+        </p:spPr>
+      </p:pic>
+      <p:sp>
+        <p:nvSpPr>
+          <p:cNvPr id="267" name="Shape 267"/>
+          <p:cNvSpPr/>
+          <p:nvPr/>
+        </p:nvSpPr>
+        <p:spPr>
+          <a:xfrm>
+            <a:off x="0" y="4893625"/>
+            <a:ext cx="9144000" cy="249900"/>
+          </a:xfrm>
+          <a:prstGeom prst="rect">
+            <a:avLst/>
+          </a:prstGeom>
+          <a:solidFill>
+            <a:srgbClr val="2BABEE"/>
+          </a:solidFill>
+          <a:ln cap="flat" cmpd="sng" w="9525">
+            <a:solidFill>
+              <a:srgbClr val="EFEFEF"/>
+            </a:solidFill>
+            <a:prstDash val="solid"/>
+            <a:round/>
+            <a:headEnd len="sm" w="sm" type="none"/>
+            <a:tailEnd len="sm" w="sm" type="none"/>
+          </a:ln>
+        </p:spPr>
+        <p:txBody>
+          <a:bodyPr anchorCtr="0" anchor="ctr" bIns="91425" lIns="91425" spcFirstLastPara="1" rIns="91425" wrap="square" tIns="91425">
+            <a:noAutofit/>
+          </a:bodyPr>
+          <a:lstStyle/>
+          <a:p>
+            <a:pPr indent="0" lvl="0" marL="0">
+              <a:spcBef>
+                <a:spcPts val="0"/>
+              </a:spcBef>
+              <a:spcAft>
+                <a:spcPts val="0"/>
+              </a:spcAft>
+              <a:buNone/>
+            </a:pPr>
+            <a:r>
+              <a:t/>
+            </a:r>
+            <a:endParaRPr/>
+          </a:p>
+        </p:txBody>
+      </p:sp>
+    </p:spTree>
+  </p:cSld>
+  <p:clrMapOvr>
+    <a:masterClrMapping/>
+  </p:clrMapOvr>
+</p:sld>
+</file>
+
+<file path=ppt/slides/slide26.xml><?xml version="1.0" encoding="utf-8"?>
+<p:sld xmlns:a="http://schemas.openxmlformats.org/drawingml/2006/main" xmlns:r="http://schemas.openxmlformats.org/officeDocument/2006/relationships" xmlns:mc="http://schemas.openxmlformats.org/markup-compatibility/2006" xmlns:mv="urn:schemas-microsoft-com:mac:vml" xmlns:p="http://schemas.openxmlformats.org/presentationml/2006/main" xmlns:c="http://schemas.openxmlformats.org/drawingml/2006/chart" xmlns:dgm="http://schemas.openxmlformats.org/drawingml/2006/diagram" xmlns:o="urn:schemas-microsoft-com:office:office" xmlns:v="urn:schemas-microsoft-com:vml" xmlns:pvml="urn:schemas-microsoft-com:office:powerpoint" xmlns:com="http://schemas.openxmlformats.org/drawingml/2006/compatibility" xmlns:p14="http://schemas.microsoft.com/office/powerpoint/2010/main" xmlns:p15="http://schemas.microsoft.com/office/powerpoint/2012/main">
+  <p:cSld>
+    <p:spTree>
+      <p:nvGrpSpPr>
+        <p:cNvPr id="271" name="Shape 271"/>
+        <p:cNvGrpSpPr/>
+        <p:nvPr/>
+      </p:nvGrpSpPr>
+      <p:grpSpPr>
+        <a:xfrm>
+          <a:off x="0" y="0"/>
+          <a:ext cx="0" cy="0"/>
+          <a:chOff x="0" y="0"/>
+          <a:chExt cx="0" cy="0"/>
+        </a:xfrm>
+      </p:grpSpPr>
+      <p:sp>
+        <p:nvSpPr>
+          <p:cNvPr id="272" name="Shape 272"/>
+          <p:cNvSpPr txBox="1"/>
+          <p:nvPr>
+            <p:ph type="title"/>
+          </p:nvPr>
+        </p:nvSpPr>
+        <p:spPr>
+          <a:xfrm>
+            <a:off x="311700" y="445025"/>
+            <a:ext cx="8520600" cy="572700"/>
+          </a:xfrm>
+          <a:prstGeom prst="rect">
+            <a:avLst/>
+          </a:prstGeom>
+        </p:spPr>
+        <p:txBody>
+          <a:bodyPr anchorCtr="0" anchor="t" bIns="91425" lIns="91425" spcFirstLastPara="1" rIns="91425" wrap="square" tIns="91425">
+            <a:noAutofit/>
+          </a:bodyPr>
+          <a:lstStyle/>
+          <a:p>
+            <a:pPr indent="0" lvl="0" marL="0" rtl="0">
+              <a:spcBef>
+                <a:spcPts val="0"/>
+              </a:spcBef>
+              <a:spcAft>
+                <a:spcPts val="0"/>
+              </a:spcAft>
+              <a:buNone/>
+            </a:pPr>
+            <a:r>
+              <a:rPr lang="en">
+                <a:solidFill>
+                  <a:srgbClr val="222222"/>
+                </a:solidFill>
+                <a:highlight>
+                  <a:srgbClr val="FFFFFF"/>
+                </a:highlight>
+              </a:rPr>
+              <a:t>What is React JS?</a:t>
+            </a:r>
+            <a:br>
+              <a:rPr lang="en"/>
+            </a:br>
+            <a:endParaRPr/>
+          </a:p>
+        </p:txBody>
+      </p:sp>
+      <p:sp>
+        <p:nvSpPr>
+          <p:cNvPr id="273" name="Shape 273"/>
+          <p:cNvSpPr txBox="1"/>
+          <p:nvPr>
+            <p:ph idx="1" type="body"/>
+          </p:nvPr>
+        </p:nvSpPr>
+        <p:spPr>
+          <a:xfrm>
+            <a:off x="311700" y="1152475"/>
+            <a:ext cx="8520600" cy="3416400"/>
+          </a:xfrm>
+          <a:prstGeom prst="rect">
+            <a:avLst/>
+          </a:prstGeom>
+        </p:spPr>
+        <p:txBody>
+          <a:bodyPr anchorCtr="0" anchor="t" bIns="91425" lIns="91425" spcFirstLastPara="1" rIns="91425" wrap="square" tIns="91425">
+            <a:noAutofit/>
+          </a:bodyPr>
+          <a:lstStyle/>
+          <a:p>
+            <a:pPr indent="0" lvl="0" marL="0">
+              <a:spcBef>
+                <a:spcPts val="0"/>
+              </a:spcBef>
+              <a:spcAft>
+                <a:spcPts val="0"/>
+              </a:spcAft>
+              <a:buNone/>
+            </a:pPr>
+            <a:r>
+              <a:rPr lang="en"/>
+              <a:t># </a:t>
+            </a:r>
+            <a:r>
+              <a:rPr lang="en"/>
+              <a:t>ReactJS is declarative, efficient, and flexible JavaScript open-source library which is used for building user interfaces specifically for single page applications.</a:t>
+            </a:r>
+            <a:endParaRPr/>
+          </a:p>
+          <a:p>
+            <a:pPr indent="0" lvl="0" marL="0">
+              <a:spcBef>
+                <a:spcPts val="1600"/>
+              </a:spcBef>
+              <a:spcAft>
+                <a:spcPts val="0"/>
+              </a:spcAft>
+              <a:buNone/>
+            </a:pPr>
+            <a:r>
+              <a:rPr lang="en"/>
+              <a:t># It’s used for handling view layer for web and mobile apps.</a:t>
+            </a:r>
+            <a:endParaRPr/>
+          </a:p>
+          <a:p>
+            <a:pPr indent="0" lvl="0" marL="0" rtl="0">
+              <a:spcBef>
+                <a:spcPts val="1600"/>
+              </a:spcBef>
+              <a:spcAft>
+                <a:spcPts val="1600"/>
+              </a:spcAft>
+              <a:buNone/>
+            </a:pPr>
+            <a:r>
+              <a:rPr lang="en"/>
+              <a:t># V in M</a:t>
+            </a:r>
+            <a:r>
+              <a:rPr b="1" lang="en"/>
+              <a:t>V</a:t>
+            </a:r>
+            <a:r>
+              <a:rPr lang="en"/>
+              <a:t>C</a:t>
+            </a:r>
+            <a:endParaRPr/>
+          </a:p>
+        </p:txBody>
+      </p:sp>
+      <p:sp>
+        <p:nvSpPr>
+          <p:cNvPr id="274" name="Shape 274"/>
+          <p:cNvSpPr/>
+          <p:nvPr/>
+        </p:nvSpPr>
+        <p:spPr>
+          <a:xfrm>
+            <a:off x="0" y="0"/>
+            <a:ext cx="9144000" cy="100800"/>
+          </a:xfrm>
+          <a:prstGeom prst="rect">
+            <a:avLst/>
+          </a:prstGeom>
+          <a:solidFill>
+            <a:srgbClr val="2BABEE"/>
+          </a:solidFill>
+          <a:ln cap="flat" cmpd="sng" w="9525">
+            <a:solidFill>
+              <a:srgbClr val="EFEFEF"/>
+            </a:solidFill>
+            <a:prstDash val="solid"/>
+            <a:round/>
+            <a:headEnd len="sm" w="sm" type="none"/>
+            <a:tailEnd len="sm" w="sm" type="none"/>
+          </a:ln>
+        </p:spPr>
+        <p:txBody>
+          <a:bodyPr anchorCtr="0" anchor="ctr" bIns="91425" lIns="91425" spcFirstLastPara="1" rIns="91425" wrap="square" tIns="91425">
+            <a:noAutofit/>
+          </a:bodyPr>
+          <a:lstStyle/>
+          <a:p>
+            <a:pPr indent="0" lvl="0" marL="0">
+              <a:spcBef>
+                <a:spcPts val="0"/>
+              </a:spcBef>
+              <a:spcAft>
+                <a:spcPts val="0"/>
+              </a:spcAft>
+              <a:buNone/>
+            </a:pPr>
+            <a:r>
+              <a:t/>
+            </a:r>
+            <a:endParaRPr/>
+          </a:p>
+        </p:txBody>
+      </p:sp>
+      <p:pic>
+        <p:nvPicPr>
+          <p:cNvPr id="275" name="Shape 275"/>
+          <p:cNvPicPr preferRelativeResize="0"/>
+          <p:nvPr/>
+        </p:nvPicPr>
+        <p:blipFill>
+          <a:blip r:embed="rId3">
+            <a:alphaModFix/>
+          </a:blip>
+          <a:stretch>
+            <a:fillRect/>
+          </a:stretch>
+        </p:blipFill>
+        <p:spPr>
+          <a:xfrm>
+            <a:off x="110150" y="253075"/>
+            <a:ext cx="971400" cy="339225"/>
+          </a:xfrm>
+          <a:prstGeom prst="rect">
+            <a:avLst/>
+          </a:prstGeom>
+          <a:noFill/>
+          <a:ln>
+            <a:noFill/>
+          </a:ln>
+        </p:spPr>
+      </p:pic>
+      <p:sp>
+        <p:nvSpPr>
+          <p:cNvPr id="276" name="Shape 276"/>
+          <p:cNvSpPr/>
+          <p:nvPr/>
+        </p:nvSpPr>
+        <p:spPr>
+          <a:xfrm>
+            <a:off x="0" y="4893625"/>
+            <a:ext cx="9144000" cy="249900"/>
+          </a:xfrm>
+          <a:prstGeom prst="rect">
+            <a:avLst/>
+          </a:prstGeom>
+          <a:solidFill>
+            <a:srgbClr val="2BABEE"/>
+          </a:solidFill>
+          <a:ln cap="flat" cmpd="sng" w="9525">
+            <a:solidFill>
+              <a:srgbClr val="EFEFEF"/>
+            </a:solidFill>
+            <a:prstDash val="solid"/>
+            <a:round/>
+            <a:headEnd len="sm" w="sm" type="none"/>
+            <a:tailEnd len="sm" w="sm" type="none"/>
+          </a:ln>
+        </p:spPr>
+        <p:txBody>
+          <a:bodyPr anchorCtr="0" anchor="ctr" bIns="91425" lIns="91425" spcFirstLastPara="1" rIns="91425" wrap="square" tIns="91425">
+            <a:noAutofit/>
+          </a:bodyPr>
+          <a:lstStyle/>
+          <a:p>
+            <a:pPr indent="0" lvl="0" marL="0">
+              <a:spcBef>
+                <a:spcPts val="0"/>
+              </a:spcBef>
+              <a:spcAft>
+                <a:spcPts val="0"/>
+              </a:spcAft>
+              <a:buNone/>
+            </a:pPr>
+            <a:r>
+              <a:t/>
+            </a:r>
+            <a:endParaRPr/>
+          </a:p>
+        </p:txBody>
+      </p:sp>
+    </p:spTree>
+  </p:cSld>
+  <p:clrMapOvr>
+    <a:masterClrMapping/>
+  </p:clrMapOvr>
+</p:sld>
+</file>
+
+<file path=ppt/slides/slide27.xml><?xml version="1.0" encoding="utf-8"?>
+<p:sld xmlns:a="http://schemas.openxmlformats.org/drawingml/2006/main" xmlns:r="http://schemas.openxmlformats.org/officeDocument/2006/relationships" xmlns:mc="http://schemas.openxmlformats.org/markup-compatibility/2006" xmlns:mv="urn:schemas-microsoft-com:mac:vml" xmlns:p="http://schemas.openxmlformats.org/presentationml/2006/main" xmlns:c="http://schemas.openxmlformats.org/drawingml/2006/chart" xmlns:dgm="http://schemas.openxmlformats.org/drawingml/2006/diagram" xmlns:o="urn:schemas-microsoft-com:office:office" xmlns:v="urn:schemas-microsoft-com:vml" xmlns:pvml="urn:schemas-microsoft-com:office:powerpoint" xmlns:com="http://schemas.openxmlformats.org/drawingml/2006/compatibility" xmlns:p14="http://schemas.microsoft.com/office/powerpoint/2010/main" xmlns:p15="http://schemas.microsoft.com/office/powerpoint/2012/main">
+  <p:cSld>
+    <p:spTree>
+      <p:nvGrpSpPr>
+        <p:cNvPr id="280" name="Shape 280"/>
+        <p:cNvGrpSpPr/>
+        <p:nvPr/>
+      </p:nvGrpSpPr>
+      <p:grpSpPr>
+        <a:xfrm>
+          <a:off x="0" y="0"/>
+          <a:ext cx="0" cy="0"/>
+          <a:chOff x="0" y="0"/>
+          <a:chExt cx="0" cy="0"/>
+        </a:xfrm>
+      </p:grpSpPr>
+      <p:sp>
+        <p:nvSpPr>
+          <p:cNvPr id="281" name="Shape 281"/>
+          <p:cNvSpPr txBox="1"/>
+          <p:nvPr>
+            <p:ph type="title"/>
+          </p:nvPr>
+        </p:nvSpPr>
+        <p:spPr>
+          <a:xfrm>
+            <a:off x="311700" y="445025"/>
+            <a:ext cx="8520600" cy="572700"/>
+          </a:xfrm>
+          <a:prstGeom prst="rect">
+            <a:avLst/>
+          </a:prstGeom>
+        </p:spPr>
+        <p:txBody>
+          <a:bodyPr anchorCtr="0" anchor="t" bIns="91425" lIns="91425" spcFirstLastPara="1" rIns="91425" wrap="square" tIns="91425">
+            <a:noAutofit/>
+          </a:bodyPr>
+          <a:lstStyle/>
+          <a:p>
+            <a:pPr indent="0" lvl="0" marL="0" rtl="0">
+              <a:spcBef>
+                <a:spcPts val="0"/>
+              </a:spcBef>
+              <a:spcAft>
+                <a:spcPts val="0"/>
+              </a:spcAft>
+              <a:buNone/>
+            </a:pPr>
+            <a:r>
+              <a:rPr lang="en">
+                <a:solidFill>
+                  <a:srgbClr val="222222"/>
+                </a:solidFill>
+                <a:highlight>
+                  <a:srgbClr val="FFFFFF"/>
+                </a:highlight>
+              </a:rPr>
+              <a:t>ReactJS Features</a:t>
+            </a:r>
+            <a:br>
+              <a:rPr lang="en"/>
+            </a:br>
+            <a:endParaRPr/>
+          </a:p>
+        </p:txBody>
+      </p:sp>
+      <p:sp>
+        <p:nvSpPr>
+          <p:cNvPr id="282" name="Shape 282"/>
+          <p:cNvSpPr txBox="1"/>
+          <p:nvPr>
+            <p:ph idx="1" type="body"/>
+          </p:nvPr>
+        </p:nvSpPr>
+        <p:spPr>
+          <a:xfrm>
+            <a:off x="311700" y="941100"/>
+            <a:ext cx="8520600" cy="3416400"/>
+          </a:xfrm>
+          <a:prstGeom prst="rect">
+            <a:avLst/>
+          </a:prstGeom>
+        </p:spPr>
+        <p:txBody>
+          <a:bodyPr anchorCtr="0" anchor="t" bIns="91425" lIns="91425" spcFirstLastPara="1" rIns="91425" wrap="square" tIns="91425">
+            <a:noAutofit/>
+          </a:bodyPr>
+          <a:lstStyle/>
+          <a:p>
+            <a:pPr indent="0" lvl="0" marL="0">
+              <a:lnSpc>
+                <a:spcPct val="100000"/>
+              </a:lnSpc>
+              <a:spcBef>
+                <a:spcPts val="0"/>
+              </a:spcBef>
+              <a:spcAft>
+                <a:spcPts val="0"/>
+              </a:spcAft>
+              <a:buNone/>
+            </a:pPr>
+            <a:r>
+              <a:rPr b="1" lang="en"/>
+              <a:t>JSX: </a:t>
+            </a:r>
+            <a:endParaRPr b="1"/>
+          </a:p>
+          <a:p>
+            <a:pPr indent="0" lvl="0" marL="0" rtl="0">
+              <a:lnSpc>
+                <a:spcPct val="100000"/>
+              </a:lnSpc>
+              <a:spcBef>
+                <a:spcPts val="0"/>
+              </a:spcBef>
+              <a:spcAft>
+                <a:spcPts val="0"/>
+              </a:spcAft>
+              <a:buNone/>
+            </a:pPr>
+            <a:r>
+              <a:rPr lang="en" sz="1400"/>
+              <a:t>Instead of using regular JavaScript for templating, it uses JSX. JSX is simple JavaScript which allows HTML quoting and uses these HTML tag syntax to render subcomponents</a:t>
+            </a:r>
+            <a:endParaRPr sz="1400"/>
+          </a:p>
+          <a:p>
+            <a:pPr indent="0" lvl="0" marL="0">
+              <a:lnSpc>
+                <a:spcPct val="100000"/>
+              </a:lnSpc>
+              <a:spcBef>
+                <a:spcPts val="0"/>
+              </a:spcBef>
+              <a:spcAft>
+                <a:spcPts val="0"/>
+              </a:spcAft>
+              <a:buNone/>
+            </a:pPr>
+            <a:r>
+              <a:t/>
+            </a:r>
+            <a:endParaRPr sz="1400"/>
+          </a:p>
+          <a:p>
+            <a:pPr indent="0" lvl="0" marL="0">
+              <a:lnSpc>
+                <a:spcPct val="100000"/>
+              </a:lnSpc>
+              <a:spcBef>
+                <a:spcPts val="0"/>
+              </a:spcBef>
+              <a:spcAft>
+                <a:spcPts val="0"/>
+              </a:spcAft>
+              <a:buNone/>
+            </a:pPr>
+            <a:r>
+              <a:rPr b="1" lang="en"/>
+              <a:t>React Native:</a:t>
+            </a:r>
+            <a:r>
+              <a:rPr b="1" lang="en" sz="1400"/>
+              <a:t> </a:t>
+            </a:r>
+            <a:endParaRPr b="1" sz="1400"/>
+          </a:p>
+          <a:p>
+            <a:pPr indent="0" lvl="0" marL="0" rtl="0">
+              <a:lnSpc>
+                <a:spcPct val="100000"/>
+              </a:lnSpc>
+              <a:spcBef>
+                <a:spcPts val="0"/>
+              </a:spcBef>
+              <a:spcAft>
+                <a:spcPts val="0"/>
+              </a:spcAft>
+              <a:buNone/>
+            </a:pPr>
+            <a:r>
+              <a:rPr lang="en" sz="1400"/>
+              <a:t>Provides the react architecture to native applications like IOS, Android and UPD</a:t>
+            </a:r>
+            <a:endParaRPr sz="1400"/>
+          </a:p>
+          <a:p>
+            <a:pPr indent="0" lvl="0" marL="0" rtl="0">
+              <a:lnSpc>
+                <a:spcPct val="100000"/>
+              </a:lnSpc>
+              <a:spcBef>
+                <a:spcPts val="0"/>
+              </a:spcBef>
+              <a:spcAft>
+                <a:spcPts val="0"/>
+              </a:spcAft>
+              <a:buNone/>
+            </a:pPr>
+            <a:r>
+              <a:t/>
+            </a:r>
+            <a:endParaRPr sz="1400"/>
+          </a:p>
+          <a:p>
+            <a:pPr indent="0" lvl="0" marL="0" rtl="0">
+              <a:lnSpc>
+                <a:spcPct val="100000"/>
+              </a:lnSpc>
+              <a:spcBef>
+                <a:spcPts val="0"/>
+              </a:spcBef>
+              <a:spcAft>
+                <a:spcPts val="0"/>
+              </a:spcAft>
+              <a:buNone/>
+            </a:pPr>
+            <a:r>
+              <a:rPr b="1" lang="en"/>
+              <a:t>Single-Way data flow:</a:t>
+            </a:r>
+            <a:endParaRPr b="1"/>
+          </a:p>
+          <a:p>
+            <a:pPr indent="0" lvl="0" marL="0" rtl="0">
+              <a:lnSpc>
+                <a:spcPct val="100000"/>
+              </a:lnSpc>
+              <a:spcBef>
+                <a:spcPts val="0"/>
+              </a:spcBef>
+              <a:spcAft>
+                <a:spcPts val="0"/>
+              </a:spcAft>
+              <a:buNone/>
+            </a:pPr>
+            <a:r>
+              <a:rPr lang="en" sz="1400"/>
+              <a:t>A set of immutable values are passed to the components renderer as properties in its HTML tags.</a:t>
+            </a:r>
+            <a:endParaRPr sz="1400"/>
+          </a:p>
+          <a:p>
+            <a:pPr indent="0" lvl="0" marL="0" rtl="0">
+              <a:lnSpc>
+                <a:spcPct val="100000"/>
+              </a:lnSpc>
+              <a:spcBef>
+                <a:spcPts val="0"/>
+              </a:spcBef>
+              <a:spcAft>
+                <a:spcPts val="0"/>
+              </a:spcAft>
+              <a:buNone/>
+            </a:pPr>
+            <a:r>
+              <a:t/>
+            </a:r>
+            <a:endParaRPr sz="1400"/>
+          </a:p>
+          <a:p>
+            <a:pPr indent="0" lvl="0" marL="0" rtl="0">
+              <a:lnSpc>
+                <a:spcPct val="100000"/>
+              </a:lnSpc>
+              <a:spcBef>
+                <a:spcPts val="0"/>
+              </a:spcBef>
+              <a:spcAft>
+                <a:spcPts val="0"/>
+              </a:spcAft>
+              <a:buNone/>
+            </a:pPr>
+            <a:r>
+              <a:rPr b="1" lang="en"/>
+              <a:t>Virtual Document Object Model:</a:t>
+            </a:r>
+            <a:endParaRPr b="1"/>
+          </a:p>
+          <a:p>
+            <a:pPr indent="0" lvl="0" marL="0" rtl="0">
+              <a:lnSpc>
+                <a:spcPct val="100000"/>
+              </a:lnSpc>
+              <a:spcBef>
+                <a:spcPts val="0"/>
+              </a:spcBef>
+              <a:spcAft>
+                <a:spcPts val="0"/>
+              </a:spcAft>
+              <a:buNone/>
+            </a:pPr>
+            <a:r>
+              <a:rPr lang="en" sz="1400"/>
+              <a:t>React creates an in-memory data structure cache which computes the changes made and then updates the browser.</a:t>
+            </a:r>
+            <a:endParaRPr sz="1400"/>
+          </a:p>
+        </p:txBody>
+      </p:sp>
+      <p:sp>
+        <p:nvSpPr>
+          <p:cNvPr id="283" name="Shape 283"/>
+          <p:cNvSpPr/>
+          <p:nvPr/>
+        </p:nvSpPr>
+        <p:spPr>
+          <a:xfrm>
+            <a:off x="0" y="0"/>
+            <a:ext cx="9144000" cy="100800"/>
+          </a:xfrm>
+          <a:prstGeom prst="rect">
+            <a:avLst/>
+          </a:prstGeom>
+          <a:solidFill>
+            <a:srgbClr val="2BABEE"/>
+          </a:solidFill>
+          <a:ln cap="flat" cmpd="sng" w="9525">
+            <a:solidFill>
+              <a:srgbClr val="EFEFEF"/>
+            </a:solidFill>
+            <a:prstDash val="solid"/>
+            <a:round/>
+            <a:headEnd len="sm" w="sm" type="none"/>
+            <a:tailEnd len="sm" w="sm" type="none"/>
+          </a:ln>
+        </p:spPr>
+        <p:txBody>
+          <a:bodyPr anchorCtr="0" anchor="ctr" bIns="91425" lIns="91425" spcFirstLastPara="1" rIns="91425" wrap="square" tIns="91425">
+            <a:noAutofit/>
+          </a:bodyPr>
+          <a:lstStyle/>
+          <a:p>
+            <a:pPr indent="0" lvl="0" marL="0">
+              <a:spcBef>
+                <a:spcPts val="0"/>
+              </a:spcBef>
+              <a:spcAft>
+                <a:spcPts val="0"/>
+              </a:spcAft>
+              <a:buNone/>
+            </a:pPr>
+            <a:r>
+              <a:t/>
+            </a:r>
+            <a:endParaRPr/>
+          </a:p>
+        </p:txBody>
+      </p:sp>
+      <p:pic>
+        <p:nvPicPr>
+          <p:cNvPr id="284" name="Shape 284"/>
+          <p:cNvPicPr preferRelativeResize="0"/>
+          <p:nvPr/>
+        </p:nvPicPr>
+        <p:blipFill>
+          <a:blip r:embed="rId3">
+            <a:alphaModFix/>
+          </a:blip>
+          <a:stretch>
+            <a:fillRect/>
+          </a:stretch>
+        </p:blipFill>
+        <p:spPr>
+          <a:xfrm>
+            <a:off x="110150" y="253075"/>
+            <a:ext cx="971400" cy="339225"/>
+          </a:xfrm>
+          <a:prstGeom prst="rect">
+            <a:avLst/>
+          </a:prstGeom>
+          <a:noFill/>
+          <a:ln>
+            <a:noFill/>
+          </a:ln>
+        </p:spPr>
+      </p:pic>
+      <p:sp>
+        <p:nvSpPr>
+          <p:cNvPr id="285" name="Shape 285"/>
+          <p:cNvSpPr/>
+          <p:nvPr/>
+        </p:nvSpPr>
+        <p:spPr>
+          <a:xfrm>
+            <a:off x="0" y="4893625"/>
+            <a:ext cx="9144000" cy="249900"/>
+          </a:xfrm>
+          <a:prstGeom prst="rect">
+            <a:avLst/>
+          </a:prstGeom>
+          <a:solidFill>
+            <a:srgbClr val="2BABEE"/>
+          </a:solidFill>
+          <a:ln cap="flat" cmpd="sng" w="9525">
+            <a:solidFill>
+              <a:srgbClr val="EFEFEF"/>
+            </a:solidFill>
+            <a:prstDash val="solid"/>
+            <a:round/>
+            <a:headEnd len="sm" w="sm" type="none"/>
+            <a:tailEnd len="sm" w="sm" type="none"/>
+          </a:ln>
+        </p:spPr>
+        <p:txBody>
+          <a:bodyPr anchorCtr="0" anchor="ctr" bIns="91425" lIns="91425" spcFirstLastPara="1" rIns="91425" wrap="square" tIns="91425">
+            <a:noAutofit/>
+          </a:bodyPr>
+          <a:lstStyle/>
+          <a:p>
+            <a:pPr indent="0" lvl="0" marL="0">
+              <a:spcBef>
+                <a:spcPts val="0"/>
+              </a:spcBef>
+              <a:spcAft>
+                <a:spcPts val="0"/>
+              </a:spcAft>
+              <a:buNone/>
+            </a:pPr>
+            <a:r>
+              <a:t/>
+            </a:r>
+            <a:endParaRPr/>
+          </a:p>
+        </p:txBody>
+      </p:sp>
+    </p:spTree>
+  </p:cSld>
+  <p:clrMapOvr>
+    <a:masterClrMapping/>
+  </p:clrMapOvr>
+</p:sld>
+</file>
+
+<file path=ppt/slides/slide28.xml><?xml version="1.0" encoding="utf-8"?>
+<p:sld xmlns:a="http://schemas.openxmlformats.org/drawingml/2006/main" xmlns:r="http://schemas.openxmlformats.org/officeDocument/2006/relationships" xmlns:mc="http://schemas.openxmlformats.org/markup-compatibility/2006" xmlns:mv="urn:schemas-microsoft-com:mac:vml" xmlns:p="http://schemas.openxmlformats.org/presentationml/2006/main" xmlns:c="http://schemas.openxmlformats.org/drawingml/2006/chart" xmlns:dgm="http://schemas.openxmlformats.org/drawingml/2006/diagram" xmlns:o="urn:schemas-microsoft-com:office:office" xmlns:v="urn:schemas-microsoft-com:vml" xmlns:pvml="urn:schemas-microsoft-com:office:powerpoint" xmlns:com="http://schemas.openxmlformats.org/drawingml/2006/compatibility" xmlns:p14="http://schemas.microsoft.com/office/powerpoint/2010/main" xmlns:p15="http://schemas.microsoft.com/office/powerpoint/2012/main">
+  <p:cSld>
+    <p:spTree>
+      <p:nvGrpSpPr>
+        <p:cNvPr id="289" name="Shape 289"/>
+        <p:cNvGrpSpPr/>
+        <p:nvPr/>
+      </p:nvGrpSpPr>
+      <p:grpSpPr>
+        <a:xfrm>
+          <a:off x="0" y="0"/>
+          <a:ext cx="0" cy="0"/>
+          <a:chOff x="0" y="0"/>
+          <a:chExt cx="0" cy="0"/>
+        </a:xfrm>
+      </p:grpSpPr>
+      <p:sp>
+        <p:nvSpPr>
+          <p:cNvPr id="290" name="Shape 290"/>
+          <p:cNvSpPr txBox="1"/>
+          <p:nvPr>
+            <p:ph type="title"/>
+          </p:nvPr>
+        </p:nvSpPr>
+        <p:spPr>
+          <a:xfrm>
+            <a:off x="311700" y="445025"/>
+            <a:ext cx="8520600" cy="572700"/>
+          </a:xfrm>
+          <a:prstGeom prst="rect">
+            <a:avLst/>
+          </a:prstGeom>
+        </p:spPr>
+        <p:txBody>
+          <a:bodyPr anchorCtr="0" anchor="t" bIns="91425" lIns="91425" spcFirstLastPara="1" rIns="91425" wrap="square" tIns="91425">
+            <a:noAutofit/>
+          </a:bodyPr>
+          <a:lstStyle/>
+          <a:p>
+            <a:pPr indent="0" lvl="0" marL="0" rtl="0">
+              <a:spcBef>
+                <a:spcPts val="0"/>
+              </a:spcBef>
+              <a:spcAft>
+                <a:spcPts val="0"/>
+              </a:spcAft>
+              <a:buNone/>
+            </a:pPr>
+            <a:r>
+              <a:rPr lang="en">
+                <a:solidFill>
+                  <a:srgbClr val="222222"/>
+                </a:solidFill>
+                <a:highlight>
+                  <a:srgbClr val="FFFFFF"/>
+                </a:highlight>
+              </a:rPr>
+              <a:t>Why React Js?</a:t>
+            </a:r>
+            <a:br>
+              <a:rPr lang="en"/>
+            </a:br>
+            <a:endParaRPr/>
+          </a:p>
+        </p:txBody>
+      </p:sp>
+      <p:sp>
+        <p:nvSpPr>
+          <p:cNvPr id="291" name="Shape 291"/>
+          <p:cNvSpPr txBox="1"/>
+          <p:nvPr>
+            <p:ph idx="1" type="body"/>
+          </p:nvPr>
+        </p:nvSpPr>
+        <p:spPr>
+          <a:xfrm>
+            <a:off x="311700" y="941100"/>
+            <a:ext cx="8520600" cy="3416400"/>
+          </a:xfrm>
+          <a:prstGeom prst="rect">
+            <a:avLst/>
+          </a:prstGeom>
+        </p:spPr>
+        <p:txBody>
+          <a:bodyPr anchorCtr="0" anchor="t" bIns="91425" lIns="91425" spcFirstLastPara="1" rIns="91425" wrap="square" tIns="91425">
+            <a:noAutofit/>
+          </a:bodyPr>
+          <a:lstStyle/>
+          <a:p>
+            <a:pPr indent="0" lvl="0" marL="0" rtl="0">
+              <a:spcBef>
+                <a:spcPts val="0"/>
+              </a:spcBef>
+              <a:spcAft>
+                <a:spcPts val="0"/>
+              </a:spcAft>
+              <a:buNone/>
+            </a:pPr>
+            <a:r>
+              <a:rPr lang="en"/>
+              <a:t># </a:t>
+            </a:r>
+            <a:r>
+              <a:rPr lang="en"/>
+              <a:t>Because of Simplicity, Easy to learn, One way data binding and Performance</a:t>
+            </a:r>
+            <a:endParaRPr/>
+          </a:p>
+          <a:p>
+            <a:pPr indent="0" lvl="0" marL="0" rtl="0">
+              <a:spcBef>
+                <a:spcPts val="1600"/>
+              </a:spcBef>
+              <a:spcAft>
+                <a:spcPts val="0"/>
+              </a:spcAft>
+              <a:buNone/>
+            </a:pPr>
+            <a:r>
+              <a:rPr lang="en"/>
+              <a:t># One thing that really attracts me “It’s a Javascript”</a:t>
+            </a:r>
+            <a:endParaRPr/>
+          </a:p>
+          <a:p>
+            <a:pPr indent="0" lvl="0" marL="0" rtl="0">
+              <a:spcBef>
+                <a:spcPts val="1600"/>
+              </a:spcBef>
+              <a:spcAft>
+                <a:spcPts val="0"/>
+              </a:spcAft>
+              <a:buNone/>
+            </a:pPr>
+            <a:r>
+              <a:rPr lang="en"/>
+              <a:t># It’s trending(</a:t>
+            </a:r>
+            <a:r>
+              <a:rPr lang="en" sz="1400"/>
+              <a:t>Google trends</a:t>
+            </a:r>
+            <a:r>
+              <a:rPr lang="en"/>
+              <a:t>)</a:t>
+            </a:r>
+            <a:endParaRPr/>
+          </a:p>
+          <a:p>
+            <a:pPr indent="0" lvl="0" marL="0" rtl="0">
+              <a:spcBef>
+                <a:spcPts val="1600"/>
+              </a:spcBef>
+              <a:spcAft>
+                <a:spcPts val="0"/>
+              </a:spcAft>
+              <a:buNone/>
+            </a:pPr>
+            <a:r>
+              <a:t/>
+            </a:r>
+            <a:endParaRPr/>
+          </a:p>
+          <a:p>
+            <a:pPr indent="0" lvl="0" marL="0" rtl="0">
+              <a:lnSpc>
+                <a:spcPct val="100000"/>
+              </a:lnSpc>
+              <a:spcBef>
+                <a:spcPts val="1600"/>
+              </a:spcBef>
+              <a:spcAft>
+                <a:spcPts val="0"/>
+              </a:spcAft>
+              <a:buNone/>
+            </a:pPr>
+            <a:r>
+              <a:t/>
+            </a:r>
+            <a:endParaRPr sz="1400"/>
+          </a:p>
+          <a:p>
+            <a:pPr indent="0" lvl="0" marL="0" rtl="0">
+              <a:lnSpc>
+                <a:spcPct val="100000"/>
+              </a:lnSpc>
+              <a:spcBef>
+                <a:spcPts val="0"/>
+              </a:spcBef>
+              <a:spcAft>
+                <a:spcPts val="0"/>
+              </a:spcAft>
+              <a:buNone/>
+            </a:pPr>
+            <a:r>
+              <a:t/>
+            </a:r>
+            <a:endParaRPr sz="1400"/>
+          </a:p>
+        </p:txBody>
+      </p:sp>
+      <p:sp>
+        <p:nvSpPr>
+          <p:cNvPr id="292" name="Shape 292"/>
+          <p:cNvSpPr/>
+          <p:nvPr/>
+        </p:nvSpPr>
+        <p:spPr>
+          <a:xfrm>
+            <a:off x="0" y="0"/>
+            <a:ext cx="9144000" cy="100800"/>
+          </a:xfrm>
+          <a:prstGeom prst="rect">
+            <a:avLst/>
+          </a:prstGeom>
+          <a:solidFill>
+            <a:srgbClr val="2BABEE"/>
+          </a:solidFill>
+          <a:ln cap="flat" cmpd="sng" w="9525">
+            <a:solidFill>
+              <a:srgbClr val="EFEFEF"/>
+            </a:solidFill>
+            <a:prstDash val="solid"/>
+            <a:round/>
+            <a:headEnd len="sm" w="sm" type="none"/>
+            <a:tailEnd len="sm" w="sm" type="none"/>
+          </a:ln>
+        </p:spPr>
+        <p:txBody>
+          <a:bodyPr anchorCtr="0" anchor="ctr" bIns="91425" lIns="91425" spcFirstLastPara="1" rIns="91425" wrap="square" tIns="91425">
+            <a:noAutofit/>
+          </a:bodyPr>
+          <a:lstStyle/>
+          <a:p>
+            <a:pPr indent="0" lvl="0" marL="0">
+              <a:spcBef>
+                <a:spcPts val="0"/>
+              </a:spcBef>
+              <a:spcAft>
+                <a:spcPts val="0"/>
+              </a:spcAft>
+              <a:buNone/>
+            </a:pPr>
+            <a:r>
+              <a:t/>
+            </a:r>
+            <a:endParaRPr/>
+          </a:p>
+        </p:txBody>
+      </p:sp>
+      <p:pic>
+        <p:nvPicPr>
+          <p:cNvPr id="293" name="Shape 293"/>
+          <p:cNvPicPr preferRelativeResize="0"/>
+          <p:nvPr/>
+        </p:nvPicPr>
+        <p:blipFill>
+          <a:blip r:embed="rId3">
+            <a:alphaModFix/>
+          </a:blip>
+          <a:stretch>
+            <a:fillRect/>
+          </a:stretch>
+        </p:blipFill>
+        <p:spPr>
+          <a:xfrm>
+            <a:off x="110150" y="253075"/>
+            <a:ext cx="971400" cy="339225"/>
+          </a:xfrm>
+          <a:prstGeom prst="rect">
+            <a:avLst/>
+          </a:prstGeom>
+          <a:noFill/>
+          <a:ln>
+            <a:noFill/>
+          </a:ln>
+        </p:spPr>
+      </p:pic>
+      <p:sp>
+        <p:nvSpPr>
+          <p:cNvPr id="294" name="Shape 294"/>
+          <p:cNvSpPr/>
+          <p:nvPr/>
+        </p:nvSpPr>
+        <p:spPr>
+          <a:xfrm>
+            <a:off x="0" y="4893625"/>
+            <a:ext cx="9144000" cy="249900"/>
+          </a:xfrm>
+          <a:prstGeom prst="rect">
+            <a:avLst/>
+          </a:prstGeom>
+          <a:solidFill>
+            <a:srgbClr val="2BABEE"/>
+          </a:solidFill>
+          <a:ln cap="flat" cmpd="sng" w="9525">
+            <a:solidFill>
+              <a:srgbClr val="EFEFEF"/>
+            </a:solidFill>
+            <a:prstDash val="solid"/>
+            <a:round/>
+            <a:headEnd len="sm" w="sm" type="none"/>
+            <a:tailEnd len="sm" w="sm" type="none"/>
+          </a:ln>
+        </p:spPr>
+        <p:txBody>
+          <a:bodyPr anchorCtr="0" anchor="ctr" bIns="91425" lIns="91425" spcFirstLastPara="1" rIns="91425" wrap="square" tIns="91425">
+            <a:noAutofit/>
+          </a:bodyPr>
+          <a:lstStyle/>
+          <a:p>
+            <a:pPr indent="0" lvl="0" marL="0">
+              <a:spcBef>
+                <a:spcPts val="0"/>
+              </a:spcBef>
+              <a:spcAft>
+                <a:spcPts val="0"/>
+              </a:spcAft>
+              <a:buNone/>
+            </a:pPr>
+            <a:r>
+              <a:t/>
+            </a:r>
+            <a:endParaRPr/>
+          </a:p>
+        </p:txBody>
+      </p:sp>
+      <p:pic>
+        <p:nvPicPr>
+          <p:cNvPr id="295" name="Shape 295"/>
+          <p:cNvPicPr preferRelativeResize="0"/>
+          <p:nvPr/>
+        </p:nvPicPr>
+        <p:blipFill>
+          <a:blip r:embed="rId4">
+            <a:alphaModFix/>
+          </a:blip>
+          <a:stretch>
+            <a:fillRect/>
+          </a:stretch>
+        </p:blipFill>
+        <p:spPr>
+          <a:xfrm>
+            <a:off x="1081550" y="2386225"/>
+            <a:ext cx="6842750" cy="2141774"/>
+          </a:xfrm>
+          <a:prstGeom prst="rect">
+            <a:avLst/>
+          </a:prstGeom>
+          <a:noFill/>
+          <a:ln>
+            <a:noFill/>
+          </a:ln>
+        </p:spPr>
+      </p:pic>
+    </p:spTree>
+  </p:cSld>
+  <p:clrMapOvr>
+    <a:masterClrMapping/>
+  </p:clrMapOvr>
+</p:sld>
+</file>
+
+<file path=ppt/slides/slide29.xml><?xml version="1.0" encoding="utf-8"?>
+<p:sld xmlns:a="http://schemas.openxmlformats.org/drawingml/2006/main" xmlns:r="http://schemas.openxmlformats.org/officeDocument/2006/relationships" xmlns:mc="http://schemas.openxmlformats.org/markup-compatibility/2006" xmlns:mv="urn:schemas-microsoft-com:mac:vml" xmlns:p="http://schemas.openxmlformats.org/presentationml/2006/main" xmlns:c="http://schemas.openxmlformats.org/drawingml/2006/chart" xmlns:dgm="http://schemas.openxmlformats.org/drawingml/2006/diagram" xmlns:o="urn:schemas-microsoft-com:office:office" xmlns:v="urn:schemas-microsoft-com:vml" xmlns:pvml="urn:schemas-microsoft-com:office:powerpoint" xmlns:com="http://schemas.openxmlformats.org/drawingml/2006/compatibility" xmlns:p14="http://schemas.microsoft.com/office/powerpoint/2010/main" xmlns:p15="http://schemas.microsoft.com/office/powerpoint/2012/main">
+  <p:cSld>
+    <p:spTree>
+      <p:nvGrpSpPr>
+        <p:cNvPr id="299" name="Shape 299"/>
+        <p:cNvGrpSpPr/>
+        <p:nvPr/>
+      </p:nvGrpSpPr>
+      <p:grpSpPr>
+        <a:xfrm>
+          <a:off x="0" y="0"/>
+          <a:ext cx="0" cy="0"/>
+          <a:chOff x="0" y="0"/>
+          <a:chExt cx="0" cy="0"/>
+        </a:xfrm>
+      </p:grpSpPr>
+      <p:sp>
+        <p:nvSpPr>
+          <p:cNvPr id="300" name="Shape 300"/>
+          <p:cNvSpPr txBox="1"/>
+          <p:nvPr>
+            <p:ph type="title"/>
+          </p:nvPr>
+        </p:nvSpPr>
+        <p:spPr>
+          <a:xfrm>
+            <a:off x="311700" y="445025"/>
+            <a:ext cx="8520600" cy="572700"/>
+          </a:xfrm>
+          <a:prstGeom prst="rect">
+            <a:avLst/>
+          </a:prstGeom>
+        </p:spPr>
+        <p:txBody>
+          <a:bodyPr anchorCtr="0" anchor="t" bIns="91425" lIns="91425" spcFirstLastPara="1" rIns="91425" wrap="square" tIns="91425">
+            <a:noAutofit/>
+          </a:bodyPr>
+          <a:lstStyle/>
+          <a:p>
+            <a:pPr indent="0" lvl="0" marL="0" rtl="0">
+              <a:spcBef>
+                <a:spcPts val="0"/>
+              </a:spcBef>
+              <a:spcAft>
+                <a:spcPts val="0"/>
+              </a:spcAft>
+              <a:buNone/>
+            </a:pPr>
+            <a:r>
+              <a:rPr lang="en">
+                <a:solidFill>
+                  <a:srgbClr val="222222"/>
+                </a:solidFill>
+                <a:highlight>
+                  <a:srgbClr val="FFFFFF"/>
+                </a:highlight>
+              </a:rPr>
+              <a:t>Why React Js?</a:t>
+            </a:r>
+            <a:br>
+              <a:rPr lang="en"/>
+            </a:br>
+            <a:endParaRPr/>
+          </a:p>
+        </p:txBody>
+      </p:sp>
+      <p:sp>
+        <p:nvSpPr>
+          <p:cNvPr id="301" name="Shape 301"/>
+          <p:cNvSpPr txBox="1"/>
+          <p:nvPr>
+            <p:ph idx="1" type="body"/>
+          </p:nvPr>
+        </p:nvSpPr>
+        <p:spPr>
+          <a:xfrm>
+            <a:off x="311700" y="941100"/>
+            <a:ext cx="8520600" cy="3416400"/>
+          </a:xfrm>
+          <a:prstGeom prst="rect">
+            <a:avLst/>
+          </a:prstGeom>
+        </p:spPr>
+        <p:txBody>
+          <a:bodyPr anchorCtr="0" anchor="t" bIns="91425" lIns="91425" spcFirstLastPara="1" rIns="91425" wrap="square" tIns="91425">
+            <a:noAutofit/>
+          </a:bodyPr>
+          <a:lstStyle/>
+          <a:p>
+            <a:pPr indent="0" lvl="0" marL="0" rtl="0">
+              <a:spcBef>
+                <a:spcPts val="0"/>
+              </a:spcBef>
+              <a:spcAft>
+                <a:spcPts val="0"/>
+              </a:spcAft>
+              <a:buNone/>
+            </a:pPr>
+            <a:r>
+              <a:t/>
+            </a:r>
+            <a:endParaRPr/>
+          </a:p>
+          <a:p>
+            <a:pPr indent="0" lvl="0" marL="0" rtl="0">
+              <a:lnSpc>
+                <a:spcPct val="100000"/>
+              </a:lnSpc>
+              <a:spcBef>
+                <a:spcPts val="1600"/>
+              </a:spcBef>
+              <a:spcAft>
+                <a:spcPts val="0"/>
+              </a:spcAft>
+              <a:buNone/>
+            </a:pPr>
+            <a:r>
+              <a:t/>
+            </a:r>
+            <a:endParaRPr sz="1400"/>
+          </a:p>
+          <a:p>
+            <a:pPr indent="0" lvl="0" marL="0" rtl="0">
+              <a:lnSpc>
+                <a:spcPct val="100000"/>
+              </a:lnSpc>
+              <a:spcBef>
+                <a:spcPts val="0"/>
+              </a:spcBef>
+              <a:spcAft>
+                <a:spcPts val="0"/>
+              </a:spcAft>
+              <a:buNone/>
+            </a:pPr>
+            <a:r>
+              <a:t/>
+            </a:r>
+            <a:endParaRPr sz="1400"/>
+          </a:p>
+        </p:txBody>
+      </p:sp>
+      <p:sp>
+        <p:nvSpPr>
+          <p:cNvPr id="302" name="Shape 302"/>
+          <p:cNvSpPr/>
+          <p:nvPr/>
+        </p:nvSpPr>
+        <p:spPr>
+          <a:xfrm>
+            <a:off x="0" y="0"/>
+            <a:ext cx="9144000" cy="100800"/>
+          </a:xfrm>
+          <a:prstGeom prst="rect">
+            <a:avLst/>
+          </a:prstGeom>
+          <a:solidFill>
+            <a:srgbClr val="2BABEE"/>
+          </a:solidFill>
+          <a:ln cap="flat" cmpd="sng" w="9525">
+            <a:solidFill>
+              <a:srgbClr val="EFEFEF"/>
+            </a:solidFill>
+            <a:prstDash val="solid"/>
+            <a:round/>
+            <a:headEnd len="sm" w="sm" type="none"/>
+            <a:tailEnd len="sm" w="sm" type="none"/>
+          </a:ln>
+        </p:spPr>
+        <p:txBody>
+          <a:bodyPr anchorCtr="0" anchor="ctr" bIns="91425" lIns="91425" spcFirstLastPara="1" rIns="91425" wrap="square" tIns="91425">
+            <a:noAutofit/>
+          </a:bodyPr>
+          <a:lstStyle/>
+          <a:p>
+            <a:pPr indent="0" lvl="0" marL="0">
+              <a:spcBef>
+                <a:spcPts val="0"/>
+              </a:spcBef>
+              <a:spcAft>
+                <a:spcPts val="0"/>
+              </a:spcAft>
+              <a:buNone/>
+            </a:pPr>
+            <a:r>
+              <a:t/>
+            </a:r>
+            <a:endParaRPr/>
+          </a:p>
+        </p:txBody>
+      </p:sp>
+      <p:pic>
+        <p:nvPicPr>
+          <p:cNvPr id="303" name="Shape 303"/>
+          <p:cNvPicPr preferRelativeResize="0"/>
+          <p:nvPr/>
+        </p:nvPicPr>
+        <p:blipFill>
+          <a:blip r:embed="rId3">
+            <a:alphaModFix/>
+          </a:blip>
+          <a:stretch>
+            <a:fillRect/>
+          </a:stretch>
+        </p:blipFill>
+        <p:spPr>
+          <a:xfrm>
+            <a:off x="110150" y="253075"/>
+            <a:ext cx="971400" cy="339225"/>
+          </a:xfrm>
+          <a:prstGeom prst="rect">
+            <a:avLst/>
+          </a:prstGeom>
+          <a:noFill/>
+          <a:ln>
+            <a:noFill/>
+          </a:ln>
+        </p:spPr>
+      </p:pic>
+      <p:sp>
+        <p:nvSpPr>
+          <p:cNvPr id="304" name="Shape 304"/>
+          <p:cNvSpPr/>
+          <p:nvPr/>
+        </p:nvSpPr>
+        <p:spPr>
+          <a:xfrm>
+            <a:off x="0" y="4893625"/>
+            <a:ext cx="9144000" cy="249900"/>
+          </a:xfrm>
+          <a:prstGeom prst="rect">
+            <a:avLst/>
+          </a:prstGeom>
+          <a:solidFill>
+            <a:srgbClr val="2BABEE"/>
+          </a:solidFill>
+          <a:ln cap="flat" cmpd="sng" w="9525">
+            <a:solidFill>
+              <a:srgbClr val="EFEFEF"/>
+            </a:solidFill>
+            <a:prstDash val="solid"/>
+            <a:round/>
+            <a:headEnd len="sm" w="sm" type="none"/>
+            <a:tailEnd len="sm" w="sm" type="none"/>
+          </a:ln>
+        </p:spPr>
+        <p:txBody>
+          <a:bodyPr anchorCtr="0" anchor="ctr" bIns="91425" lIns="91425" spcFirstLastPara="1" rIns="91425" wrap="square" tIns="91425">
+            <a:noAutofit/>
+          </a:bodyPr>
+          <a:lstStyle/>
+          <a:p>
+            <a:pPr indent="0" lvl="0" marL="0">
+              <a:spcBef>
+                <a:spcPts val="0"/>
+              </a:spcBef>
+              <a:spcAft>
+                <a:spcPts val="0"/>
+              </a:spcAft>
+              <a:buNone/>
+            </a:pPr>
+            <a:r>
+              <a:t/>
+            </a:r>
+            <a:endParaRPr/>
+          </a:p>
+        </p:txBody>
+      </p:sp>
+      <p:pic>
+        <p:nvPicPr>
+          <p:cNvPr id="305" name="Shape 305"/>
+          <p:cNvPicPr preferRelativeResize="0"/>
+          <p:nvPr/>
+        </p:nvPicPr>
+        <p:blipFill>
+          <a:blip r:embed="rId4">
+            <a:alphaModFix/>
+          </a:blip>
+          <a:stretch>
+            <a:fillRect/>
+          </a:stretch>
+        </p:blipFill>
+        <p:spPr>
+          <a:xfrm>
+            <a:off x="1673201" y="1017725"/>
+            <a:ext cx="5699780" cy="3416400"/>
+          </a:xfrm>
+          <a:prstGeom prst="rect">
+            <a:avLst/>
+          </a:prstGeom>
+          <a:noFill/>
+          <a:ln>
+            <a:noFill/>
+          </a:ln>
+        </p:spPr>
+      </p:pic>
+      <p:sp>
+        <p:nvSpPr>
+          <p:cNvPr id="306" name="Shape 306"/>
+          <p:cNvSpPr txBox="1"/>
+          <p:nvPr/>
+        </p:nvSpPr>
+        <p:spPr>
+          <a:xfrm>
+            <a:off x="2799475" y="4500613"/>
+            <a:ext cx="1921800" cy="249900"/>
+          </a:xfrm>
+          <a:prstGeom prst="rect">
+            <a:avLst/>
+          </a:prstGeom>
+          <a:noFill/>
+          <a:ln>
+            <a:noFill/>
+          </a:ln>
+        </p:spPr>
+        <p:txBody>
+          <a:bodyPr anchorCtr="0" anchor="t" bIns="91425" lIns="91425" spcFirstLastPara="1" rIns="91425" wrap="square" tIns="91425">
+            <a:noAutofit/>
+          </a:bodyPr>
+          <a:lstStyle/>
+          <a:p>
+            <a:pPr indent="0" lvl="0" marL="0">
+              <a:spcBef>
+                <a:spcPts val="0"/>
+              </a:spcBef>
+              <a:spcAft>
+                <a:spcPts val="0"/>
+              </a:spcAft>
+              <a:buNone/>
+            </a:pPr>
+            <a:r>
+              <a:rPr lang="en">
+                <a:solidFill>
+                  <a:srgbClr val="434343"/>
+                </a:solidFill>
+              </a:rPr>
+              <a:t>(source: Indeed.com)</a:t>
+            </a:r>
+            <a:endParaRPr>
+              <a:solidFill>
+                <a:srgbClr val="434343"/>
+              </a:solidFill>
+            </a:endParaRPr>
+          </a:p>
+        </p:txBody>
+      </p:sp>
+    </p:spTree>
+  </p:cSld>
+  <p:clrMapOvr>
+    <a:masterClrMapping/>
+  </p:clrMapOvr>
+</p:sld>
+</file>
+
 <file path=ppt/slides/slide3.xml><?xml version="1.0" encoding="utf-8"?>
 <p:sld xmlns:a="http://schemas.openxmlformats.org/drawingml/2006/main" xmlns:r="http://schemas.openxmlformats.org/officeDocument/2006/relationships" xmlns:mc="http://schemas.openxmlformats.org/markup-compatibility/2006" xmlns:mv="urn:schemas-microsoft-com:mac:vml" xmlns:p="http://schemas.openxmlformats.org/presentationml/2006/main" xmlns:c="http://schemas.openxmlformats.org/drawingml/2006/chart" xmlns:dgm="http://schemas.openxmlformats.org/drawingml/2006/diagram" xmlns:o="urn:schemas-microsoft-com:office:office" xmlns:v="urn:schemas-microsoft-com:vml" xmlns:pvml="urn:schemas-microsoft-com:office:powerpoint" xmlns:com="http://schemas.openxmlformats.org/drawingml/2006/compatibility" xmlns:p14="http://schemas.microsoft.com/office/powerpoint/2010/main" xmlns:p15="http://schemas.microsoft.com/office/powerpoint/2012/main">
   <p:cSld>
@@ -9818,6 +14656,442 @@
       <p:sp>
         <p:nvSpPr>
           <p:cNvPr id="75" name="Shape 75"/>
+          <p:cNvSpPr/>
+          <p:nvPr/>
+        </p:nvSpPr>
+        <p:spPr>
+          <a:xfrm>
+            <a:off x="0" y="4893625"/>
+            <a:ext cx="9144000" cy="249900"/>
+          </a:xfrm>
+          <a:prstGeom prst="rect">
+            <a:avLst/>
+          </a:prstGeom>
+          <a:solidFill>
+            <a:srgbClr val="2BABEE"/>
+          </a:solidFill>
+          <a:ln cap="flat" cmpd="sng" w="9525">
+            <a:solidFill>
+              <a:srgbClr val="EFEFEF"/>
+            </a:solidFill>
+            <a:prstDash val="solid"/>
+            <a:round/>
+            <a:headEnd len="sm" w="sm" type="none"/>
+            <a:tailEnd len="sm" w="sm" type="none"/>
+          </a:ln>
+        </p:spPr>
+        <p:txBody>
+          <a:bodyPr anchorCtr="0" anchor="ctr" bIns="91425" lIns="91425" spcFirstLastPara="1" rIns="91425" wrap="square" tIns="91425">
+            <a:noAutofit/>
+          </a:bodyPr>
+          <a:lstStyle/>
+          <a:p>
+            <a:pPr indent="0" lvl="0" marL="0">
+              <a:spcBef>
+                <a:spcPts val="0"/>
+              </a:spcBef>
+              <a:spcAft>
+                <a:spcPts val="0"/>
+              </a:spcAft>
+              <a:buNone/>
+            </a:pPr>
+            <a:r>
+              <a:t/>
+            </a:r>
+            <a:endParaRPr/>
+          </a:p>
+        </p:txBody>
+      </p:sp>
+    </p:spTree>
+  </p:cSld>
+  <p:clrMapOvr>
+    <a:masterClrMapping/>
+  </p:clrMapOvr>
+</p:sld>
+</file>
+
+<file path=ppt/slides/slide30.xml><?xml version="1.0" encoding="utf-8"?>
+<p:sld xmlns:a="http://schemas.openxmlformats.org/drawingml/2006/main" xmlns:r="http://schemas.openxmlformats.org/officeDocument/2006/relationships" xmlns:mc="http://schemas.openxmlformats.org/markup-compatibility/2006" xmlns:mv="urn:schemas-microsoft-com:mac:vml" xmlns:p="http://schemas.openxmlformats.org/presentationml/2006/main" xmlns:c="http://schemas.openxmlformats.org/drawingml/2006/chart" xmlns:dgm="http://schemas.openxmlformats.org/drawingml/2006/diagram" xmlns:o="urn:schemas-microsoft-com:office:office" xmlns:v="urn:schemas-microsoft-com:vml" xmlns:pvml="urn:schemas-microsoft-com:office:powerpoint" xmlns:com="http://schemas.openxmlformats.org/drawingml/2006/compatibility" xmlns:p14="http://schemas.microsoft.com/office/powerpoint/2010/main" xmlns:p15="http://schemas.microsoft.com/office/powerpoint/2012/main">
+  <p:cSld>
+    <p:spTree>
+      <p:nvGrpSpPr>
+        <p:cNvPr id="310" name="Shape 310"/>
+        <p:cNvGrpSpPr/>
+        <p:nvPr/>
+      </p:nvGrpSpPr>
+      <p:grpSpPr>
+        <a:xfrm>
+          <a:off x="0" y="0"/>
+          <a:ext cx="0" cy="0"/>
+          <a:chOff x="0" y="0"/>
+          <a:chExt cx="0" cy="0"/>
+        </a:xfrm>
+      </p:grpSpPr>
+      <p:sp>
+        <p:nvSpPr>
+          <p:cNvPr id="311" name="Shape 311"/>
+          <p:cNvSpPr/>
+          <p:nvPr/>
+        </p:nvSpPr>
+        <p:spPr>
+          <a:xfrm>
+            <a:off x="0" y="0"/>
+            <a:ext cx="9144000" cy="100800"/>
+          </a:xfrm>
+          <a:prstGeom prst="rect">
+            <a:avLst/>
+          </a:prstGeom>
+          <a:solidFill>
+            <a:srgbClr val="2BABEE"/>
+          </a:solidFill>
+          <a:ln cap="flat" cmpd="sng" w="9525">
+            <a:solidFill>
+              <a:srgbClr val="EFEFEF"/>
+            </a:solidFill>
+            <a:prstDash val="solid"/>
+            <a:round/>
+            <a:headEnd len="sm" w="sm" type="none"/>
+            <a:tailEnd len="sm" w="sm" type="none"/>
+          </a:ln>
+        </p:spPr>
+        <p:txBody>
+          <a:bodyPr anchorCtr="0" anchor="ctr" bIns="91425" lIns="91425" spcFirstLastPara="1" rIns="91425" wrap="square" tIns="91425">
+            <a:noAutofit/>
+          </a:bodyPr>
+          <a:lstStyle/>
+          <a:p>
+            <a:pPr indent="0" lvl="0" marL="0">
+              <a:spcBef>
+                <a:spcPts val="0"/>
+              </a:spcBef>
+              <a:spcAft>
+                <a:spcPts val="0"/>
+              </a:spcAft>
+              <a:buNone/>
+            </a:pPr>
+            <a:r>
+              <a:t/>
+            </a:r>
+            <a:endParaRPr/>
+          </a:p>
+        </p:txBody>
+      </p:sp>
+      <p:pic>
+        <p:nvPicPr>
+          <p:cNvPr id="312" name="Shape 312"/>
+          <p:cNvPicPr preferRelativeResize="0"/>
+          <p:nvPr/>
+        </p:nvPicPr>
+        <p:blipFill>
+          <a:blip r:embed="rId3">
+            <a:alphaModFix/>
+          </a:blip>
+          <a:stretch>
+            <a:fillRect/>
+          </a:stretch>
+        </p:blipFill>
+        <p:spPr>
+          <a:xfrm>
+            <a:off x="110150" y="253075"/>
+            <a:ext cx="971400" cy="339225"/>
+          </a:xfrm>
+          <a:prstGeom prst="rect">
+            <a:avLst/>
+          </a:prstGeom>
+          <a:noFill/>
+          <a:ln>
+            <a:noFill/>
+          </a:ln>
+        </p:spPr>
+      </p:pic>
+      <p:sp>
+        <p:nvSpPr>
+          <p:cNvPr id="313" name="Shape 313"/>
+          <p:cNvSpPr/>
+          <p:nvPr/>
+        </p:nvSpPr>
+        <p:spPr>
+          <a:xfrm>
+            <a:off x="0" y="4893625"/>
+            <a:ext cx="9144000" cy="249900"/>
+          </a:xfrm>
+          <a:prstGeom prst="rect">
+            <a:avLst/>
+          </a:prstGeom>
+          <a:solidFill>
+            <a:srgbClr val="2BABEE"/>
+          </a:solidFill>
+          <a:ln cap="flat" cmpd="sng" w="9525">
+            <a:solidFill>
+              <a:srgbClr val="EFEFEF"/>
+            </a:solidFill>
+            <a:prstDash val="solid"/>
+            <a:round/>
+            <a:headEnd len="sm" w="sm" type="none"/>
+            <a:tailEnd len="sm" w="sm" type="none"/>
+          </a:ln>
+        </p:spPr>
+        <p:txBody>
+          <a:bodyPr anchorCtr="0" anchor="ctr" bIns="91425" lIns="91425" spcFirstLastPara="1" rIns="91425" wrap="square" tIns="91425">
+            <a:noAutofit/>
+          </a:bodyPr>
+          <a:lstStyle/>
+          <a:p>
+            <a:pPr indent="0" lvl="0" marL="0">
+              <a:spcBef>
+                <a:spcPts val="0"/>
+              </a:spcBef>
+              <a:spcAft>
+                <a:spcPts val="0"/>
+              </a:spcAft>
+              <a:buNone/>
+            </a:pPr>
+            <a:r>
+              <a:t/>
+            </a:r>
+            <a:endParaRPr/>
+          </a:p>
+        </p:txBody>
+      </p:sp>
+      <p:pic>
+        <p:nvPicPr>
+          <p:cNvPr id="314" name="Shape 314"/>
+          <p:cNvPicPr preferRelativeResize="0"/>
+          <p:nvPr/>
+        </p:nvPicPr>
+        <p:blipFill>
+          <a:blip r:embed="rId4">
+            <a:alphaModFix/>
+          </a:blip>
+          <a:stretch>
+            <a:fillRect/>
+          </a:stretch>
+        </p:blipFill>
+        <p:spPr>
+          <a:xfrm>
+            <a:off x="722150" y="628688"/>
+            <a:ext cx="7520775" cy="4228550"/>
+          </a:xfrm>
+          <a:prstGeom prst="rect">
+            <a:avLst/>
+          </a:prstGeom>
+          <a:noFill/>
+          <a:ln>
+            <a:noFill/>
+          </a:ln>
+        </p:spPr>
+      </p:pic>
+    </p:spTree>
+  </p:cSld>
+  <p:clrMapOvr>
+    <a:masterClrMapping/>
+  </p:clrMapOvr>
+</p:sld>
+</file>
+
+<file path=ppt/slides/slide31.xml><?xml version="1.0" encoding="utf-8"?>
+<p:sld xmlns:a="http://schemas.openxmlformats.org/drawingml/2006/main" xmlns:r="http://schemas.openxmlformats.org/officeDocument/2006/relationships" xmlns:mc="http://schemas.openxmlformats.org/markup-compatibility/2006" xmlns:mv="urn:schemas-microsoft-com:mac:vml" xmlns:p="http://schemas.openxmlformats.org/presentationml/2006/main" xmlns:c="http://schemas.openxmlformats.org/drawingml/2006/chart" xmlns:dgm="http://schemas.openxmlformats.org/drawingml/2006/diagram" xmlns:o="urn:schemas-microsoft-com:office:office" xmlns:v="urn:schemas-microsoft-com:vml" xmlns:pvml="urn:schemas-microsoft-com:office:powerpoint" xmlns:com="http://schemas.openxmlformats.org/drawingml/2006/compatibility" xmlns:p14="http://schemas.microsoft.com/office/powerpoint/2010/main" xmlns:p15="http://schemas.microsoft.com/office/powerpoint/2012/main">
+  <p:cSld>
+    <p:spTree>
+      <p:nvGrpSpPr>
+        <p:cNvPr id="318" name="Shape 318"/>
+        <p:cNvGrpSpPr/>
+        <p:nvPr/>
+      </p:nvGrpSpPr>
+      <p:grpSpPr>
+        <a:xfrm>
+          <a:off x="0" y="0"/>
+          <a:ext cx="0" cy="0"/>
+          <a:chOff x="0" y="0"/>
+          <a:chExt cx="0" cy="0"/>
+        </a:xfrm>
+      </p:grpSpPr>
+      <p:sp>
+        <p:nvSpPr>
+          <p:cNvPr id="319" name="Shape 319"/>
+          <p:cNvSpPr txBox="1"/>
+          <p:nvPr>
+            <p:ph type="title"/>
+          </p:nvPr>
+        </p:nvSpPr>
+        <p:spPr>
+          <a:xfrm>
+            <a:off x="311700" y="445025"/>
+            <a:ext cx="8520600" cy="572700"/>
+          </a:xfrm>
+          <a:prstGeom prst="rect">
+            <a:avLst/>
+          </a:prstGeom>
+        </p:spPr>
+        <p:txBody>
+          <a:bodyPr anchorCtr="0" anchor="t" bIns="91425" lIns="91425" spcFirstLastPara="1" rIns="91425" wrap="square" tIns="91425">
+            <a:noAutofit/>
+          </a:bodyPr>
+          <a:lstStyle/>
+          <a:p>
+            <a:pPr indent="0" lvl="0" marL="0" rtl="0">
+              <a:spcBef>
+                <a:spcPts val="0"/>
+              </a:spcBef>
+              <a:spcAft>
+                <a:spcPts val="0"/>
+              </a:spcAft>
+              <a:buNone/>
+            </a:pPr>
+            <a:r>
+              <a:rPr lang="en">
+                <a:solidFill>
+                  <a:srgbClr val="222222"/>
+                </a:solidFill>
+                <a:highlight>
+                  <a:srgbClr val="FFFFFF"/>
+                </a:highlight>
+              </a:rPr>
+              <a:t>You can Contact Us</a:t>
+            </a:r>
+            <a:br>
+              <a:rPr lang="en"/>
+            </a:br>
+            <a:endParaRPr/>
+          </a:p>
+        </p:txBody>
+      </p:sp>
+      <p:sp>
+        <p:nvSpPr>
+          <p:cNvPr id="320" name="Shape 320"/>
+          <p:cNvSpPr txBox="1"/>
+          <p:nvPr>
+            <p:ph idx="1" type="body"/>
+          </p:nvPr>
+        </p:nvSpPr>
+        <p:spPr>
+          <a:xfrm>
+            <a:off x="311700" y="1152475"/>
+            <a:ext cx="8520600" cy="3416400"/>
+          </a:xfrm>
+          <a:prstGeom prst="rect">
+            <a:avLst/>
+          </a:prstGeom>
+        </p:spPr>
+        <p:txBody>
+          <a:bodyPr anchorCtr="0" anchor="t" bIns="91425" lIns="91425" spcFirstLastPara="1" rIns="91425" wrap="square" tIns="91425">
+            <a:noAutofit/>
+          </a:bodyPr>
+          <a:lstStyle/>
+          <a:p>
+            <a:pPr indent="0" lvl="0" marL="0" rtl="0">
+              <a:spcBef>
+                <a:spcPts val="0"/>
+              </a:spcBef>
+              <a:spcAft>
+                <a:spcPts val="0"/>
+              </a:spcAft>
+              <a:buNone/>
+            </a:pPr>
+            <a:r>
+              <a:rPr lang="en"/>
+              <a:t>// muzzammil.hussain@arbisoft.com</a:t>
+            </a:r>
+            <a:endParaRPr/>
+          </a:p>
+          <a:p>
+            <a:pPr indent="0" lvl="0" marL="0" rtl="0">
+              <a:spcBef>
+                <a:spcPts val="1600"/>
+              </a:spcBef>
+              <a:spcAft>
+                <a:spcPts val="1600"/>
+              </a:spcAft>
+              <a:buNone/>
+            </a:pPr>
+            <a:r>
+              <a:rPr lang="en"/>
+              <a:t>// umer.farooq@arbisoft.com</a:t>
+            </a:r>
+            <a:endParaRPr/>
+          </a:p>
+        </p:txBody>
+      </p:sp>
+      <p:sp>
+        <p:nvSpPr>
+          <p:cNvPr id="321" name="Shape 321"/>
+          <p:cNvSpPr/>
+          <p:nvPr/>
+        </p:nvSpPr>
+        <p:spPr>
+          <a:xfrm>
+            <a:off x="0" y="0"/>
+            <a:ext cx="9144000" cy="100800"/>
+          </a:xfrm>
+          <a:prstGeom prst="rect">
+            <a:avLst/>
+          </a:prstGeom>
+          <a:solidFill>
+            <a:srgbClr val="2BABEE"/>
+          </a:solidFill>
+          <a:ln cap="flat" cmpd="sng" w="9525">
+            <a:solidFill>
+              <a:srgbClr val="EFEFEF"/>
+            </a:solidFill>
+            <a:prstDash val="solid"/>
+            <a:round/>
+            <a:headEnd len="sm" w="sm" type="none"/>
+            <a:tailEnd len="sm" w="sm" type="none"/>
+          </a:ln>
+        </p:spPr>
+        <p:txBody>
+          <a:bodyPr anchorCtr="0" anchor="ctr" bIns="91425" lIns="91425" spcFirstLastPara="1" rIns="91425" wrap="square" tIns="91425">
+            <a:noAutofit/>
+          </a:bodyPr>
+          <a:lstStyle/>
+          <a:p>
+            <a:pPr indent="0" lvl="0" marL="0">
+              <a:spcBef>
+                <a:spcPts val="0"/>
+              </a:spcBef>
+              <a:spcAft>
+                <a:spcPts val="0"/>
+              </a:spcAft>
+              <a:buNone/>
+            </a:pPr>
+            <a:r>
+              <a:t/>
+            </a:r>
+            <a:endParaRPr/>
+          </a:p>
+        </p:txBody>
+      </p:sp>
+      <p:pic>
+        <p:nvPicPr>
+          <p:cNvPr id="322" name="Shape 322"/>
+          <p:cNvPicPr preferRelativeResize="0"/>
+          <p:nvPr/>
+        </p:nvPicPr>
+        <p:blipFill>
+          <a:blip r:embed="rId3">
+            <a:alphaModFix/>
+          </a:blip>
+          <a:stretch>
+            <a:fillRect/>
+          </a:stretch>
+        </p:blipFill>
+        <p:spPr>
+          <a:xfrm>
+            <a:off x="110150" y="253075"/>
+            <a:ext cx="971400" cy="339225"/>
+          </a:xfrm>
+          <a:prstGeom prst="rect">
+            <a:avLst/>
+          </a:prstGeom>
+          <a:noFill/>
+          <a:ln>
+            <a:noFill/>
+          </a:ln>
+        </p:spPr>
+      </p:pic>
+      <p:sp>
+        <p:nvSpPr>
+          <p:cNvPr id="323" name="Shape 323"/>
           <p:cNvSpPr/>
           <p:nvPr/>
         </p:nvSpPr>
@@ -9899,15 +15173,15 @@
         </p:nvSpPr>
         <p:spPr>
           <a:xfrm>
-            <a:off x="311700" y="2150850"/>
-            <a:ext cx="8520600" cy="841800"/>
-          </a:xfrm>
-          <a:prstGeom prst="rect">
-            <a:avLst/>
-          </a:prstGeom>
-        </p:spPr>
-        <p:txBody>
-          <a:bodyPr anchorCtr="0" anchor="ctr" bIns="91425" lIns="91425" spcFirstLastPara="1" rIns="91425" wrap="square" tIns="91425">
+            <a:off x="311700" y="445025"/>
+            <a:ext cx="8520600" cy="572700"/>
+          </a:xfrm>
+          <a:prstGeom prst="rect">
+            <a:avLst/>
+          </a:prstGeom>
+        </p:spPr>
+        <p:txBody>
+          <a:bodyPr anchorCtr="0" anchor="t" bIns="91425" lIns="91425" spcFirstLastPara="1" rIns="91425" wrap="square" tIns="91425">
             <a:noAutofit/>
           </a:bodyPr>
           <a:lstStyle/>
@@ -9919,11 +15193,16 @@
               <a:spcAft>
                 <a:spcPts val="0"/>
               </a:spcAft>
+              <a:buClr>
+                <a:schemeClr val="dk1"/>
+              </a:buClr>
+              <a:buSzPts val="1100"/>
+              <a:buFont typeface="Arial"/>
               <a:buNone/>
             </a:pPr>
             <a:r>
               <a:rPr lang="en"/>
-              <a:t>What makes Python special?</a:t>
+              <a:t>Before We Start...</a:t>
             </a:r>
             <a:endParaRPr/>
           </a:p>
@@ -9932,6 +15211,111 @@
       <p:sp>
         <p:nvSpPr>
           <p:cNvPr id="81" name="Shape 81"/>
+          <p:cNvSpPr txBox="1"/>
+          <p:nvPr>
+            <p:ph idx="1" type="body"/>
+          </p:nvPr>
+        </p:nvSpPr>
+        <p:spPr>
+          <a:xfrm>
+            <a:off x="311700" y="1152475"/>
+            <a:ext cx="8520600" cy="3416400"/>
+          </a:xfrm>
+          <a:prstGeom prst="rect">
+            <a:avLst/>
+          </a:prstGeom>
+        </p:spPr>
+        <p:txBody>
+          <a:bodyPr anchorCtr="0" anchor="t" bIns="91425" lIns="91425" spcFirstLastPara="1" rIns="91425" wrap="square" tIns="91425">
+            <a:noAutofit/>
+          </a:bodyPr>
+          <a:lstStyle/>
+          <a:p>
+            <a:pPr indent="0" lvl="0" marL="0" rtl="0">
+              <a:lnSpc>
+                <a:spcPct val="150000"/>
+              </a:lnSpc>
+              <a:spcBef>
+                <a:spcPts val="0"/>
+              </a:spcBef>
+              <a:spcAft>
+                <a:spcPts val="0"/>
+              </a:spcAft>
+              <a:buNone/>
+            </a:pPr>
+            <a:r>
+              <a:rPr lang="en">
+                <a:solidFill>
+                  <a:srgbClr val="434343"/>
+                </a:solidFill>
+              </a:rPr>
+              <a:t># This is a guide to web development technologies and your options. </a:t>
+            </a:r>
+            <a:endParaRPr>
+              <a:solidFill>
+                <a:srgbClr val="434343"/>
+              </a:solidFill>
+            </a:endParaRPr>
+          </a:p>
+          <a:p>
+            <a:pPr indent="0" lvl="0" marL="0" rtl="0">
+              <a:lnSpc>
+                <a:spcPct val="150000"/>
+              </a:lnSpc>
+              <a:spcBef>
+                <a:spcPts val="0"/>
+              </a:spcBef>
+              <a:spcAft>
+                <a:spcPts val="0"/>
+              </a:spcAft>
+              <a:buNone/>
+            </a:pPr>
+            <a:r>
+              <a:rPr lang="en">
+                <a:solidFill>
+                  <a:srgbClr val="434343"/>
+                </a:solidFill>
+              </a:rPr>
+              <a:t># Based on fact and opinion.</a:t>
+            </a:r>
+            <a:endParaRPr>
+              <a:solidFill>
+                <a:srgbClr val="434343"/>
+              </a:solidFill>
+            </a:endParaRPr>
+          </a:p>
+          <a:p>
+            <a:pPr indent="0" lvl="0" marL="0" rtl="0">
+              <a:lnSpc>
+                <a:spcPct val="150000"/>
+              </a:lnSpc>
+              <a:spcBef>
+                <a:spcPts val="0"/>
+              </a:spcBef>
+              <a:spcAft>
+                <a:spcPts val="0"/>
+              </a:spcAft>
+              <a:buNone/>
+            </a:pPr>
+            <a:r>
+              <a:rPr lang="en">
+                <a:solidFill>
+                  <a:srgbClr val="434343"/>
+                </a:solidFill>
+              </a:rPr>
+              <a:t># It will also gives you idea how things are working in industry.</a:t>
+            </a:r>
+            <a:endParaRPr>
+              <a:solidFill>
+                <a:srgbClr val="434343"/>
+              </a:solidFill>
+            </a:endParaRPr>
+          </a:p>
+        </p:txBody>
+      </p:sp>
+      <p:sp>
+        <p:nvSpPr>
+          <p:cNvPr id="82" name="Shape 82"/>
           <p:cNvSpPr/>
           <p:nvPr/>
         </p:nvSpPr>
@@ -9980,7 +15364,7 @@
       </p:sp>
       <p:pic>
         <p:nvPicPr>
-          <p:cNvPr id="82" name="Shape 82"/>
+          <p:cNvPr id="83" name="Shape 83"/>
           <p:cNvPicPr preferRelativeResize="0"/>
           <p:nvPr/>
         </p:nvPicPr>
@@ -10008,7 +15392,7 @@
       </p:pic>
       <p:sp>
         <p:nvSpPr>
-          <p:cNvPr id="83" name="Shape 83"/>
+          <p:cNvPr id="84" name="Shape 84"/>
           <p:cNvSpPr/>
           <p:nvPr/>
         </p:nvSpPr>
@@ -10068,7 +15452,7 @@
   <p:cSld>
     <p:spTree>
       <p:nvGrpSpPr>
-        <p:cNvPr id="87" name="Shape 87"/>
+        <p:cNvPr id="88" name="Shape 88"/>
         <p:cNvGrpSpPr/>
         <p:nvPr/>
       </p:nvGrpSpPr>
@@ -10082,7 +15466,7 @@
       </p:grpSpPr>
       <p:sp>
         <p:nvSpPr>
-          <p:cNvPr id="88" name="Shape 88"/>
+          <p:cNvPr id="89" name="Shape 89"/>
           <p:cNvSpPr txBox="1"/>
           <p:nvPr>
             <p:ph type="title"/>
@@ -10114,15 +15498,15 @@
             </a:pPr>
             <a:r>
               <a:rPr lang="en"/>
-              <a:t>Python Has a Supportive and Active Community</a:t>
-            </a:r>
-            <a:endParaRPr/>
-          </a:p>
-        </p:txBody>
-      </p:sp>
-      <p:sp>
-        <p:nvSpPr>
-          <p:cNvPr id="89" name="Shape 89"/>
+              <a:t>Common Question from Students</a:t>
+            </a:r>
+            <a:endParaRPr/>
+          </a:p>
+        </p:txBody>
+      </p:sp>
+      <p:sp>
+        <p:nvSpPr>
+          <p:cNvPr id="90" name="Shape 90"/>
           <p:cNvSpPr txBox="1"/>
           <p:nvPr>
             <p:ph idx="1" type="body"/>
@@ -10144,57 +15528,56 @@
           <a:lstStyle/>
           <a:p>
             <a:pPr indent="0" lvl="0" marL="0" rtl="0">
-              <a:spcBef>
-                <a:spcPts val="0"/>
-              </a:spcBef>
-              <a:spcAft>
-                <a:spcPts val="0"/>
-              </a:spcAft>
-              <a:buNone/>
-            </a:pPr>
-            <a:r>
-              <a:rPr lang="en"/>
-              <a:t># It’s been around for quite some time, so there’s plenty of documentation, guides, tutorials and more.</a:t>
-            </a:r>
-            <a:endParaRPr/>
+              <a:lnSpc>
+                <a:spcPct val="100000"/>
+              </a:lnSpc>
+              <a:spcBef>
+                <a:spcPts val="0"/>
+              </a:spcBef>
+              <a:spcAft>
+                <a:spcPts val="0"/>
+              </a:spcAft>
+              <a:buClr>
+                <a:schemeClr val="dk1"/>
+              </a:buClr>
+              <a:buSzPts val="1100"/>
+              <a:buFont typeface="Arial"/>
+              <a:buNone/>
+            </a:pPr>
+            <a:r>
+              <a:rPr lang="en">
+                <a:solidFill>
+                  <a:srgbClr val="434343"/>
+                </a:solidFill>
+              </a:rPr>
+              <a:t># I want to become a Full-Stack/Front-End /Back-End developer, what should I need to do?</a:t>
+            </a:r>
+            <a:endParaRPr>
+              <a:solidFill>
+                <a:srgbClr val="434343"/>
+              </a:solidFill>
+            </a:endParaRPr>
           </a:p>
           <a:p>
             <a:pPr indent="0" lvl="0" marL="0" rtl="0">
               <a:spcBef>
+                <a:spcPts val="0"/>
+              </a:spcBef>
+              <a:spcAft>
                 <a:spcPts val="1600"/>
-              </a:spcBef>
-              <a:spcAft>
-                <a:spcPts val="0"/>
-              </a:spcAft>
-              <a:buNone/>
-            </a:pPr>
-            <a:r>
-              <a:rPr lang="en"/>
-              <a:t># The developer community is incredibly active. That means any time someone needs help or support, they can get it in a timely manner.</a:t>
-            </a:r>
-            <a:endParaRPr/>
-          </a:p>
-          <a:p>
-            <a:pPr indent="0" lvl="0" marL="0" rtl="0">
-              <a:spcBef>
-                <a:spcPts val="1600"/>
-              </a:spcBef>
-              <a:spcAft>
-                <a:spcPts val="1600"/>
-              </a:spcAft>
-              <a:buNone/>
-            </a:pPr>
-            <a:r>
-              <a:rPr lang="en"/>
-              <a:t># When you run into development issues in the middle of crunch time, support can either make or break you.</a:t>
-            </a:r>
-            <a:endParaRPr/>
-          </a:p>
-        </p:txBody>
-      </p:sp>
-      <p:sp>
-        <p:nvSpPr>
-          <p:cNvPr id="90" name="Shape 90"/>
+              </a:spcAft>
+              <a:buNone/>
+            </a:pPr>
+            <a:r>
+              <a:t/>
+            </a:r>
+            <a:endParaRPr/>
+          </a:p>
+        </p:txBody>
+      </p:sp>
+      <p:sp>
+        <p:nvSpPr>
+          <p:cNvPr id="91" name="Shape 91"/>
           <p:cNvSpPr/>
           <p:nvPr/>
         </p:nvSpPr>
@@ -10243,7 +15626,7 @@
       </p:sp>
       <p:pic>
         <p:nvPicPr>
-          <p:cNvPr id="91" name="Shape 91"/>
+          <p:cNvPr id="92" name="Shape 92"/>
           <p:cNvPicPr preferRelativeResize="0"/>
           <p:nvPr/>
         </p:nvPicPr>
@@ -10271,7 +15654,7 @@
       </p:pic>
       <p:sp>
         <p:nvSpPr>
-          <p:cNvPr id="92" name="Shape 92"/>
+          <p:cNvPr id="93" name="Shape 93"/>
           <p:cNvSpPr/>
           <p:nvPr/>
         </p:nvSpPr>
@@ -10331,7 +15714,7 @@
   <p:cSld>
     <p:spTree>
       <p:nvGrpSpPr>
-        <p:cNvPr id="96" name="Shape 96"/>
+        <p:cNvPr id="97" name="Shape 97"/>
         <p:cNvGrpSpPr/>
         <p:nvPr/>
       </p:nvGrpSpPr>
@@ -10345,7 +15728,7 @@
       </p:grpSpPr>
       <p:sp>
         <p:nvSpPr>
-          <p:cNvPr id="97" name="Shape 97"/>
+          <p:cNvPr id="98" name="Shape 98"/>
           <p:cNvSpPr txBox="1"/>
           <p:nvPr>
             <p:ph type="title"/>
@@ -10377,94 +15760,8 @@
             </a:pPr>
             <a:r>
               <a:rPr lang="en"/>
-              <a:t>Python Is Reliable and Efficient</a:t>
-            </a:r>
-            <a:endParaRPr/>
-          </a:p>
-        </p:txBody>
-      </p:sp>
-      <p:sp>
-        <p:nvSpPr>
-          <p:cNvPr id="98" name="Shape 98"/>
-          <p:cNvSpPr txBox="1"/>
-          <p:nvPr>
-            <p:ph idx="1" type="body"/>
-          </p:nvPr>
-        </p:nvSpPr>
-        <p:spPr>
-          <a:xfrm>
-            <a:off x="311700" y="1152475"/>
-            <a:ext cx="8520600" cy="3416400"/>
-          </a:xfrm>
-          <a:prstGeom prst="rect">
-            <a:avLst/>
-          </a:prstGeom>
-        </p:spPr>
-        <p:txBody>
-          <a:bodyPr anchorCtr="0" anchor="t" bIns="91425" lIns="91425" spcFirstLastPara="1" rIns="91425" wrap="square" tIns="91425">
-            <a:noAutofit/>
-          </a:bodyPr>
-          <a:lstStyle/>
-          <a:p>
-            <a:pPr indent="0" lvl="0" marL="0" rtl="0">
-              <a:spcBef>
-                <a:spcPts val="0"/>
-              </a:spcBef>
-              <a:spcAft>
-                <a:spcPts val="0"/>
-              </a:spcAft>
-              <a:buNone/>
-            </a:pPr>
-            <a:r>
-              <a:rPr lang="en"/>
-              <a:t># </a:t>
-            </a:r>
-            <a:r>
-              <a:rPr lang="en"/>
-              <a:t>You can work with and deploy Python applications in nearly any environment, and there’s little to no performance loss no matter what platform you work with.</a:t>
-            </a:r>
-            <a:endParaRPr/>
-          </a:p>
-          <a:p>
-            <a:pPr indent="0" lvl="0" marL="0" rtl="0">
-              <a:spcBef>
-                <a:spcPts val="1600"/>
-              </a:spcBef>
-              <a:spcAft>
-                <a:spcPts val="0"/>
-              </a:spcAft>
-              <a:buNone/>
-            </a:pPr>
-            <a:r>
-              <a:rPr lang="en"/>
-              <a:t># </a:t>
-            </a:r>
-            <a:r>
-              <a:rPr lang="en"/>
-              <a:t>Again, because it’s versatile, this also means you can work across several domains including but not limited to web development, desktop applications, mobile applications, hardware and more.</a:t>
-            </a:r>
-            <a:endParaRPr/>
-          </a:p>
-          <a:p>
-            <a:pPr indent="0" lvl="0" marL="0" rtl="0">
-              <a:spcBef>
-                <a:spcPts val="1600"/>
-              </a:spcBef>
-              <a:spcAft>
-                <a:spcPts val="1600"/>
-              </a:spcAft>
-              <a:buNone/>
-            </a:pPr>
-            <a:r>
-              <a:rPr lang="en"/>
-              <a:t># You’re not bound to a single platform or domain, and it offers the same experience everywhere.</a:t>
-            </a:r>
-            <a:br>
-              <a:rPr lang="en"/>
-            </a:br>
-            <a:br>
-              <a:rPr lang="en"/>
-            </a:br>
+              <a:t>Roadmap to Becoming a Web Developer</a:t>
+            </a:r>
             <a:endParaRPr/>
           </a:p>
         </p:txBody>
@@ -10595,6 +15892,34 @@
           </a:p>
         </p:txBody>
       </p:sp>
+      <p:pic>
+        <p:nvPicPr>
+          <p:cNvPr id="102" name="Shape 102"/>
+          <p:cNvPicPr preferRelativeResize="0"/>
+          <p:nvPr/>
+        </p:nvPicPr>
+        <p:blipFill>
+          <a:blip r:embed="rId4">
+            <a:alphaModFix/>
+          </a:blip>
+          <a:stretch>
+            <a:fillRect/>
+          </a:stretch>
+        </p:blipFill>
+        <p:spPr>
+          <a:xfrm>
+            <a:off x="152400" y="1035275"/>
+            <a:ext cx="8870993" cy="3858350"/>
+          </a:xfrm>
+          <a:prstGeom prst="rect">
+            <a:avLst/>
+          </a:prstGeom>
+          <a:noFill/>
+          <a:ln>
+            <a:noFill/>
+          </a:ln>
+        </p:spPr>
+      </p:pic>
     </p:spTree>
   </p:cSld>
   <p:clrMapOvr>
@@ -10608,7 +15933,7 @@
   <p:cSld>
     <p:spTree>
       <p:nvGrpSpPr>
-        <p:cNvPr id="105" name="Shape 105"/>
+        <p:cNvPr id="106" name="Shape 106"/>
         <p:cNvGrpSpPr/>
         <p:nvPr/>
       </p:nvGrpSpPr>
@@ -10622,131 +15947,7 @@
       </p:grpSpPr>
       <p:sp>
         <p:nvSpPr>
-          <p:cNvPr id="106" name="Shape 106"/>
-          <p:cNvSpPr txBox="1"/>
-          <p:nvPr>
-            <p:ph type="title"/>
-          </p:nvPr>
-        </p:nvSpPr>
-        <p:spPr>
-          <a:xfrm>
-            <a:off x="311700" y="445025"/>
-            <a:ext cx="8520600" cy="572700"/>
-          </a:xfrm>
-          <a:prstGeom prst="rect">
-            <a:avLst/>
-          </a:prstGeom>
-        </p:spPr>
-        <p:txBody>
-          <a:bodyPr anchorCtr="0" anchor="t" bIns="91425" lIns="91425" spcFirstLastPara="1" rIns="91425" wrap="square" tIns="91425">
-            <a:noAutofit/>
-          </a:bodyPr>
-          <a:lstStyle/>
-          <a:p>
-            <a:pPr indent="0" lvl="0" marL="0" rtl="0">
-              <a:spcBef>
-                <a:spcPts val="0"/>
-              </a:spcBef>
-              <a:spcAft>
-                <a:spcPts val="0"/>
-              </a:spcAft>
-              <a:buNone/>
-            </a:pPr>
-            <a:r>
-              <a:rPr lang="en"/>
-              <a:t>Python Has Some Great Corporate Sponsors</a:t>
-            </a:r>
-            <a:endParaRPr/>
-          </a:p>
-        </p:txBody>
-      </p:sp>
-      <p:sp>
-        <p:nvSpPr>
           <p:cNvPr id="107" name="Shape 107"/>
-          <p:cNvSpPr txBox="1"/>
-          <p:nvPr>
-            <p:ph idx="1" type="body"/>
-          </p:nvPr>
-        </p:nvSpPr>
-        <p:spPr>
-          <a:xfrm>
-            <a:off x="311700" y="1152475"/>
-            <a:ext cx="8520600" cy="3416400"/>
-          </a:xfrm>
-          <a:prstGeom prst="rect">
-            <a:avLst/>
-          </a:prstGeom>
-        </p:spPr>
-        <p:txBody>
-          <a:bodyPr anchorCtr="0" anchor="t" bIns="91425" lIns="91425" spcFirstLastPara="1" rIns="91425" wrap="square" tIns="91425">
-            <a:noAutofit/>
-          </a:bodyPr>
-          <a:lstStyle/>
-          <a:p>
-            <a:pPr indent="0" lvl="0" marL="0" rtl="0">
-              <a:spcBef>
-                <a:spcPts val="0"/>
-              </a:spcBef>
-              <a:spcAft>
-                <a:spcPts val="0"/>
-              </a:spcAft>
-              <a:buNone/>
-            </a:pPr>
-            <a:r>
-              <a:rPr lang="en"/>
-              <a:t># </a:t>
-            </a:r>
-            <a:r>
-              <a:rPr lang="en"/>
-              <a:t>It helps big time when a programming language has a corporate sponsor. C# has Microsoft, Java has Oracle and PHP is used by Facebook.</a:t>
-            </a:r>
-            <a:endParaRPr/>
-          </a:p>
-          <a:p>
-            <a:pPr indent="0" lvl="0" marL="0" rtl="0">
-              <a:spcBef>
-                <a:spcPts val="1600"/>
-              </a:spcBef>
-              <a:spcAft>
-                <a:spcPts val="0"/>
-              </a:spcAft>
-              <a:buNone/>
-            </a:pPr>
-            <a:r>
-              <a:rPr lang="en"/>
-              <a:t># </a:t>
-            </a:r>
-            <a:r>
-              <a:rPr lang="en"/>
-              <a:t>Google adopted Python heavily back in 2006, and they’ve used it for many platforms and applications since.</a:t>
-            </a:r>
-            <a:endParaRPr/>
-          </a:p>
-          <a:p>
-            <a:pPr indent="0" lvl="0" marL="0" rtl="0">
-              <a:spcBef>
-                <a:spcPts val="1600"/>
-              </a:spcBef>
-              <a:spcAft>
-                <a:spcPts val="1600"/>
-              </a:spcAft>
-              <a:buNone/>
-            </a:pPr>
-            <a:r>
-              <a:rPr lang="en"/>
-              <a:t># </a:t>
-            </a:r>
-            <a:r>
-              <a:rPr lang="en"/>
-              <a:t>Why does this matter? Because if companies like Google want their team and future developers to work with their systems and apps, they need to provide resources. In Google’s case, they created a vast quantity of guides and tutorials for working with Python.</a:t>
-            </a:r>
-            <a:endParaRPr/>
-          </a:p>
-        </p:txBody>
-      </p:sp>
-      <p:sp>
-        <p:nvSpPr>
-          <p:cNvPr id="108" name="Shape 108"/>
           <p:cNvSpPr/>
           <p:nvPr/>
         </p:nvSpPr>
@@ -10795,7 +15996,7 @@
       </p:sp>
       <p:pic>
         <p:nvPicPr>
-          <p:cNvPr id="109" name="Shape 109"/>
+          <p:cNvPr id="108" name="Shape 108"/>
           <p:cNvPicPr preferRelativeResize="0"/>
           <p:nvPr/>
         </p:nvPicPr>
@@ -10823,7 +16024,7 @@
       </p:pic>
       <p:sp>
         <p:nvSpPr>
-          <p:cNvPr id="110" name="Shape 110"/>
+          <p:cNvPr id="109" name="Shape 109"/>
           <p:cNvSpPr/>
           <p:nvPr/>
         </p:nvSpPr>
@@ -10870,6 +16071,34 @@
           </a:p>
         </p:txBody>
       </p:sp>
+      <p:pic>
+        <p:nvPicPr>
+          <p:cNvPr id="110" name="Shape 110"/>
+          <p:cNvPicPr preferRelativeResize="0"/>
+          <p:nvPr/>
+        </p:nvPicPr>
+        <p:blipFill>
+          <a:blip r:embed="rId4">
+            <a:alphaModFix/>
+          </a:blip>
+          <a:stretch>
+            <a:fillRect/>
+          </a:stretch>
+        </p:blipFill>
+        <p:spPr>
+          <a:xfrm>
+            <a:off x="2722575" y="100800"/>
+            <a:ext cx="3300523" cy="4792826"/>
+          </a:xfrm>
+          <a:prstGeom prst="rect">
+            <a:avLst/>
+          </a:prstGeom>
+          <a:noFill/>
+          <a:ln>
+            <a:noFill/>
+          </a:ln>
+        </p:spPr>
+      </p:pic>
     </p:spTree>
   </p:cSld>
   <p:clrMapOvr>
@@ -10898,130 +16127,6 @@
       <p:sp>
         <p:nvSpPr>
           <p:cNvPr id="115" name="Shape 115"/>
-          <p:cNvSpPr txBox="1"/>
-          <p:nvPr>
-            <p:ph type="title"/>
-          </p:nvPr>
-        </p:nvSpPr>
-        <p:spPr>
-          <a:xfrm>
-            <a:off x="311700" y="445025"/>
-            <a:ext cx="8520600" cy="572700"/>
-          </a:xfrm>
-          <a:prstGeom prst="rect">
-            <a:avLst/>
-          </a:prstGeom>
-        </p:spPr>
-        <p:txBody>
-          <a:bodyPr anchorCtr="0" anchor="t" bIns="91425" lIns="91425" spcFirstLastPara="1" rIns="91425" wrap="square" tIns="91425">
-            <a:noAutofit/>
-          </a:bodyPr>
-          <a:lstStyle/>
-          <a:p>
-            <a:pPr indent="0" lvl="0" marL="0" rtl="0">
-              <a:spcBef>
-                <a:spcPts val="0"/>
-              </a:spcBef>
-              <a:spcAft>
-                <a:spcPts val="0"/>
-              </a:spcAft>
-              <a:buNone/>
-            </a:pPr>
-            <a:r>
-              <a:rPr lang="en"/>
-              <a:t>Python Has Big Data</a:t>
-            </a:r>
-            <a:endParaRPr/>
-          </a:p>
-        </p:txBody>
-      </p:sp>
-      <p:sp>
-        <p:nvSpPr>
-          <p:cNvPr id="116" name="Shape 116"/>
-          <p:cNvSpPr txBox="1"/>
-          <p:nvPr>
-            <p:ph idx="1" type="body"/>
-          </p:nvPr>
-        </p:nvSpPr>
-        <p:spPr>
-          <a:xfrm>
-            <a:off x="311700" y="1152475"/>
-            <a:ext cx="8520600" cy="3416400"/>
-          </a:xfrm>
-          <a:prstGeom prst="rect">
-            <a:avLst/>
-          </a:prstGeom>
-        </p:spPr>
-        <p:txBody>
-          <a:bodyPr anchorCtr="0" anchor="t" bIns="91425" lIns="91425" spcFirstLastPara="1" rIns="91425" wrap="square" tIns="91425">
-            <a:noAutofit/>
-          </a:bodyPr>
-          <a:lstStyle/>
-          <a:p>
-            <a:pPr indent="0" lvl="0" marL="0" rtl="0">
-              <a:spcBef>
-                <a:spcPts val="0"/>
-              </a:spcBef>
-              <a:spcAft>
-                <a:spcPts val="0"/>
-              </a:spcAft>
-              <a:buNone/>
-            </a:pPr>
-            <a:r>
-              <a:rPr lang="en"/>
-              <a:t># </a:t>
-            </a:r>
-            <a:r>
-              <a:rPr lang="en"/>
-              <a:t>The use of big data and cloud computing solutions in the enterprise world has also helped skyrocket Python to success.</a:t>
-            </a:r>
-            <a:endParaRPr/>
-          </a:p>
-          <a:p>
-            <a:pPr indent="0" lvl="0" marL="0" rtl="0">
-              <a:spcBef>
-                <a:spcPts val="1600"/>
-              </a:spcBef>
-              <a:spcAft>
-                <a:spcPts val="0"/>
-              </a:spcAft>
-              <a:buNone/>
-            </a:pPr>
-            <a:r>
-              <a:rPr lang="en"/>
-              <a:t># </a:t>
-            </a:r>
-            <a:r>
-              <a:rPr lang="en"/>
-              <a:t>It is one of the most popular languages used in data science, second only to R.</a:t>
-            </a:r>
-            <a:endParaRPr/>
-          </a:p>
-          <a:p>
-            <a:pPr indent="0" lvl="0" marL="0" rtl="0">
-              <a:spcBef>
-                <a:spcPts val="1600"/>
-              </a:spcBef>
-              <a:spcAft>
-                <a:spcPts val="1600"/>
-              </a:spcAft>
-              <a:buNone/>
-            </a:pPr>
-            <a:r>
-              <a:rPr lang="en"/>
-              <a:t># </a:t>
-            </a:r>
-            <a:r>
-              <a:rPr lang="en"/>
-              <a:t>It’s also being used for machine learning and AI systems and various modern technologies.</a:t>
-            </a:r>
-            <a:endParaRPr/>
-          </a:p>
-        </p:txBody>
-      </p:sp>
-      <p:sp>
-        <p:nvSpPr>
-          <p:cNvPr id="117" name="Shape 117"/>
           <p:cNvSpPr/>
           <p:nvPr/>
         </p:nvSpPr>
@@ -11070,7 +16175,7 @@
       </p:sp>
       <p:pic>
         <p:nvPicPr>
-          <p:cNvPr id="118" name="Shape 118"/>
+          <p:cNvPr id="116" name="Shape 116"/>
           <p:cNvPicPr preferRelativeResize="0"/>
           <p:nvPr/>
         </p:nvPicPr>
@@ -11098,7 +16203,7 @@
       </p:pic>
       <p:sp>
         <p:nvSpPr>
-          <p:cNvPr id="119" name="Shape 119"/>
+          <p:cNvPr id="117" name="Shape 117"/>
           <p:cNvSpPr/>
           <p:nvPr/>
         </p:nvSpPr>
@@ -11145,6 +16250,34 @@
           </a:p>
         </p:txBody>
       </p:sp>
+      <p:pic>
+        <p:nvPicPr>
+          <p:cNvPr id="118" name="Shape 118"/>
+          <p:cNvPicPr preferRelativeResize="0"/>
+          <p:nvPr/>
+        </p:nvPicPr>
+        <p:blipFill>
+          <a:blip r:embed="rId4">
+            <a:alphaModFix/>
+          </a:blip>
+          <a:stretch>
+            <a:fillRect/>
+          </a:stretch>
+        </p:blipFill>
+        <p:spPr>
+          <a:xfrm>
+            <a:off x="2443968" y="100800"/>
+            <a:ext cx="3883556" cy="4792825"/>
+          </a:xfrm>
+          <a:prstGeom prst="rect">
+            <a:avLst/>
+          </a:prstGeom>
+          <a:noFill/>
+          <a:ln>
+            <a:noFill/>
+          </a:ln>
+        </p:spPr>
+      </p:pic>
     </p:spTree>
   </p:cSld>
   <p:clrMapOvr>
@@ -11158,7 +16291,7 @@
   <p:cSld>
     <p:spTree>
       <p:nvGrpSpPr>
-        <p:cNvPr id="123" name="Shape 123"/>
+        <p:cNvPr id="122" name="Shape 122"/>
         <p:cNvGrpSpPr/>
         <p:nvPr/>
       </p:nvGrpSpPr>
@@ -11172,7 +16305,7 @@
       </p:grpSpPr>
       <p:sp>
         <p:nvSpPr>
-          <p:cNvPr id="124" name="Shape 124"/>
+          <p:cNvPr id="123" name="Shape 123"/>
           <p:cNvSpPr txBox="1"/>
           <p:nvPr>
             <p:ph type="title"/>
@@ -11180,15 +16313,15 @@
         </p:nvSpPr>
         <p:spPr>
           <a:xfrm>
-            <a:off x="311700" y="445025"/>
-            <a:ext cx="8520600" cy="572700"/>
-          </a:xfrm>
-          <a:prstGeom prst="rect">
-            <a:avLst/>
-          </a:prstGeom>
-        </p:spPr>
-        <p:txBody>
-          <a:bodyPr anchorCtr="0" anchor="t" bIns="91425" lIns="91425" spcFirstLastPara="1" rIns="91425" wrap="square" tIns="91425">
+            <a:off x="311700" y="2150850"/>
+            <a:ext cx="8520600" cy="841800"/>
+          </a:xfrm>
+          <a:prstGeom prst="rect">
+            <a:avLst/>
+          </a:prstGeom>
+        </p:spPr>
+        <p:txBody>
+          <a:bodyPr anchorCtr="0" anchor="ctr" bIns="91425" lIns="91425" spcFirstLastPara="1" rIns="91425" wrap="square" tIns="91425">
             <a:noAutofit/>
           </a:bodyPr>
           <a:lstStyle/>
@@ -11204,99 +16337,15 @@
             </a:pPr>
             <a:r>
               <a:rPr lang="en"/>
-              <a:t>Python Has Amazing Libraries</a:t>
-            </a:r>
-            <a:endParaRPr/>
-          </a:p>
-        </p:txBody>
-      </p:sp>
-      <p:sp>
-        <p:nvSpPr>
-          <p:cNvPr id="125" name="Shape 125"/>
-          <p:cNvSpPr txBox="1"/>
-          <p:nvPr>
-            <p:ph idx="1" type="body"/>
-          </p:nvPr>
-        </p:nvSpPr>
-        <p:spPr>
-          <a:xfrm>
-            <a:off x="311700" y="1152475"/>
-            <a:ext cx="8520600" cy="3416400"/>
-          </a:xfrm>
-          <a:prstGeom prst="rect">
-            <a:avLst/>
-          </a:prstGeom>
-        </p:spPr>
-        <p:txBody>
-          <a:bodyPr anchorCtr="0" anchor="t" bIns="91425" lIns="91425" spcFirstLastPara="1" rIns="91425" wrap="square" tIns="91425">
-            <a:noAutofit/>
-          </a:bodyPr>
-          <a:lstStyle/>
-          <a:p>
-            <a:pPr indent="0" lvl="0" marL="0" rtl="0">
-              <a:spcBef>
-                <a:spcPts val="0"/>
-              </a:spcBef>
-              <a:spcAft>
-                <a:spcPts val="0"/>
-              </a:spcAft>
-              <a:buNone/>
-            </a:pPr>
-            <a:r>
-              <a:rPr lang="en"/>
-              <a:t># </a:t>
-            </a:r>
-            <a:r>
-              <a:rPr lang="en"/>
-              <a:t>When you’re working on bigger projects, libraries can really help you save time and cut down on the initial development cycle.</a:t>
-            </a:r>
-            <a:endParaRPr/>
-          </a:p>
-          <a:p>
-            <a:pPr indent="0" lvl="0" marL="0" rtl="0">
-              <a:spcBef>
-                <a:spcPts val="1600"/>
-              </a:spcBef>
-              <a:spcAft>
-                <a:spcPts val="0"/>
-              </a:spcAft>
-              <a:buNone/>
-            </a:pPr>
-            <a:r>
-              <a:rPr lang="en"/>
-              <a:t># </a:t>
-            </a:r>
-            <a:r>
-              <a:rPr lang="en"/>
-              <a:t>Python has an excellent selection of libraries, from NumPy and SciPy for scientific computing to Django/Flask for web development.</a:t>
-            </a:r>
-            <a:endParaRPr/>
-          </a:p>
-          <a:p>
-            <a:pPr indent="0" lvl="0" marL="0" rtl="0">
-              <a:spcBef>
-                <a:spcPts val="1600"/>
-              </a:spcBef>
-              <a:spcAft>
-                <a:spcPts val="1600"/>
-              </a:spcAft>
-              <a:buNone/>
-            </a:pPr>
-            <a:r>
-              <a:rPr lang="en"/>
-              <a:t># </a:t>
-            </a:r>
-            <a:r>
-              <a:rPr lang="en"/>
-              <a:t>There are even a few libraries with a more specific focus, like scikit-learn for machine learning applications and nltk for natural language processing.</a:t>
-            </a:r>
-            <a:endParaRPr/>
-          </a:p>
-        </p:txBody>
-      </p:sp>
-      <p:sp>
-        <p:nvSpPr>
-          <p:cNvPr id="126" name="Shape 126"/>
+              <a:t>What makes Python special?</a:t>
+            </a:r>
+            <a:endParaRPr/>
+          </a:p>
+        </p:txBody>
+      </p:sp>
+      <p:sp>
+        <p:nvSpPr>
+          <p:cNvPr id="124" name="Shape 124"/>
           <p:cNvSpPr/>
           <p:nvPr/>
         </p:nvSpPr>
@@ -11345,7 +16394,7 @@
       </p:sp>
       <p:pic>
         <p:nvPicPr>
-          <p:cNvPr id="127" name="Shape 127"/>
+          <p:cNvPr id="125" name="Shape 125"/>
           <p:cNvPicPr preferRelativeResize="0"/>
           <p:nvPr/>
         </p:nvPicPr>
@@ -11373,7 +16422,7 @@
       </p:pic>
       <p:sp>
         <p:nvSpPr>
-          <p:cNvPr id="128" name="Shape 128"/>
+          <p:cNvPr id="126" name="Shape 126"/>
           <p:cNvSpPr/>
           <p:nvPr/>
         </p:nvSpPr>
@@ -11429,6 +16478,285 @@
 </file>
 
 <file path=ppt/theme/theme1.xml><?xml version="1.0" encoding="utf-8"?>
+<a:theme xmlns:a="http://schemas.openxmlformats.org/drawingml/2006/main" xmlns:r="http://schemas.openxmlformats.org/officeDocument/2006/relationships">
+  <a:themeElements>
+    <a:clrScheme name="Default">
+      <a:dk1>
+        <a:srgbClr val="000000"/>
+      </a:dk1>
+      <a:lt1>
+        <a:srgbClr val="FFFFFF"/>
+      </a:lt1>
+      <a:dk2>
+        <a:srgbClr val="158158"/>
+      </a:dk2>
+      <a:lt2>
+        <a:srgbClr val="F3F3F3"/>
+      </a:lt2>
+      <a:accent1>
+        <a:srgbClr val="058DC7"/>
+      </a:accent1>
+      <a:accent2>
+        <a:srgbClr val="50B432"/>
+      </a:accent2>
+      <a:accent3>
+        <a:srgbClr val="ED561B"/>
+      </a:accent3>
+      <a:accent4>
+        <a:srgbClr val="EDEF00"/>
+      </a:accent4>
+      <a:accent5>
+        <a:srgbClr val="24CBE5"/>
+      </a:accent5>
+      <a:accent6>
+        <a:srgbClr val="64E572"/>
+      </a:accent6>
+      <a:hlink>
+        <a:srgbClr val="2200CC"/>
+      </a:hlink>
+      <a:folHlink>
+        <a:srgbClr val="551A8B"/>
+      </a:folHlink>
+    </a:clrScheme>
+    <a:fontScheme name="Office">
+      <a:majorFont>
+        <a:latin typeface="Arial"/>
+        <a:ea typeface=""/>
+        <a:cs typeface=""/>
+        <a:font script="Jpan" typeface="ＭＳ Ｐゴシック"/>
+        <a:font script="Hang" typeface="맑은 고딕"/>
+        <a:font script="Hans" typeface="宋体"/>
+        <a:font script="Hant" typeface="新細明體"/>
+        <a:font script="Arab" typeface="Times New Roman"/>
+        <a:font script="Hebr" typeface="Times New Roman"/>
+        <a:font script="Thai" typeface="Angsana New"/>
+        <a:font script="Ethi" typeface="Nyala"/>
+        <a:font script="Beng" typeface="Vrinda"/>
+        <a:font script="Gujr" typeface="Shruti"/>
+        <a:font script="Khmr" typeface="MoolBoran"/>
+        <a:font script="Knda" typeface="Tunga"/>
+        <a:font script="Guru" typeface="Raavi"/>
+        <a:font script="Cans" typeface="Euphemia"/>
+        <a:font script="Cher" typeface="Plantagenet Cherokee"/>
+        <a:font script="Yiii" typeface="Microsoft Yi Baiti"/>
+        <a:font script="Tibt" typeface="Microsoft Himalaya"/>
+        <a:font script="Thaa" typeface="MV Boli"/>
+        <a:font script="Deva" typeface="Mangal"/>
+        <a:font script="Telu" typeface="Gautami"/>
+        <a:font script="Taml" typeface="Latha"/>
+        <a:font script="Syrc" typeface="Estrangelo Edessa"/>
+        <a:font script="Orya" typeface="Kalinga"/>
+        <a:font script="Mlym" typeface="Kartika"/>
+        <a:font script="Laoo" typeface="DokChampa"/>
+        <a:font script="Sinh" typeface="Iskoola Pota"/>
+        <a:font script="Mong" typeface="Mongolian Baiti"/>
+        <a:font script="Viet" typeface="Times New Roman"/>
+        <a:font script="Uigh" typeface="Microsoft Uighur"/>
+        <a:font script="Geor" typeface="Sylfaen"/>
+      </a:majorFont>
+      <a:minorFont>
+        <a:latin typeface="Arial"/>
+        <a:ea typeface=""/>
+        <a:cs typeface=""/>
+        <a:font script="Jpan" typeface="ＭＳ Ｐゴシック"/>
+        <a:font script="Hang" typeface="맑은 고딕"/>
+        <a:font script="Hans" typeface="宋体"/>
+        <a:font script="Hant" typeface="新細明體"/>
+        <a:font script="Arab" typeface="Arial"/>
+        <a:font script="Hebr" typeface="Arial"/>
+        <a:font script="Thai" typeface="Cordia New"/>
+        <a:font script="Ethi" typeface="Nyala"/>
+        <a:font script="Beng" typeface="Vrinda"/>
+        <a:font script="Gujr" typeface="Shruti"/>
+        <a:font script="Khmr" typeface="DaunPenh"/>
+        <a:font script="Knda" typeface="Tunga"/>
+        <a:font script="Guru" typeface="Raavi"/>
+        <a:font script="Cans" typeface="Euphemia"/>
+        <a:font script="Cher" typeface="Plantagenet Cherokee"/>
+        <a:font script="Yiii" typeface="Microsoft Yi Baiti"/>
+        <a:font script="Tibt" typeface="Microsoft Himalaya"/>
+        <a:font script="Thaa" typeface="MV Boli"/>
+        <a:font script="Deva" typeface="Mangal"/>
+        <a:font script="Telu" typeface="Gautami"/>
+        <a:font script="Taml" typeface="Latha"/>
+        <a:font script="Syrc" typeface="Estrangelo Edessa"/>
+        <a:font script="Orya" typeface="Kalinga"/>
+        <a:font script="Mlym" typeface="Kartika"/>
+        <a:font script="Laoo" typeface="DokChampa"/>
+        <a:font script="Sinh" typeface="Iskoola Pota"/>
+        <a:font script="Mong" typeface="Mongolian Baiti"/>
+        <a:font script="Viet" typeface="Arial"/>
+        <a:font script="Uigh" typeface="Microsoft Uighur"/>
+        <a:font script="Geor" typeface="Sylfaen"/>
+      </a:minorFont>
+    </a:fontScheme>
+    <a:fmtScheme name="Office">
+      <a:fillStyleLst>
+        <a:solidFill>
+          <a:schemeClr val="phClr"/>
+        </a:solidFill>
+        <a:gradFill rotWithShape="1">
+          <a:gsLst>
+            <a:gs pos="0">
+              <a:schemeClr val="phClr">
+                <a:tint val="50000"/>
+                <a:satMod val="300000"/>
+              </a:schemeClr>
+            </a:gs>
+            <a:gs pos="35000">
+              <a:schemeClr val="phClr">
+                <a:tint val="37000"/>
+                <a:satMod val="300000"/>
+              </a:schemeClr>
+            </a:gs>
+            <a:gs pos="100000">
+              <a:schemeClr val="phClr">
+                <a:tint val="15000"/>
+                <a:satMod val="350000"/>
+              </a:schemeClr>
+            </a:gs>
+          </a:gsLst>
+          <a:lin ang="16200000" scaled="1"/>
+        </a:gradFill>
+        <a:gradFill rotWithShape="1">
+          <a:gsLst>
+            <a:gs pos="0">
+              <a:schemeClr val="phClr">
+                <a:tint val="100000"/>
+                <a:shade val="100000"/>
+                <a:satMod val="130000"/>
+              </a:schemeClr>
+            </a:gs>
+            <a:gs pos="100000">
+              <a:schemeClr val="phClr">
+                <a:tint val="50000"/>
+                <a:shade val="100000"/>
+                <a:satMod val="350000"/>
+              </a:schemeClr>
+            </a:gs>
+          </a:gsLst>
+          <a:lin ang="16200000" scaled="0"/>
+        </a:gradFill>
+      </a:fillStyleLst>
+      <a:lnStyleLst>
+        <a:ln w="9525" cap="flat" cmpd="sng" algn="ctr">
+          <a:solidFill>
+            <a:schemeClr val="phClr">
+              <a:shade val="95000"/>
+              <a:satMod val="105000"/>
+            </a:schemeClr>
+          </a:solidFill>
+          <a:prstDash val="solid"/>
+        </a:ln>
+        <a:ln w="25400" cap="flat" cmpd="sng" algn="ctr">
+          <a:solidFill>
+            <a:schemeClr val="phClr"/>
+          </a:solidFill>
+          <a:prstDash val="solid"/>
+        </a:ln>
+        <a:ln w="38100" cap="flat" cmpd="sng" algn="ctr">
+          <a:solidFill>
+            <a:schemeClr val="phClr"/>
+          </a:solidFill>
+          <a:prstDash val="solid"/>
+        </a:ln>
+      </a:lnStyleLst>
+      <a:effectStyleLst>
+        <a:effectStyle>
+          <a:effectLst>
+            <a:outerShdw blurRad="40000" dist="20000" dir="5400000" rotWithShape="0">
+              <a:srgbClr val="000000">
+                <a:alpha val="38000"/>
+              </a:srgbClr>
+            </a:outerShdw>
+          </a:effectLst>
+        </a:effectStyle>
+        <a:effectStyle>
+          <a:effectLst>
+            <a:outerShdw blurRad="40000" dist="23000" dir="5400000" rotWithShape="0">
+              <a:srgbClr val="000000">
+                <a:alpha val="35000"/>
+              </a:srgbClr>
+            </a:outerShdw>
+          </a:effectLst>
+        </a:effectStyle>
+        <a:effectStyle>
+          <a:effectLst>
+            <a:outerShdw blurRad="40000" dist="23000" dir="5400000" rotWithShape="0">
+              <a:srgbClr val="000000">
+                <a:alpha val="35000"/>
+              </a:srgbClr>
+            </a:outerShdw>
+          </a:effectLst>
+          <a:scene3d>
+            <a:camera prst="orthographicFront">
+              <a:rot lat="0" lon="0" rev="0"/>
+            </a:camera>
+            <a:lightRig rig="threePt" dir="t">
+              <a:rot lat="0" lon="0" rev="1200000"/>
+            </a:lightRig>
+          </a:scene3d>
+          <a:sp3d>
+            <a:bevelT w="63500" h="25400"/>
+          </a:sp3d>
+        </a:effectStyle>
+      </a:effectStyleLst>
+      <a:bgFillStyleLst>
+        <a:solidFill>
+          <a:schemeClr val="phClr"/>
+        </a:solidFill>
+        <a:gradFill rotWithShape="1">
+          <a:gsLst>
+            <a:gs pos="0">
+              <a:schemeClr val="phClr">
+                <a:tint val="40000"/>
+                <a:satMod val="350000"/>
+              </a:schemeClr>
+            </a:gs>
+            <a:gs pos="40000">
+              <a:schemeClr val="phClr">
+                <a:tint val="45000"/>
+                <a:shade val="99000"/>
+                <a:satMod val="350000"/>
+              </a:schemeClr>
+            </a:gs>
+            <a:gs pos="100000">
+              <a:schemeClr val="phClr">
+                <a:shade val="20000"/>
+                <a:satMod val="255000"/>
+              </a:schemeClr>
+            </a:gs>
+          </a:gsLst>
+          <a:path path="circle">
+            <a:fillToRect l="50000" t="-80000" r="50000" b="180000"/>
+          </a:path>
+        </a:gradFill>
+        <a:gradFill rotWithShape="1">
+          <a:gsLst>
+            <a:gs pos="0">
+              <a:schemeClr val="phClr">
+                <a:tint val="80000"/>
+                <a:satMod val="300000"/>
+              </a:schemeClr>
+            </a:gs>
+            <a:gs pos="100000">
+              <a:schemeClr val="phClr">
+                <a:shade val="30000"/>
+                <a:satMod val="200000"/>
+              </a:schemeClr>
+            </a:gs>
+          </a:gsLst>
+          <a:path path="circle">
+            <a:fillToRect l="50000" t="50000" r="50000" b="50000"/>
+          </a:path>
+        </a:gradFill>
+      </a:bgFillStyleLst>
+    </a:fmtScheme>
+  </a:themeElements>
+</a:theme>
+</file>
+
+<file path=ppt/theme/theme2.xml><?xml version="1.0" encoding="utf-8"?>
 <a:theme xmlns:a="http://schemas.openxmlformats.org/drawingml/2006/main" xmlns:r="http://schemas.openxmlformats.org/officeDocument/2006/relationships" name="Simple Light">
   <a:themeElements>
     <a:clrScheme name="Simple Light">
@@ -11705,283 +17033,4 @@
     </a:fmtScheme>
   </a:themeElements>
 </a:theme>
-</file>
-
-<file path=ppt/theme/theme2.xml><?xml version="1.0" encoding="utf-8"?>
-<a:theme xmlns:a="http://schemas.openxmlformats.org/drawingml/2006/main" xmlns:r="http://schemas.openxmlformats.org/officeDocument/2006/relationships">
-  <a:themeElements>
-    <a:clrScheme name="Default">
-      <a:dk1>
-        <a:srgbClr val="000000"/>
-      </a:dk1>
-      <a:lt1>
-        <a:srgbClr val="FFFFFF"/>
-      </a:lt1>
-      <a:dk2>
-        <a:srgbClr val="158158"/>
-      </a:dk2>
-      <a:lt2>
-        <a:srgbClr val="F3F3F3"/>
-      </a:lt2>
-      <a:accent1>
-        <a:srgbClr val="058DC7"/>
-      </a:accent1>
-      <a:accent2>
-        <a:srgbClr val="50B432"/>
-      </a:accent2>
-      <a:accent3>
-        <a:srgbClr val="ED561B"/>
-      </a:accent3>
-      <a:accent4>
-        <a:srgbClr val="EDEF00"/>
-      </a:accent4>
-      <a:accent5>
-        <a:srgbClr val="24CBE5"/>
-      </a:accent5>
-      <a:accent6>
-        <a:srgbClr val="64E572"/>
-      </a:accent6>
-      <a:hlink>
-        <a:srgbClr val="2200CC"/>
-      </a:hlink>
-      <a:folHlink>
-        <a:srgbClr val="551A8B"/>
-      </a:folHlink>
-    </a:clrScheme>
-    <a:fontScheme name="Office">
-      <a:majorFont>
-        <a:latin typeface="Arial"/>
-        <a:ea typeface=""/>
-        <a:cs typeface=""/>
-        <a:font script="Jpan" typeface="ＭＳ Ｐゴシック"/>
-        <a:font script="Hang" typeface="맑은 고딕"/>
-        <a:font script="Hans" typeface="宋体"/>
-        <a:font script="Hant" typeface="新細明體"/>
-        <a:font script="Arab" typeface="Times New Roman"/>
-        <a:font script="Hebr" typeface="Times New Roman"/>
-        <a:font script="Thai" typeface="Angsana New"/>
-        <a:font script="Ethi" typeface="Nyala"/>
-        <a:font script="Beng" typeface="Vrinda"/>
-        <a:font script="Gujr" typeface="Shruti"/>
-        <a:font script="Khmr" typeface="MoolBoran"/>
-        <a:font script="Knda" typeface="Tunga"/>
-        <a:font script="Guru" typeface="Raavi"/>
-        <a:font script="Cans" typeface="Euphemia"/>
-        <a:font script="Cher" typeface="Plantagenet Cherokee"/>
-        <a:font script="Yiii" typeface="Microsoft Yi Baiti"/>
-        <a:font script="Tibt" typeface="Microsoft Himalaya"/>
-        <a:font script="Thaa" typeface="MV Boli"/>
-        <a:font script="Deva" typeface="Mangal"/>
-        <a:font script="Telu" typeface="Gautami"/>
-        <a:font script="Taml" typeface="Latha"/>
-        <a:font script="Syrc" typeface="Estrangelo Edessa"/>
-        <a:font script="Orya" typeface="Kalinga"/>
-        <a:font script="Mlym" typeface="Kartika"/>
-        <a:font script="Laoo" typeface="DokChampa"/>
-        <a:font script="Sinh" typeface="Iskoola Pota"/>
-        <a:font script="Mong" typeface="Mongolian Baiti"/>
-        <a:font script="Viet" typeface="Times New Roman"/>
-        <a:font script="Uigh" typeface="Microsoft Uighur"/>
-        <a:font script="Geor" typeface="Sylfaen"/>
-      </a:majorFont>
-      <a:minorFont>
-        <a:latin typeface="Arial"/>
-        <a:ea typeface=""/>
-        <a:cs typeface=""/>
-        <a:font script="Jpan" typeface="ＭＳ Ｐゴシック"/>
-        <a:font script="Hang" typeface="맑은 고딕"/>
-        <a:font script="Hans" typeface="宋体"/>
-        <a:font script="Hant" typeface="新細明體"/>
-        <a:font script="Arab" typeface="Arial"/>
-        <a:font script="Hebr" typeface="Arial"/>
-        <a:font script="Thai" typeface="Cordia New"/>
-        <a:font script="Ethi" typeface="Nyala"/>
-        <a:font script="Beng" typeface="Vrinda"/>
-        <a:font script="Gujr" typeface="Shruti"/>
-        <a:font script="Khmr" typeface="DaunPenh"/>
-        <a:font script="Knda" typeface="Tunga"/>
-        <a:font script="Guru" typeface="Raavi"/>
-        <a:font script="Cans" typeface="Euphemia"/>
-        <a:font script="Cher" typeface="Plantagenet Cherokee"/>
-        <a:font script="Yiii" typeface="Microsoft Yi Baiti"/>
-        <a:font script="Tibt" typeface="Microsoft Himalaya"/>
-        <a:font script="Thaa" typeface="MV Boli"/>
-        <a:font script="Deva" typeface="Mangal"/>
-        <a:font script="Telu" typeface="Gautami"/>
-        <a:font script="Taml" typeface="Latha"/>
-        <a:font script="Syrc" typeface="Estrangelo Edessa"/>
-        <a:font script="Orya" typeface="Kalinga"/>
-        <a:font script="Mlym" typeface="Kartika"/>
-        <a:font script="Laoo" typeface="DokChampa"/>
-        <a:font script="Sinh" typeface="Iskoola Pota"/>
-        <a:font script="Mong" typeface="Mongolian Baiti"/>
-        <a:font script="Viet" typeface="Arial"/>
-        <a:font script="Uigh" typeface="Microsoft Uighur"/>
-        <a:font script="Geor" typeface="Sylfaen"/>
-      </a:minorFont>
-    </a:fontScheme>
-    <a:fmtScheme name="Office">
-      <a:fillStyleLst>
-        <a:solidFill>
-          <a:schemeClr val="phClr"/>
-        </a:solidFill>
-        <a:gradFill rotWithShape="1">
-          <a:gsLst>
-            <a:gs pos="0">
-              <a:schemeClr val="phClr">
-                <a:tint val="50000"/>
-                <a:satMod val="300000"/>
-              </a:schemeClr>
-            </a:gs>
-            <a:gs pos="35000">
-              <a:schemeClr val="phClr">
-                <a:tint val="37000"/>
-                <a:satMod val="300000"/>
-              </a:schemeClr>
-            </a:gs>
-            <a:gs pos="100000">
-              <a:schemeClr val="phClr">
-                <a:tint val="15000"/>
-                <a:satMod val="350000"/>
-              </a:schemeClr>
-            </a:gs>
-          </a:gsLst>
-          <a:lin ang="16200000" scaled="1"/>
-        </a:gradFill>
-        <a:gradFill rotWithShape="1">
-          <a:gsLst>
-            <a:gs pos="0">
-              <a:schemeClr val="phClr">
-                <a:tint val="100000"/>
-                <a:shade val="100000"/>
-                <a:satMod val="130000"/>
-              </a:schemeClr>
-            </a:gs>
-            <a:gs pos="100000">
-              <a:schemeClr val="phClr">
-                <a:tint val="50000"/>
-                <a:shade val="100000"/>
-                <a:satMod val="350000"/>
-              </a:schemeClr>
-            </a:gs>
-          </a:gsLst>
-          <a:lin ang="16200000" scaled="0"/>
-        </a:gradFill>
-      </a:fillStyleLst>
-      <a:lnStyleLst>
-        <a:ln w="9525" cap="flat" cmpd="sng" algn="ctr">
-          <a:solidFill>
-            <a:schemeClr val="phClr">
-              <a:shade val="95000"/>
-              <a:satMod val="105000"/>
-            </a:schemeClr>
-          </a:solidFill>
-          <a:prstDash val="solid"/>
-        </a:ln>
-        <a:ln w="25400" cap="flat" cmpd="sng" algn="ctr">
-          <a:solidFill>
-            <a:schemeClr val="phClr"/>
-          </a:solidFill>
-          <a:prstDash val="solid"/>
-        </a:ln>
-        <a:ln w="38100" cap="flat" cmpd="sng" algn="ctr">
-          <a:solidFill>
-            <a:schemeClr val="phClr"/>
-          </a:solidFill>
-          <a:prstDash val="solid"/>
-        </a:ln>
-      </a:lnStyleLst>
-      <a:effectStyleLst>
-        <a:effectStyle>
-          <a:effectLst>
-            <a:outerShdw blurRad="40000" dist="20000" dir="5400000" rotWithShape="0">
-              <a:srgbClr val="000000">
-                <a:alpha val="38000"/>
-              </a:srgbClr>
-            </a:outerShdw>
-          </a:effectLst>
-        </a:effectStyle>
-        <a:effectStyle>
-          <a:effectLst>
-            <a:outerShdw blurRad="40000" dist="23000" dir="5400000" rotWithShape="0">
-              <a:srgbClr val="000000">
-                <a:alpha val="35000"/>
-              </a:srgbClr>
-            </a:outerShdw>
-          </a:effectLst>
-        </a:effectStyle>
-        <a:effectStyle>
-          <a:effectLst>
-            <a:outerShdw blurRad="40000" dist="23000" dir="5400000" rotWithShape="0">
-              <a:srgbClr val="000000">
-                <a:alpha val="35000"/>
-              </a:srgbClr>
-            </a:outerShdw>
-          </a:effectLst>
-          <a:scene3d>
-            <a:camera prst="orthographicFront">
-              <a:rot lat="0" lon="0" rev="0"/>
-            </a:camera>
-            <a:lightRig rig="threePt" dir="t">
-              <a:rot lat="0" lon="0" rev="1200000"/>
-            </a:lightRig>
-          </a:scene3d>
-          <a:sp3d>
-            <a:bevelT w="63500" h="25400"/>
-          </a:sp3d>
-        </a:effectStyle>
-      </a:effectStyleLst>
-      <a:bgFillStyleLst>
-        <a:solidFill>
-          <a:schemeClr val="phClr"/>
-        </a:solidFill>
-        <a:gradFill rotWithShape="1">
-          <a:gsLst>
-            <a:gs pos="0">
-              <a:schemeClr val="phClr">
-                <a:tint val="40000"/>
-                <a:satMod val="350000"/>
-              </a:schemeClr>
-            </a:gs>
-            <a:gs pos="40000">
-              <a:schemeClr val="phClr">
-                <a:tint val="45000"/>
-                <a:shade val="99000"/>
-                <a:satMod val="350000"/>
-              </a:schemeClr>
-            </a:gs>
-            <a:gs pos="100000">
-              <a:schemeClr val="phClr">
-                <a:shade val="20000"/>
-                <a:satMod val="255000"/>
-              </a:schemeClr>
-            </a:gs>
-          </a:gsLst>
-          <a:path path="circle">
-            <a:fillToRect l="50000" t="-80000" r="50000" b="180000"/>
-          </a:path>
-        </a:gradFill>
-        <a:gradFill rotWithShape="1">
-          <a:gsLst>
-            <a:gs pos="0">
-              <a:schemeClr val="phClr">
-                <a:tint val="80000"/>
-                <a:satMod val="300000"/>
-              </a:schemeClr>
-            </a:gs>
-            <a:gs pos="100000">
-              <a:schemeClr val="phClr">
-                <a:shade val="30000"/>
-                <a:satMod val="200000"/>
-              </a:schemeClr>
-            </a:gs>
-          </a:gsLst>
-          <a:path path="circle">
-            <a:fillToRect l="50000" t="50000" r="50000" b="50000"/>
-          </a:path>
-        </a:gradFill>
-      </a:bgFillStyleLst>
-    </a:fmtScheme>
-  </a:themeElements>
-</a:theme>
 </file>